--- a/3. CSS/Slides/CSS Transformation&Animation.pptx
+++ b/3. CSS/Slides/CSS Transformation&Animation.pptx
@@ -4,15 +4,23 @@
   <p:sldMasterIdLst>
     <p:sldMasterId id="2147483686" r:id="rId1"/>
   </p:sldMasterIdLst>
+  <p:notesMasterIdLst>
+    <p:notesMasterId r:id="rId15"/>
+  </p:notesMasterIdLst>
   <p:sldIdLst>
     <p:sldId id="297" r:id="rId2"/>
     <p:sldId id="294" r:id="rId3"/>
-    <p:sldId id="302" r:id="rId4"/>
-    <p:sldId id="299" r:id="rId5"/>
-    <p:sldId id="303" r:id="rId6"/>
-    <p:sldId id="298" r:id="rId7"/>
-    <p:sldId id="290" r:id="rId8"/>
-    <p:sldId id="292" r:id="rId9"/>
+    <p:sldId id="306" r:id="rId4"/>
+    <p:sldId id="302" r:id="rId5"/>
+    <p:sldId id="305" r:id="rId6"/>
+    <p:sldId id="299" r:id="rId7"/>
+    <p:sldId id="304" r:id="rId8"/>
+    <p:sldId id="308" r:id="rId9"/>
+    <p:sldId id="303" r:id="rId10"/>
+    <p:sldId id="298" r:id="rId11"/>
+    <p:sldId id="307" r:id="rId12"/>
+    <p:sldId id="290" r:id="rId13"/>
+    <p:sldId id="292" r:id="rId14"/>
   </p:sldIdLst>
   <p:sldSz cx="12192000" cy="6858000"/>
   <p:notesSz cx="6858000" cy="9144000"/>
@@ -119,6 +127,958 @@
 </p:presentation>
 </file>
 
+<file path=ppt/notesMasters/notesMaster1.xml><?xml version="1.0" encoding="utf-8"?>
+<p:notesMaster xmlns:a="http://schemas.openxmlformats.org/drawingml/2006/main" xmlns:r="http://schemas.openxmlformats.org/officeDocument/2006/relationships" xmlns:p="http://schemas.openxmlformats.org/presentationml/2006/main">
+  <p:cSld>
+    <p:bg>
+      <p:bgRef idx="1001">
+        <a:schemeClr val="bg1"/>
+      </p:bgRef>
+    </p:bg>
+    <p:spTree>
+      <p:nvGrpSpPr>
+        <p:cNvPr id="1" name=""/>
+        <p:cNvGrpSpPr/>
+        <p:nvPr/>
+      </p:nvGrpSpPr>
+      <p:grpSpPr>
+        <a:xfrm>
+          <a:off x="0" y="0"/>
+          <a:ext cx="0" cy="0"/>
+          <a:chOff x="0" y="0"/>
+          <a:chExt cx="0" cy="0"/>
+        </a:xfrm>
+      </p:grpSpPr>
+      <p:sp>
+        <p:nvSpPr>
+          <p:cNvPr id="2" name="Kopfzeilenplatzhalter 1"/>
+          <p:cNvSpPr>
+            <a:spLocks noGrp="1"/>
+          </p:cNvSpPr>
+          <p:nvPr>
+            <p:ph type="hdr" sz="quarter"/>
+          </p:nvPr>
+        </p:nvSpPr>
+        <p:spPr>
+          <a:xfrm>
+            <a:off x="0" y="0"/>
+            <a:ext cx="2971800" cy="458788"/>
+          </a:xfrm>
+          <a:prstGeom prst="rect">
+            <a:avLst/>
+          </a:prstGeom>
+        </p:spPr>
+        <p:txBody>
+          <a:bodyPr vert="horz" lIns="91440" tIns="45720" rIns="91440" bIns="45720" rtlCol="0"/>
+          <a:lstStyle>
+            <a:lvl1pPr algn="l">
+              <a:defRPr sz="1200"/>
+            </a:lvl1pPr>
+          </a:lstStyle>
+          <a:p>
+            <a:endParaRPr lang="de-AT"/>
+          </a:p>
+        </p:txBody>
+      </p:sp>
+      <p:sp>
+        <p:nvSpPr>
+          <p:cNvPr id="3" name="Datumsplatzhalter 2"/>
+          <p:cNvSpPr>
+            <a:spLocks noGrp="1"/>
+          </p:cNvSpPr>
+          <p:nvPr>
+            <p:ph type="dt" idx="1"/>
+          </p:nvPr>
+        </p:nvSpPr>
+        <p:spPr>
+          <a:xfrm>
+            <a:off x="3884613" y="0"/>
+            <a:ext cx="2971800" cy="458788"/>
+          </a:xfrm>
+          <a:prstGeom prst="rect">
+            <a:avLst/>
+          </a:prstGeom>
+        </p:spPr>
+        <p:txBody>
+          <a:bodyPr vert="horz" lIns="91440" tIns="45720" rIns="91440" bIns="45720" rtlCol="0"/>
+          <a:lstStyle>
+            <a:lvl1pPr algn="r">
+              <a:defRPr sz="1200"/>
+            </a:lvl1pPr>
+          </a:lstStyle>
+          <a:p>
+            <a:fld id="{264B0943-EFD7-447A-ADBF-516CF43B9965}" type="datetimeFigureOut">
+              <a:rPr lang="de-AT" smtClean="0"/>
+              <a:t>05.11.2024</a:t>
+            </a:fld>
+            <a:endParaRPr lang="de-AT"/>
+          </a:p>
+        </p:txBody>
+      </p:sp>
+      <p:sp>
+        <p:nvSpPr>
+          <p:cNvPr id="4" name="Folienbildplatzhalter 3"/>
+          <p:cNvSpPr>
+            <a:spLocks noGrp="1" noRot="1" noChangeAspect="1"/>
+          </p:cNvSpPr>
+          <p:nvPr>
+            <p:ph type="sldImg" idx="2"/>
+          </p:nvPr>
+        </p:nvSpPr>
+        <p:spPr>
+          <a:xfrm>
+            <a:off x="685800" y="1143000"/>
+            <a:ext cx="5486400" cy="3086100"/>
+          </a:xfrm>
+          <a:prstGeom prst="rect">
+            <a:avLst/>
+          </a:prstGeom>
+          <a:noFill/>
+          <a:ln w="12700">
+            <a:solidFill>
+              <a:prstClr val="black"/>
+            </a:solidFill>
+          </a:ln>
+        </p:spPr>
+        <p:txBody>
+          <a:bodyPr vert="horz" lIns="91440" tIns="45720" rIns="91440" bIns="45720" rtlCol="0" anchor="ctr"/>
+          <a:lstStyle/>
+          <a:p>
+            <a:endParaRPr lang="de-AT"/>
+          </a:p>
+        </p:txBody>
+      </p:sp>
+      <p:sp>
+        <p:nvSpPr>
+          <p:cNvPr id="5" name="Notizenplatzhalter 4"/>
+          <p:cNvSpPr>
+            <a:spLocks noGrp="1"/>
+          </p:cNvSpPr>
+          <p:nvPr>
+            <p:ph type="body" sz="quarter" idx="3"/>
+          </p:nvPr>
+        </p:nvSpPr>
+        <p:spPr>
+          <a:xfrm>
+            <a:off x="685800" y="4400550"/>
+            <a:ext cx="5486400" cy="3600450"/>
+          </a:xfrm>
+          <a:prstGeom prst="rect">
+            <a:avLst/>
+          </a:prstGeom>
+        </p:spPr>
+        <p:txBody>
+          <a:bodyPr vert="horz" lIns="91440" tIns="45720" rIns="91440" bIns="45720" rtlCol="0"/>
+          <a:lstStyle/>
+          <a:p>
+            <a:pPr lvl="0"/>
+            <a:r>
+              <a:rPr lang="de-DE"/>
+              <a:t>Mastertextformat bearbeiten</a:t>
+            </a:r>
+          </a:p>
+          <a:p>
+            <a:pPr lvl="1"/>
+            <a:r>
+              <a:rPr lang="de-DE"/>
+              <a:t>Zweite Ebene</a:t>
+            </a:r>
+          </a:p>
+          <a:p>
+            <a:pPr lvl="2"/>
+            <a:r>
+              <a:rPr lang="de-DE"/>
+              <a:t>Dritte Ebene</a:t>
+            </a:r>
+          </a:p>
+          <a:p>
+            <a:pPr lvl="3"/>
+            <a:r>
+              <a:rPr lang="de-DE"/>
+              <a:t>Vierte Ebene</a:t>
+            </a:r>
+          </a:p>
+          <a:p>
+            <a:pPr lvl="4"/>
+            <a:r>
+              <a:rPr lang="de-DE"/>
+              <a:t>Fünfte Ebene</a:t>
+            </a:r>
+            <a:endParaRPr lang="de-AT"/>
+          </a:p>
+        </p:txBody>
+      </p:sp>
+      <p:sp>
+        <p:nvSpPr>
+          <p:cNvPr id="6" name="Fußzeilenplatzhalter 5"/>
+          <p:cNvSpPr>
+            <a:spLocks noGrp="1"/>
+          </p:cNvSpPr>
+          <p:nvPr>
+            <p:ph type="ftr" sz="quarter" idx="4"/>
+          </p:nvPr>
+        </p:nvSpPr>
+        <p:spPr>
+          <a:xfrm>
+            <a:off x="0" y="8685213"/>
+            <a:ext cx="2971800" cy="458787"/>
+          </a:xfrm>
+          <a:prstGeom prst="rect">
+            <a:avLst/>
+          </a:prstGeom>
+        </p:spPr>
+        <p:txBody>
+          <a:bodyPr vert="horz" lIns="91440" tIns="45720" rIns="91440" bIns="45720" rtlCol="0" anchor="b"/>
+          <a:lstStyle>
+            <a:lvl1pPr algn="l">
+              <a:defRPr sz="1200"/>
+            </a:lvl1pPr>
+          </a:lstStyle>
+          <a:p>
+            <a:endParaRPr lang="de-AT"/>
+          </a:p>
+        </p:txBody>
+      </p:sp>
+      <p:sp>
+        <p:nvSpPr>
+          <p:cNvPr id="7" name="Foliennummernplatzhalter 6"/>
+          <p:cNvSpPr>
+            <a:spLocks noGrp="1"/>
+          </p:cNvSpPr>
+          <p:nvPr>
+            <p:ph type="sldNum" sz="quarter" idx="5"/>
+          </p:nvPr>
+        </p:nvSpPr>
+        <p:spPr>
+          <a:xfrm>
+            <a:off x="3884613" y="8685213"/>
+            <a:ext cx="2971800" cy="458787"/>
+          </a:xfrm>
+          <a:prstGeom prst="rect">
+            <a:avLst/>
+          </a:prstGeom>
+        </p:spPr>
+        <p:txBody>
+          <a:bodyPr vert="horz" lIns="91440" tIns="45720" rIns="91440" bIns="45720" rtlCol="0" anchor="b"/>
+          <a:lstStyle>
+            <a:lvl1pPr algn="r">
+              <a:defRPr sz="1200"/>
+            </a:lvl1pPr>
+          </a:lstStyle>
+          <a:p>
+            <a:fld id="{B1598897-9DDC-4E75-B1A7-D1A2AB60BB28}" type="slidenum">
+              <a:rPr lang="de-AT" smtClean="0"/>
+              <a:t>‹Nr.›</a:t>
+            </a:fld>
+            <a:endParaRPr lang="de-AT"/>
+          </a:p>
+        </p:txBody>
+      </p:sp>
+    </p:spTree>
+    <p:extLst>
+      <p:ext uri="{BB962C8B-B14F-4D97-AF65-F5344CB8AC3E}">
+        <p14:creationId xmlns:p14="http://schemas.microsoft.com/office/powerpoint/2010/main" val="107990770"/>
+      </p:ext>
+    </p:extLst>
+  </p:cSld>
+  <p:clrMap bg1="lt1" tx1="dk1" bg2="lt2" tx2="dk2" accent1="accent1" accent2="accent2" accent3="accent3" accent4="accent4" accent5="accent5" accent6="accent6" hlink="hlink" folHlink="folHlink"/>
+  <p:notesStyle>
+    <a:lvl1pPr marL="0" algn="l" defTabSz="914400" rtl="0" eaLnBrk="1" latinLnBrk="0" hangingPunct="1">
+      <a:defRPr sz="1200" kern="1200">
+        <a:solidFill>
+          <a:schemeClr val="tx1"/>
+        </a:solidFill>
+        <a:latin typeface="+mn-lt"/>
+        <a:ea typeface="+mn-ea"/>
+        <a:cs typeface="+mn-cs"/>
+      </a:defRPr>
+    </a:lvl1pPr>
+    <a:lvl2pPr marL="457200" algn="l" defTabSz="914400" rtl="0" eaLnBrk="1" latinLnBrk="0" hangingPunct="1">
+      <a:defRPr sz="1200" kern="1200">
+        <a:solidFill>
+          <a:schemeClr val="tx1"/>
+        </a:solidFill>
+        <a:latin typeface="+mn-lt"/>
+        <a:ea typeface="+mn-ea"/>
+        <a:cs typeface="+mn-cs"/>
+      </a:defRPr>
+    </a:lvl2pPr>
+    <a:lvl3pPr marL="914400" algn="l" defTabSz="914400" rtl="0" eaLnBrk="1" latinLnBrk="0" hangingPunct="1">
+      <a:defRPr sz="1200" kern="1200">
+        <a:solidFill>
+          <a:schemeClr val="tx1"/>
+        </a:solidFill>
+        <a:latin typeface="+mn-lt"/>
+        <a:ea typeface="+mn-ea"/>
+        <a:cs typeface="+mn-cs"/>
+      </a:defRPr>
+    </a:lvl3pPr>
+    <a:lvl4pPr marL="1371600" algn="l" defTabSz="914400" rtl="0" eaLnBrk="1" latinLnBrk="0" hangingPunct="1">
+      <a:defRPr sz="1200" kern="1200">
+        <a:solidFill>
+          <a:schemeClr val="tx1"/>
+        </a:solidFill>
+        <a:latin typeface="+mn-lt"/>
+        <a:ea typeface="+mn-ea"/>
+        <a:cs typeface="+mn-cs"/>
+      </a:defRPr>
+    </a:lvl4pPr>
+    <a:lvl5pPr marL="1828800" algn="l" defTabSz="914400" rtl="0" eaLnBrk="1" latinLnBrk="0" hangingPunct="1">
+      <a:defRPr sz="1200" kern="1200">
+        <a:solidFill>
+          <a:schemeClr val="tx1"/>
+        </a:solidFill>
+        <a:latin typeface="+mn-lt"/>
+        <a:ea typeface="+mn-ea"/>
+        <a:cs typeface="+mn-cs"/>
+      </a:defRPr>
+    </a:lvl5pPr>
+    <a:lvl6pPr marL="2286000" algn="l" defTabSz="914400" rtl="0" eaLnBrk="1" latinLnBrk="0" hangingPunct="1">
+      <a:defRPr sz="1200" kern="1200">
+        <a:solidFill>
+          <a:schemeClr val="tx1"/>
+        </a:solidFill>
+        <a:latin typeface="+mn-lt"/>
+        <a:ea typeface="+mn-ea"/>
+        <a:cs typeface="+mn-cs"/>
+      </a:defRPr>
+    </a:lvl6pPr>
+    <a:lvl7pPr marL="2743200" algn="l" defTabSz="914400" rtl="0" eaLnBrk="1" latinLnBrk="0" hangingPunct="1">
+      <a:defRPr sz="1200" kern="1200">
+        <a:solidFill>
+          <a:schemeClr val="tx1"/>
+        </a:solidFill>
+        <a:latin typeface="+mn-lt"/>
+        <a:ea typeface="+mn-ea"/>
+        <a:cs typeface="+mn-cs"/>
+      </a:defRPr>
+    </a:lvl7pPr>
+    <a:lvl8pPr marL="3200400" algn="l" defTabSz="914400" rtl="0" eaLnBrk="1" latinLnBrk="0" hangingPunct="1">
+      <a:defRPr sz="1200" kern="1200">
+        <a:solidFill>
+          <a:schemeClr val="tx1"/>
+        </a:solidFill>
+        <a:latin typeface="+mn-lt"/>
+        <a:ea typeface="+mn-ea"/>
+        <a:cs typeface="+mn-cs"/>
+      </a:defRPr>
+    </a:lvl8pPr>
+    <a:lvl9pPr marL="3657600" algn="l" defTabSz="914400" rtl="0" eaLnBrk="1" latinLnBrk="0" hangingPunct="1">
+      <a:defRPr sz="1200" kern="1200">
+        <a:solidFill>
+          <a:schemeClr val="tx1"/>
+        </a:solidFill>
+        <a:latin typeface="+mn-lt"/>
+        <a:ea typeface="+mn-ea"/>
+        <a:cs typeface="+mn-cs"/>
+      </a:defRPr>
+    </a:lvl9pPr>
+  </p:notesStyle>
+</p:notesMaster>
+</file>
+
+<file path=ppt/notesSlides/notesSlide1.xml><?xml version="1.0" encoding="utf-8"?>
+<p:notes xmlns:a="http://schemas.openxmlformats.org/drawingml/2006/main" xmlns:r="http://schemas.openxmlformats.org/officeDocument/2006/relationships" xmlns:p="http://schemas.openxmlformats.org/presentationml/2006/main">
+  <p:cSld>
+    <p:spTree>
+      <p:nvGrpSpPr>
+        <p:cNvPr id="1" name=""/>
+        <p:cNvGrpSpPr/>
+        <p:nvPr/>
+      </p:nvGrpSpPr>
+      <p:grpSpPr>
+        <a:xfrm>
+          <a:off x="0" y="0"/>
+          <a:ext cx="0" cy="0"/>
+          <a:chOff x="0" y="0"/>
+          <a:chExt cx="0" cy="0"/>
+        </a:xfrm>
+      </p:grpSpPr>
+      <p:sp>
+        <p:nvSpPr>
+          <p:cNvPr id="2" name="Folienbildplatzhalter 1"/>
+          <p:cNvSpPr>
+            <a:spLocks noGrp="1" noRot="1" noChangeAspect="1"/>
+          </p:cNvSpPr>
+          <p:nvPr>
+            <p:ph type="sldImg"/>
+          </p:nvPr>
+        </p:nvSpPr>
+        <p:spPr/>
+      </p:sp>
+      <p:sp>
+        <p:nvSpPr>
+          <p:cNvPr id="3" name="Notizenplatzhalter 2"/>
+          <p:cNvSpPr>
+            <a:spLocks noGrp="1"/>
+          </p:cNvSpPr>
+          <p:nvPr>
+            <p:ph type="body" idx="1"/>
+          </p:nvPr>
+        </p:nvSpPr>
+        <p:spPr/>
+        <p:txBody>
+          <a:bodyPr/>
+          <a:lstStyle/>
+          <a:p>
+            <a:endParaRPr lang="de-AT" dirty="0"/>
+          </a:p>
+        </p:txBody>
+      </p:sp>
+      <p:sp>
+        <p:nvSpPr>
+          <p:cNvPr id="4" name="Foliennummernplatzhalter 3"/>
+          <p:cNvSpPr>
+            <a:spLocks noGrp="1"/>
+          </p:cNvSpPr>
+          <p:nvPr>
+            <p:ph type="sldNum" sz="quarter" idx="5"/>
+          </p:nvPr>
+        </p:nvSpPr>
+        <p:spPr/>
+        <p:txBody>
+          <a:bodyPr/>
+          <a:lstStyle/>
+          <a:p>
+            <a:fld id="{B1598897-9DDC-4E75-B1A7-D1A2AB60BB28}" type="slidenum">
+              <a:rPr lang="de-AT" smtClean="0"/>
+              <a:t>3</a:t>
+            </a:fld>
+            <a:endParaRPr lang="de-AT"/>
+          </a:p>
+        </p:txBody>
+      </p:sp>
+    </p:spTree>
+    <p:extLst>
+      <p:ext uri="{BB962C8B-B14F-4D97-AF65-F5344CB8AC3E}">
+        <p14:creationId xmlns:p14="http://schemas.microsoft.com/office/powerpoint/2010/main" val="3300895850"/>
+      </p:ext>
+    </p:extLst>
+  </p:cSld>
+  <p:clrMapOvr>
+    <a:masterClrMapping/>
+  </p:clrMapOvr>
+</p:notes>
+</file>
+
+<file path=ppt/notesSlides/notesSlide2.xml><?xml version="1.0" encoding="utf-8"?>
+<p:notes xmlns:a="http://schemas.openxmlformats.org/drawingml/2006/main" xmlns:r="http://schemas.openxmlformats.org/officeDocument/2006/relationships" xmlns:p="http://schemas.openxmlformats.org/presentationml/2006/main">
+  <p:cSld>
+    <p:spTree>
+      <p:nvGrpSpPr>
+        <p:cNvPr id="1" name=""/>
+        <p:cNvGrpSpPr/>
+        <p:nvPr/>
+      </p:nvGrpSpPr>
+      <p:grpSpPr>
+        <a:xfrm>
+          <a:off x="0" y="0"/>
+          <a:ext cx="0" cy="0"/>
+          <a:chOff x="0" y="0"/>
+          <a:chExt cx="0" cy="0"/>
+        </a:xfrm>
+      </p:grpSpPr>
+      <p:sp>
+        <p:nvSpPr>
+          <p:cNvPr id="2" name="Folienbildplatzhalter 1"/>
+          <p:cNvSpPr>
+            <a:spLocks noGrp="1" noRot="1" noChangeAspect="1"/>
+          </p:cNvSpPr>
+          <p:nvPr>
+            <p:ph type="sldImg"/>
+          </p:nvPr>
+        </p:nvSpPr>
+        <p:spPr/>
+      </p:sp>
+      <p:sp>
+        <p:nvSpPr>
+          <p:cNvPr id="3" name="Notizenplatzhalter 2"/>
+          <p:cNvSpPr>
+            <a:spLocks noGrp="1"/>
+          </p:cNvSpPr>
+          <p:nvPr>
+            <p:ph type="body" idx="1"/>
+          </p:nvPr>
+        </p:nvSpPr>
+        <p:spPr/>
+        <p:txBody>
+          <a:bodyPr/>
+          <a:lstStyle/>
+          <a:p>
+            <a:endParaRPr lang="de-AT" dirty="0"/>
+          </a:p>
+        </p:txBody>
+      </p:sp>
+      <p:sp>
+        <p:nvSpPr>
+          <p:cNvPr id="4" name="Foliennummernplatzhalter 3"/>
+          <p:cNvSpPr>
+            <a:spLocks noGrp="1"/>
+          </p:cNvSpPr>
+          <p:nvPr>
+            <p:ph type="sldNum" sz="quarter" idx="5"/>
+          </p:nvPr>
+        </p:nvSpPr>
+        <p:spPr/>
+        <p:txBody>
+          <a:bodyPr/>
+          <a:lstStyle/>
+          <a:p>
+            <a:fld id="{B1598897-9DDC-4E75-B1A7-D1A2AB60BB28}" type="slidenum">
+              <a:rPr lang="de-AT" smtClean="0"/>
+              <a:t>5</a:t>
+            </a:fld>
+            <a:endParaRPr lang="de-AT"/>
+          </a:p>
+        </p:txBody>
+      </p:sp>
+    </p:spTree>
+    <p:extLst>
+      <p:ext uri="{BB962C8B-B14F-4D97-AF65-F5344CB8AC3E}">
+        <p14:creationId xmlns:p14="http://schemas.microsoft.com/office/powerpoint/2010/main" val="4129755442"/>
+      </p:ext>
+    </p:extLst>
+  </p:cSld>
+  <p:clrMapOvr>
+    <a:masterClrMapping/>
+  </p:clrMapOvr>
+</p:notes>
+</file>
+
+<file path=ppt/notesSlides/notesSlide3.xml><?xml version="1.0" encoding="utf-8"?>
+<p:notes xmlns:a="http://schemas.openxmlformats.org/drawingml/2006/main" xmlns:r="http://schemas.openxmlformats.org/officeDocument/2006/relationships" xmlns:p="http://schemas.openxmlformats.org/presentationml/2006/main">
+  <p:cSld>
+    <p:spTree>
+      <p:nvGrpSpPr>
+        <p:cNvPr id="1" name=""/>
+        <p:cNvGrpSpPr/>
+        <p:nvPr/>
+      </p:nvGrpSpPr>
+      <p:grpSpPr>
+        <a:xfrm>
+          <a:off x="0" y="0"/>
+          <a:ext cx="0" cy="0"/>
+          <a:chOff x="0" y="0"/>
+          <a:chExt cx="0" cy="0"/>
+        </a:xfrm>
+      </p:grpSpPr>
+      <p:sp>
+        <p:nvSpPr>
+          <p:cNvPr id="2" name="Folienbildplatzhalter 1"/>
+          <p:cNvSpPr>
+            <a:spLocks noGrp="1" noRot="1" noChangeAspect="1"/>
+          </p:cNvSpPr>
+          <p:nvPr>
+            <p:ph type="sldImg"/>
+          </p:nvPr>
+        </p:nvSpPr>
+        <p:spPr/>
+      </p:sp>
+      <p:sp>
+        <p:nvSpPr>
+          <p:cNvPr id="3" name="Notizenplatzhalter 2"/>
+          <p:cNvSpPr>
+            <a:spLocks noGrp="1"/>
+          </p:cNvSpPr>
+          <p:nvPr>
+            <p:ph type="body" idx="1"/>
+          </p:nvPr>
+        </p:nvSpPr>
+        <p:spPr/>
+        <p:txBody>
+          <a:bodyPr/>
+          <a:lstStyle/>
+          <a:p>
+            <a:pPr algn="l"/>
+            <a:r>
+              <a:rPr lang="en-US" b="0" i="0" dirty="0">
+                <a:solidFill>
+                  <a:srgbClr val="000000"/>
+                </a:solidFill>
+                <a:effectLst/>
+                <a:latin typeface="Verdana" panose="020B0604030504040204" pitchFamily="34" charset="0"/>
+              </a:rPr>
+              <a:t>The transition-timing-function property specifies the speed curve of the transition effect.</a:t>
+            </a:r>
+          </a:p>
+          <a:p>
+            <a:pPr algn="l"/>
+            <a:r>
+              <a:rPr lang="en-US" b="0" i="0" dirty="0">
+                <a:solidFill>
+                  <a:srgbClr val="000000"/>
+                </a:solidFill>
+                <a:effectLst/>
+                <a:latin typeface="Verdana" panose="020B0604030504040204" pitchFamily="34" charset="0"/>
+              </a:rPr>
+              <a:t>The transition-timing-function property can have the following values:</a:t>
+            </a:r>
+          </a:p>
+          <a:p>
+            <a:pPr algn="l">
+              <a:buFont typeface="Arial" panose="020B0604020202020204" pitchFamily="34" charset="0"/>
+              <a:buChar char="•"/>
+            </a:pPr>
+            <a:r>
+              <a:rPr lang="en-US" b="0" i="0" dirty="0">
+                <a:solidFill>
+                  <a:srgbClr val="000000"/>
+                </a:solidFill>
+                <a:effectLst/>
+                <a:latin typeface="Verdana" panose="020B0604030504040204" pitchFamily="34" charset="0"/>
+              </a:rPr>
+              <a:t>ease - specifies a transition effect with a slow start, then fast, then end slowly (this is default)</a:t>
+            </a:r>
+          </a:p>
+          <a:p>
+            <a:pPr algn="l">
+              <a:buFont typeface="Arial" panose="020B0604020202020204" pitchFamily="34" charset="0"/>
+              <a:buChar char="•"/>
+            </a:pPr>
+            <a:r>
+              <a:rPr lang="en-US" b="0" i="0" dirty="0">
+                <a:solidFill>
+                  <a:srgbClr val="000000"/>
+                </a:solidFill>
+                <a:effectLst/>
+                <a:latin typeface="Verdana" panose="020B0604030504040204" pitchFamily="34" charset="0"/>
+              </a:rPr>
+              <a:t>linear - specifies a transition effect with the same speed from start to end</a:t>
+            </a:r>
+          </a:p>
+          <a:p>
+            <a:pPr algn="l">
+              <a:buFont typeface="Arial" panose="020B0604020202020204" pitchFamily="34" charset="0"/>
+              <a:buChar char="•"/>
+            </a:pPr>
+            <a:r>
+              <a:rPr lang="en-US" b="0" i="0" dirty="0">
+                <a:solidFill>
+                  <a:srgbClr val="000000"/>
+                </a:solidFill>
+                <a:effectLst/>
+                <a:latin typeface="Verdana" panose="020B0604030504040204" pitchFamily="34" charset="0"/>
+              </a:rPr>
+              <a:t>ease-in - specifies a transition effect with a slow start</a:t>
+            </a:r>
+          </a:p>
+          <a:p>
+            <a:pPr algn="l">
+              <a:buFont typeface="Arial" panose="020B0604020202020204" pitchFamily="34" charset="0"/>
+              <a:buChar char="•"/>
+            </a:pPr>
+            <a:r>
+              <a:rPr lang="en-US" b="0" i="0" dirty="0">
+                <a:solidFill>
+                  <a:srgbClr val="000000"/>
+                </a:solidFill>
+                <a:effectLst/>
+                <a:latin typeface="Verdana" panose="020B0604030504040204" pitchFamily="34" charset="0"/>
+              </a:rPr>
+              <a:t>ease-out - specifies a transition effect with a slow end</a:t>
+            </a:r>
+          </a:p>
+          <a:p>
+            <a:pPr algn="l">
+              <a:buFont typeface="Arial" panose="020B0604020202020204" pitchFamily="34" charset="0"/>
+              <a:buChar char="•"/>
+            </a:pPr>
+            <a:r>
+              <a:rPr lang="en-US" b="0" i="0" dirty="0">
+                <a:solidFill>
+                  <a:srgbClr val="000000"/>
+                </a:solidFill>
+                <a:effectLst/>
+                <a:latin typeface="Verdana" panose="020B0604030504040204" pitchFamily="34" charset="0"/>
+              </a:rPr>
+              <a:t>ease-in-out - specifies a transition effect with a slow start and end</a:t>
+            </a:r>
+          </a:p>
+          <a:p>
+            <a:pPr algn="l">
+              <a:buFont typeface="Arial" panose="020B0604020202020204" pitchFamily="34" charset="0"/>
+              <a:buChar char="•"/>
+            </a:pPr>
+            <a:r>
+              <a:rPr lang="en-US" b="0" i="0" dirty="0">
+                <a:solidFill>
+                  <a:srgbClr val="000000"/>
+                </a:solidFill>
+                <a:effectLst/>
+                <a:latin typeface="Verdana" panose="020B0604030504040204" pitchFamily="34" charset="0"/>
+              </a:rPr>
+              <a:t>cubic-</a:t>
+            </a:r>
+            <a:r>
+              <a:rPr lang="en-US" b="0" i="0" dirty="0" err="1">
+                <a:solidFill>
+                  <a:srgbClr val="000000"/>
+                </a:solidFill>
+                <a:effectLst/>
+                <a:latin typeface="Verdana" panose="020B0604030504040204" pitchFamily="34" charset="0"/>
+              </a:rPr>
+              <a:t>bezier</a:t>
+            </a:r>
+            <a:r>
+              <a:rPr lang="en-US" b="0" i="0" dirty="0">
+                <a:solidFill>
+                  <a:srgbClr val="000000"/>
+                </a:solidFill>
+                <a:effectLst/>
+                <a:latin typeface="Verdana" panose="020B0604030504040204" pitchFamily="34" charset="0"/>
+              </a:rPr>
+              <a:t>(</a:t>
+            </a:r>
+            <a:r>
+              <a:rPr lang="en-US" b="0" i="0" dirty="0" err="1">
+                <a:solidFill>
+                  <a:srgbClr val="000000"/>
+                </a:solidFill>
+                <a:effectLst/>
+                <a:latin typeface="Verdana" panose="020B0604030504040204" pitchFamily="34" charset="0"/>
+              </a:rPr>
+              <a:t>n,n,n,n</a:t>
+            </a:r>
+            <a:r>
+              <a:rPr lang="en-US" b="0" i="0" dirty="0">
+                <a:solidFill>
+                  <a:srgbClr val="000000"/>
+                </a:solidFill>
+                <a:effectLst/>
+                <a:latin typeface="Verdana" panose="020B0604030504040204" pitchFamily="34" charset="0"/>
+              </a:rPr>
+              <a:t>) - lets you define your own values in a cubic-</a:t>
+            </a:r>
+            <a:r>
+              <a:rPr lang="en-US" b="0" i="0" dirty="0" err="1">
+                <a:solidFill>
+                  <a:srgbClr val="000000"/>
+                </a:solidFill>
+                <a:effectLst/>
+                <a:latin typeface="Verdana" panose="020B0604030504040204" pitchFamily="34" charset="0"/>
+              </a:rPr>
+              <a:t>bezier</a:t>
+            </a:r>
+            <a:r>
+              <a:rPr lang="en-US" b="0" i="0" dirty="0">
+                <a:solidFill>
+                  <a:srgbClr val="000000"/>
+                </a:solidFill>
+                <a:effectLst/>
+                <a:latin typeface="Verdana" panose="020B0604030504040204" pitchFamily="34" charset="0"/>
+              </a:rPr>
+              <a:t> function</a:t>
+            </a:r>
+          </a:p>
+          <a:p>
+            <a:endParaRPr lang="de-AT" dirty="0"/>
+          </a:p>
+        </p:txBody>
+      </p:sp>
+      <p:sp>
+        <p:nvSpPr>
+          <p:cNvPr id="4" name="Foliennummernplatzhalter 3"/>
+          <p:cNvSpPr>
+            <a:spLocks noGrp="1"/>
+          </p:cNvSpPr>
+          <p:nvPr>
+            <p:ph type="sldNum" sz="quarter" idx="5"/>
+          </p:nvPr>
+        </p:nvSpPr>
+        <p:spPr/>
+        <p:txBody>
+          <a:bodyPr/>
+          <a:lstStyle/>
+          <a:p>
+            <a:fld id="{B1598897-9DDC-4E75-B1A7-D1A2AB60BB28}" type="slidenum">
+              <a:rPr lang="de-AT" smtClean="0"/>
+              <a:t>7</a:t>
+            </a:fld>
+            <a:endParaRPr lang="de-AT"/>
+          </a:p>
+        </p:txBody>
+      </p:sp>
+    </p:spTree>
+    <p:extLst>
+      <p:ext uri="{BB962C8B-B14F-4D97-AF65-F5344CB8AC3E}">
+        <p14:creationId xmlns:p14="http://schemas.microsoft.com/office/powerpoint/2010/main" val="3055521558"/>
+      </p:ext>
+    </p:extLst>
+  </p:cSld>
+  <p:clrMapOvr>
+    <a:masterClrMapping/>
+  </p:clrMapOvr>
+</p:notes>
+</file>
+
+<file path=ppt/notesSlides/notesSlide4.xml><?xml version="1.0" encoding="utf-8"?>
+<p:notes xmlns:a="http://schemas.openxmlformats.org/drawingml/2006/main" xmlns:r="http://schemas.openxmlformats.org/officeDocument/2006/relationships" xmlns:p="http://schemas.openxmlformats.org/presentationml/2006/main">
+  <p:cSld>
+    <p:spTree>
+      <p:nvGrpSpPr>
+        <p:cNvPr id="1" name=""/>
+        <p:cNvGrpSpPr/>
+        <p:nvPr/>
+      </p:nvGrpSpPr>
+      <p:grpSpPr>
+        <a:xfrm>
+          <a:off x="0" y="0"/>
+          <a:ext cx="0" cy="0"/>
+          <a:chOff x="0" y="0"/>
+          <a:chExt cx="0" cy="0"/>
+        </a:xfrm>
+      </p:grpSpPr>
+      <p:sp>
+        <p:nvSpPr>
+          <p:cNvPr id="2" name="Folienbildplatzhalter 1"/>
+          <p:cNvSpPr>
+            <a:spLocks noGrp="1" noRot="1" noChangeAspect="1"/>
+          </p:cNvSpPr>
+          <p:nvPr>
+            <p:ph type="sldImg"/>
+          </p:nvPr>
+        </p:nvSpPr>
+        <p:spPr/>
+      </p:sp>
+      <p:sp>
+        <p:nvSpPr>
+          <p:cNvPr id="3" name="Notizenplatzhalter 2"/>
+          <p:cNvSpPr>
+            <a:spLocks noGrp="1"/>
+          </p:cNvSpPr>
+          <p:nvPr>
+            <p:ph type="body" idx="1"/>
+          </p:nvPr>
+        </p:nvSpPr>
+        <p:spPr/>
+        <p:txBody>
+          <a:bodyPr/>
+          <a:lstStyle/>
+          <a:p>
+            <a:endParaRPr lang="de-AT" dirty="0"/>
+          </a:p>
+        </p:txBody>
+      </p:sp>
+      <p:sp>
+        <p:nvSpPr>
+          <p:cNvPr id="4" name="Foliennummernplatzhalter 3"/>
+          <p:cNvSpPr>
+            <a:spLocks noGrp="1"/>
+          </p:cNvSpPr>
+          <p:nvPr>
+            <p:ph type="sldNum" sz="quarter" idx="5"/>
+          </p:nvPr>
+        </p:nvSpPr>
+        <p:spPr/>
+        <p:txBody>
+          <a:bodyPr/>
+          <a:lstStyle/>
+          <a:p>
+            <a:fld id="{B1598897-9DDC-4E75-B1A7-D1A2AB60BB28}" type="slidenum">
+              <a:rPr lang="de-AT" smtClean="0"/>
+              <a:t>8</a:t>
+            </a:fld>
+            <a:endParaRPr lang="de-AT"/>
+          </a:p>
+        </p:txBody>
+      </p:sp>
+    </p:spTree>
+    <p:extLst>
+      <p:ext uri="{BB962C8B-B14F-4D97-AF65-F5344CB8AC3E}">
+        <p14:creationId xmlns:p14="http://schemas.microsoft.com/office/powerpoint/2010/main" val="4245965600"/>
+      </p:ext>
+    </p:extLst>
+  </p:cSld>
+  <p:clrMapOvr>
+    <a:masterClrMapping/>
+  </p:clrMapOvr>
+</p:notes>
+</file>
+
+<file path=ppt/notesSlides/notesSlide5.xml><?xml version="1.0" encoding="utf-8"?>
+<p:notes xmlns:a="http://schemas.openxmlformats.org/drawingml/2006/main" xmlns:r="http://schemas.openxmlformats.org/officeDocument/2006/relationships" xmlns:p="http://schemas.openxmlformats.org/presentationml/2006/main">
+  <p:cSld>
+    <p:spTree>
+      <p:nvGrpSpPr>
+        <p:cNvPr id="1" name=""/>
+        <p:cNvGrpSpPr/>
+        <p:nvPr/>
+      </p:nvGrpSpPr>
+      <p:grpSpPr>
+        <a:xfrm>
+          <a:off x="0" y="0"/>
+          <a:ext cx="0" cy="0"/>
+          <a:chOff x="0" y="0"/>
+          <a:chExt cx="0" cy="0"/>
+        </a:xfrm>
+      </p:grpSpPr>
+      <p:sp>
+        <p:nvSpPr>
+          <p:cNvPr id="2" name="Folienbildplatzhalter 1"/>
+          <p:cNvSpPr>
+            <a:spLocks noGrp="1" noRot="1" noChangeAspect="1"/>
+          </p:cNvSpPr>
+          <p:nvPr>
+            <p:ph type="sldImg"/>
+          </p:nvPr>
+        </p:nvSpPr>
+        <p:spPr/>
+      </p:sp>
+      <p:sp>
+        <p:nvSpPr>
+          <p:cNvPr id="3" name="Notizenplatzhalter 2"/>
+          <p:cNvSpPr>
+            <a:spLocks noGrp="1"/>
+          </p:cNvSpPr>
+          <p:nvPr>
+            <p:ph type="body" idx="1"/>
+          </p:nvPr>
+        </p:nvSpPr>
+        <p:spPr/>
+        <p:txBody>
+          <a:bodyPr/>
+          <a:lstStyle/>
+          <a:p>
+            <a:endParaRPr lang="de-AT" dirty="0"/>
+          </a:p>
+        </p:txBody>
+      </p:sp>
+      <p:sp>
+        <p:nvSpPr>
+          <p:cNvPr id="4" name="Foliennummernplatzhalter 3"/>
+          <p:cNvSpPr>
+            <a:spLocks noGrp="1"/>
+          </p:cNvSpPr>
+          <p:nvPr>
+            <p:ph type="sldNum" sz="quarter" idx="5"/>
+          </p:nvPr>
+        </p:nvSpPr>
+        <p:spPr/>
+        <p:txBody>
+          <a:bodyPr/>
+          <a:lstStyle/>
+          <a:p>
+            <a:fld id="{B1598897-9DDC-4E75-B1A7-D1A2AB60BB28}" type="slidenum">
+              <a:rPr lang="de-AT" smtClean="0"/>
+              <a:t>10</a:t>
+            </a:fld>
+            <a:endParaRPr lang="de-AT"/>
+          </a:p>
+        </p:txBody>
+      </p:sp>
+    </p:spTree>
+    <p:extLst>
+      <p:ext uri="{BB962C8B-B14F-4D97-AF65-F5344CB8AC3E}">
+        <p14:creationId xmlns:p14="http://schemas.microsoft.com/office/powerpoint/2010/main" val="2476943604"/>
+      </p:ext>
+    </p:extLst>
+  </p:cSld>
+  <p:clrMapOvr>
+    <a:masterClrMapping/>
+  </p:clrMapOvr>
+</p:notes>
+</file>
+
 <file path=ppt/slideLayouts/slideLayout1.xml><?xml version="1.0" encoding="utf-8"?>
 <p:sldLayout xmlns:a="http://schemas.openxmlformats.org/drawingml/2006/main" xmlns:r="http://schemas.openxmlformats.org/officeDocument/2006/relationships" xmlns:p="http://schemas.openxmlformats.org/presentationml/2006/main" type="title" preserve="1">
   <p:cSld name="Title Slide">
@@ -270,7 +1230,7 @@
           <a:p>
             <a:fld id="{B6D41BCC-AD73-4203-A5A6-E62EB28B0FE6}" type="datetimeFigureOut">
               <a:rPr lang="en-US" smtClean="0"/>
-              <a:t>10/7/2023</a:t>
+              <a:t>11/5/2024</a:t>
             </a:fld>
             <a:endParaRPr lang="en-US"/>
           </a:p>
@@ -478,7 +1438,7 @@
           <a:p>
             <a:fld id="{B6D41BCC-AD73-4203-A5A6-E62EB28B0FE6}" type="datetimeFigureOut">
               <a:rPr lang="en-US" smtClean="0"/>
-              <a:t>10/7/2023</a:t>
+              <a:t>11/5/2024</a:t>
             </a:fld>
             <a:endParaRPr lang="en-US"/>
           </a:p>
@@ -686,7 +1646,7 @@
           <a:p>
             <a:fld id="{B6D41BCC-AD73-4203-A5A6-E62EB28B0FE6}" type="datetimeFigureOut">
               <a:rPr lang="en-US" smtClean="0"/>
-              <a:t>10/7/2023</a:t>
+              <a:t>11/5/2024</a:t>
             </a:fld>
             <a:endParaRPr lang="en-US"/>
           </a:p>
@@ -894,7 +1854,7 @@
           <a:p>
             <a:fld id="{B6D41BCC-AD73-4203-A5A6-E62EB28B0FE6}" type="datetimeFigureOut">
               <a:rPr lang="en-US" smtClean="0"/>
-              <a:t>10/7/2023</a:t>
+              <a:t>11/5/2024</a:t>
             </a:fld>
             <a:endParaRPr lang="en-US"/>
           </a:p>
@@ -1265,7 +2225,7 @@
           <a:p>
             <a:fld id="{B6D41BCC-AD73-4203-A5A6-E62EB28B0FE6}" type="datetimeFigureOut">
               <a:rPr lang="en-US" smtClean="0"/>
-              <a:t>10/7/2023</a:t>
+              <a:t>11/5/2024</a:t>
             </a:fld>
             <a:endParaRPr lang="en-US"/>
           </a:p>
@@ -1535,7 +2495,7 @@
           <a:p>
             <a:fld id="{B6D41BCC-AD73-4203-A5A6-E62EB28B0FE6}" type="datetimeFigureOut">
               <a:rPr lang="en-US" smtClean="0"/>
-              <a:t>10/7/2023</a:t>
+              <a:t>11/5/2024</a:t>
             </a:fld>
             <a:endParaRPr lang="en-US"/>
           </a:p>
@@ -1951,7 +2911,7 @@
           <a:p>
             <a:fld id="{B6D41BCC-AD73-4203-A5A6-E62EB28B0FE6}" type="datetimeFigureOut">
               <a:rPr lang="en-US" smtClean="0"/>
-              <a:t>10/7/2023</a:t>
+              <a:t>11/5/2024</a:t>
             </a:fld>
             <a:endParaRPr lang="en-US"/>
           </a:p>
@@ -2092,7 +3052,7 @@
           <a:p>
             <a:fld id="{B6D41BCC-AD73-4203-A5A6-E62EB28B0FE6}" type="datetimeFigureOut">
               <a:rPr lang="en-US" smtClean="0"/>
-              <a:t>10/7/2023</a:t>
+              <a:t>11/5/2024</a:t>
             </a:fld>
             <a:endParaRPr lang="en-US"/>
           </a:p>
@@ -2205,7 +3165,7 @@
           <a:p>
             <a:fld id="{B6D41BCC-AD73-4203-A5A6-E62EB28B0FE6}" type="datetimeFigureOut">
               <a:rPr lang="en-US" smtClean="0"/>
-              <a:t>10/7/2023</a:t>
+              <a:t>11/5/2024</a:t>
             </a:fld>
             <a:endParaRPr lang="en-US"/>
           </a:p>
@@ -2531,7 +3491,7 @@
           <a:p>
             <a:fld id="{B6D41BCC-AD73-4203-A5A6-E62EB28B0FE6}" type="datetimeFigureOut">
               <a:rPr lang="en-US" smtClean="0"/>
-              <a:t>10/7/2023</a:t>
+              <a:t>11/5/2024</a:t>
             </a:fld>
             <a:endParaRPr lang="en-US"/>
           </a:p>
@@ -2819,7 +3779,7 @@
           <a:p>
             <a:fld id="{B6D41BCC-AD73-4203-A5A6-E62EB28B0FE6}" type="datetimeFigureOut">
               <a:rPr lang="en-US" smtClean="0"/>
-              <a:t>10/7/2023</a:t>
+              <a:t>11/5/2024</a:t>
             </a:fld>
             <a:endParaRPr lang="en-US"/>
           </a:p>
@@ -3059,7 +4019,7 @@
             <a:fld id="{B6D41BCC-AD73-4203-A5A6-E62EB28B0FE6}" type="datetimeFigureOut">
               <a:rPr lang="en-US" smtClean="0"/>
               <a:pPr/>
-              <a:t>10/7/2023</a:t>
+              <a:t>11/5/2024</a:t>
             </a:fld>
             <a:endParaRPr lang="en-US"/>
           </a:p>
@@ -3489,7 +4449,7 @@
                 <a16:creationId xmlns:a16="http://schemas.microsoft.com/office/drawing/2014/main" id="{BE229233-9672-4675-99B7-6CBCEF1CD415}"/>
               </a:ext>
               <a:ext uri="{C183D7F6-B498-43B3-948B-1728B52AA6E4}">
-                <adec:decorative xmlns="" xmlns:adec="http://schemas.microsoft.com/office/drawing/2017/decorative" val="1"/>
+                <adec:decorative xmlns:adec="http://schemas.microsoft.com/office/drawing/2017/decorative" val="1"/>
               </a:ext>
             </a:extLst>
           </p:cNvPr>
@@ -3584,7 +4544,7 @@
                 <a16:creationId xmlns:a16="http://schemas.microsoft.com/office/drawing/2014/main" id="{EC5FF010-B53C-46BE-BEEF-AF926A00F67F}"/>
               </a:ext>
               <a:ext uri="{C183D7F6-B498-43B3-948B-1728B52AA6E4}">
-                <adec:decorative xmlns="" xmlns:adec="http://schemas.microsoft.com/office/drawing/2017/decorative" val="1"/>
+                <adec:decorative xmlns:adec="http://schemas.microsoft.com/office/drawing/2017/decorative" val="1"/>
               </a:ext>
             </a:extLst>
           </p:cNvPr>
@@ -3650,7 +4610,7 @@
                 <a16:creationId xmlns:a16="http://schemas.microsoft.com/office/drawing/2014/main" id="{8509AD9C-1F43-4138-A72B-8CA988EDD475}"/>
               </a:ext>
               <a:ext uri="{C183D7F6-B498-43B3-948B-1728B52AA6E4}">
-                <adec:decorative xmlns="" xmlns:adec="http://schemas.microsoft.com/office/drawing/2017/decorative" val="1"/>
+                <adec:decorative xmlns:adec="http://schemas.microsoft.com/office/drawing/2017/decorative" val="1"/>
               </a:ext>
             </a:extLst>
           </p:cNvPr>
@@ -3767,7 +4727,7 @@
         </p:spPr>
         <p:txBody>
           <a:bodyPr vert="horz" lIns="91440" tIns="45720" rIns="91440" bIns="45720" rtlCol="0" anchor="ctr">
-            <a:normAutofit fontScale="70000" lnSpcReduction="20000"/>
+            <a:normAutofit fontScale="85000" lnSpcReduction="20000"/>
           </a:bodyPr>
           <a:lstStyle/>
           <a:p>
@@ -3779,10 +4739,6 @@
                 <a:spcPts val="1000"/>
               </a:spcBef>
             </a:pPr>
-            <a:r>
-              <a:rPr lang="en-US" dirty="0"/>
-              <a:t/>
-            </a:r>
             <a:br>
               <a:rPr lang="en-US" dirty="0"/>
             </a:br>
@@ -3924,17 +4880,10 @@
   <p:clrMapOvr>
     <a:masterClrMapping/>
   </p:clrMapOvr>
-  <p:timing>
-    <p:tnLst>
-      <p:par>
-        <p:cTn id="1" dur="indefinite" restart="never" nodeType="tmRoot"/>
-      </p:par>
-    </p:tnLst>
-  </p:timing>
 </p:sld>
 </file>
 
-<file path=ppt/slides/slide2.xml><?xml version="1.0" encoding="utf-8"?>
+<file path=ppt/slides/slide10.xml><?xml version="1.0" encoding="utf-8"?>
 <p:sld xmlns:a="http://schemas.openxmlformats.org/drawingml/2006/main" xmlns:r="http://schemas.openxmlformats.org/officeDocument/2006/relationships" xmlns:p="http://schemas.openxmlformats.org/presentationml/2006/main">
   <p:cSld>
     <p:spTree>
@@ -3974,7 +4923,7 @@
           <a:p>
             <a:r>
               <a:rPr lang="de-AT" dirty="0"/>
-              <a:t>CSS – 2D Transforms</a:t>
+              <a:t>Übung „Die Ampel“</a:t>
             </a:r>
           </a:p>
         </p:txBody>
@@ -3998,158 +4947,94 @@
         <p:spPr>
           <a:xfrm>
             <a:off x="1078463" y="1819713"/>
-            <a:ext cx="9451946" cy="4137259"/>
+            <a:ext cx="9451946" cy="5154828"/>
           </a:xfrm>
         </p:spPr>
         <p:txBody>
-          <a:bodyPr vert="horz" lIns="91440" tIns="45720" rIns="91440" bIns="45720" rtlCol="0">
+          <a:bodyPr>
             <a:normAutofit/>
           </a:bodyPr>
           <a:lstStyle/>
           <a:p>
-            <a:r>
-              <a:rPr lang="en-US" dirty="0"/>
-              <a:t>2-Dimensionale Transformation </a:t>
-            </a:r>
-            <a:r>
-              <a:rPr lang="en-US" dirty="0" err="1"/>
-              <a:t>eines</a:t>
-            </a:r>
-            <a:r>
-              <a:rPr lang="en-US" dirty="0"/>
-              <a:t> Elements mit “transform:”</a:t>
-            </a:r>
-          </a:p>
-          <a:p>
-            <a:r>
-              <a:rPr lang="en-US" dirty="0"/>
-              <a:t>translate(100px, 200px</a:t>
-            </a:r>
-            <a:r>
-              <a:rPr lang="en-US" dirty="0" smtClean="0"/>
-              <a:t>): </a:t>
-            </a:r>
-            <a:r>
-              <a:rPr lang="en-US" dirty="0" err="1" smtClean="0"/>
-              <a:t>Verschiebung</a:t>
-            </a:r>
-            <a:r>
-              <a:rPr lang="en-US" dirty="0" smtClean="0"/>
-              <a:t> horizontal und </a:t>
-            </a:r>
-            <a:r>
-              <a:rPr lang="en-US" dirty="0" err="1" smtClean="0"/>
-              <a:t>vertikal</a:t>
-            </a:r>
-            <a:endParaRPr lang="en-US" dirty="0"/>
-          </a:p>
-          <a:p>
-            <a:r>
-              <a:rPr lang="en-US" dirty="0"/>
-              <a:t>rotate(45deg</a:t>
-            </a:r>
-            <a:r>
-              <a:rPr lang="en-US" dirty="0" smtClean="0"/>
-              <a:t>): </a:t>
-            </a:r>
-            <a:r>
-              <a:rPr lang="en-US" dirty="0" err="1" smtClean="0"/>
-              <a:t>Drehung</a:t>
-            </a:r>
-            <a:r>
-              <a:rPr lang="en-US" dirty="0" smtClean="0"/>
-              <a:t> </a:t>
-            </a:r>
-            <a:r>
-              <a:rPr lang="en-US" dirty="0" err="1"/>
-              <a:t>im</a:t>
-            </a:r>
-            <a:r>
-              <a:rPr lang="en-US" dirty="0"/>
-              <a:t> </a:t>
-            </a:r>
-            <a:r>
-              <a:rPr lang="en-US" dirty="0" err="1"/>
-              <a:t>Uhrzeigersinn</a:t>
-            </a:r>
-            <a:endParaRPr lang="en-US" dirty="0"/>
-          </a:p>
-          <a:p>
-            <a:r>
-              <a:rPr lang="en-US" dirty="0"/>
-              <a:t>scale(2, 3</a:t>
-            </a:r>
-            <a:r>
-              <a:rPr lang="en-US" dirty="0" smtClean="0"/>
-              <a:t>): </a:t>
-            </a:r>
-            <a:r>
-              <a:rPr lang="en-US" dirty="0" err="1" smtClean="0"/>
-              <a:t>Skaliere</a:t>
-            </a:r>
-            <a:r>
-              <a:rPr lang="en-US" dirty="0" smtClean="0"/>
-              <a:t> (</a:t>
-            </a:r>
-            <a:r>
-              <a:rPr lang="en-US" dirty="0" err="1"/>
-              <a:t>v</a:t>
-            </a:r>
-            <a:r>
-              <a:rPr lang="en-US" dirty="0" err="1" smtClean="0"/>
-              <a:t>ergrößere</a:t>
-            </a:r>
-            <a:r>
-              <a:rPr lang="en-US" dirty="0" smtClean="0"/>
-              <a:t> </a:t>
-            </a:r>
-            <a:r>
-              <a:rPr lang="en-US" dirty="0" err="1" smtClean="0"/>
-              <a:t>bzw</a:t>
-            </a:r>
-            <a:r>
-              <a:rPr lang="en-US" dirty="0" smtClean="0"/>
-              <a:t> </a:t>
-            </a:r>
-            <a:r>
-              <a:rPr lang="en-US" dirty="0" err="1" smtClean="0"/>
-              <a:t>verkleinere</a:t>
-            </a:r>
-            <a:r>
-              <a:rPr lang="en-US" dirty="0" smtClean="0"/>
-              <a:t>) horizontal und </a:t>
-            </a:r>
-            <a:r>
-              <a:rPr lang="en-US" dirty="0" err="1" smtClean="0"/>
-              <a:t>vertikal</a:t>
-            </a:r>
-            <a:endParaRPr lang="en-US" dirty="0"/>
-          </a:p>
-          <a:p>
-            <a:r>
-              <a:rPr lang="en-US" dirty="0"/>
-              <a:t>skew(20deg, 30deg) // </a:t>
-            </a:r>
-            <a:r>
-              <a:rPr lang="en-US" dirty="0" err="1" smtClean="0"/>
-              <a:t>Drehe</a:t>
-            </a:r>
-            <a:r>
-              <a:rPr lang="en-US" dirty="0" smtClean="0"/>
-              <a:t> das Element horizontal </a:t>
-            </a:r>
-            <a:r>
-              <a:rPr lang="en-US" dirty="0"/>
-              <a:t>und </a:t>
-            </a:r>
-            <a:r>
-              <a:rPr lang="en-US" dirty="0" err="1"/>
-              <a:t>vertikal</a:t>
-            </a:r>
-            <a:endParaRPr lang="en-US" dirty="0"/>
-          </a:p>
-          <a:p>
-            <a:endParaRPr lang="en-US" dirty="0"/>
+            <a:pPr marL="0" indent="0">
+              <a:buNone/>
+            </a:pPr>
+            <a:r>
+              <a:rPr lang="de-AT" sz="1600" dirty="0"/>
+              <a:t>Schreibe Code um ein Ampel Licht zu animieren</a:t>
+            </a:r>
+          </a:p>
+          <a:p>
+            <a:pPr marL="342900" indent="-342900">
+              <a:buAutoNum type="arabicPeriod"/>
+            </a:pPr>
+            <a:r>
+              <a:rPr lang="de-AT" sz="1600" dirty="0"/>
+              <a:t>Ampel startet bei rot</a:t>
+            </a:r>
+          </a:p>
+          <a:p>
+            <a:pPr marL="342900" indent="-342900">
+              <a:buAutoNum type="arabicPeriod"/>
+            </a:pPr>
+            <a:r>
+              <a:rPr lang="de-AT" sz="1600" dirty="0"/>
+              <a:t>Nach 3 Sekunden wechselt es auf Grün</a:t>
+            </a:r>
+          </a:p>
+          <a:p>
+            <a:pPr marL="342900" indent="-342900">
+              <a:buAutoNum type="arabicPeriod"/>
+            </a:pPr>
+            <a:r>
+              <a:rPr lang="de-AT" sz="1600" dirty="0"/>
+              <a:t>Nach 3 Sekunden fängt grün zu blinken an für  2 Sekunden</a:t>
+            </a:r>
+          </a:p>
+          <a:p>
+            <a:pPr marL="342900" indent="-342900">
+              <a:buAutoNum type="arabicPeriod"/>
+            </a:pPr>
+            <a:r>
+              <a:rPr lang="de-AT" sz="1600" dirty="0"/>
+              <a:t>Danach wechselt es auf Gelb für 2 Sekunden</a:t>
+            </a:r>
+          </a:p>
+          <a:p>
+            <a:pPr marL="342900" indent="-342900">
+              <a:buAutoNum type="arabicPeriod"/>
+            </a:pPr>
+            <a:r>
+              <a:rPr lang="de-AT" sz="1600" dirty="0"/>
+              <a:t>Danach fängt der Zyklus wieder bei Rot an</a:t>
+            </a:r>
+          </a:p>
+          <a:p>
+            <a:pPr marL="457200" indent="-457200">
+              <a:buFont typeface="+mj-lt"/>
+              <a:buAutoNum type="arabicPeriod"/>
+            </a:pPr>
+            <a:endParaRPr lang="de-AT" dirty="0"/>
+          </a:p>
+          <a:p>
+            <a:pPr marL="0" indent="0">
+              <a:buNone/>
+            </a:pPr>
+            <a:endParaRPr lang="de-AT" dirty="0"/>
+          </a:p>
+          <a:p>
+            <a:endParaRPr lang="en-US" b="0" i="0" dirty="0">
+              <a:effectLst/>
+              <a:latin typeface="Montserrat" panose="00000500000000000000" pitchFamily="2" charset="0"/>
+            </a:endParaRPr>
+          </a:p>
+          <a:p>
+            <a:pPr marL="0" indent="0">
+              <a:buNone/>
+            </a:pPr>
+            <a:endParaRPr lang="en-US" dirty="0">
+              <a:latin typeface="Montserrat" panose="00000500000000000000" pitchFamily="2" charset="0"/>
+            </a:endParaRPr>
           </a:p>
         </p:txBody>
       </p:sp>
@@ -4245,40 +5130,10 @@
       </p:sp>
       <p:pic>
         <p:nvPicPr>
-          <p:cNvPr id="13" name="Grafik 12">
-            <a:extLst>
-              <a:ext uri="{FF2B5EF4-FFF2-40B4-BE49-F238E27FC236}">
-                <a16:creationId xmlns:a16="http://schemas.microsoft.com/office/drawing/2014/main" id="{96A1C9D4-F534-5438-63CF-E2BF2DB4A68D}"/>
-              </a:ext>
-            </a:extLst>
-          </p:cNvPr>
-          <p:cNvPicPr>
-            <a:picLocks noChangeAspect="1"/>
-          </p:cNvPicPr>
-          <p:nvPr/>
-        </p:nvPicPr>
-        <p:blipFill>
-          <a:blip r:embed="rId2"/>
-          <a:stretch>
-            <a:fillRect/>
-          </a:stretch>
-        </p:blipFill>
-        <p:spPr>
-          <a:xfrm>
-            <a:off x="9998941" y="1748921"/>
-            <a:ext cx="1495634" cy="1133633"/>
-          </a:xfrm>
-          <a:prstGeom prst="rect">
-            <a:avLst/>
-          </a:prstGeom>
-        </p:spPr>
-      </p:pic>
-      <p:pic>
-        <p:nvPicPr>
-          <p:cNvPr id="15" name="Grafik 14">
-            <a:extLst>
-              <a:ext uri="{FF2B5EF4-FFF2-40B4-BE49-F238E27FC236}">
-                <a16:creationId xmlns:a16="http://schemas.microsoft.com/office/drawing/2014/main" id="{F9AA3682-497F-7F35-546F-A21A3343F86C}"/>
+          <p:cNvPr id="9" name="Grafik 8">
+            <a:extLst>
+              <a:ext uri="{FF2B5EF4-FFF2-40B4-BE49-F238E27FC236}">
+                <a16:creationId xmlns:a16="http://schemas.microsoft.com/office/drawing/2014/main" id="{70E7097C-6B35-8562-A80F-53A3B026A680}"/>
               </a:ext>
             </a:extLst>
           </p:cNvPr>
@@ -4295,1660 +5150,8 @@
         </p:blipFill>
         <p:spPr>
           <a:xfrm>
-            <a:off x="9849725" y="3297782"/>
-            <a:ext cx="1552792" cy="1247949"/>
-          </a:xfrm>
-          <a:prstGeom prst="rect">
-            <a:avLst/>
-          </a:prstGeom>
-        </p:spPr>
-      </p:pic>
-      <p:pic>
-        <p:nvPicPr>
-          <p:cNvPr id="17" name="Grafik 16">
-            <a:extLst>
-              <a:ext uri="{FF2B5EF4-FFF2-40B4-BE49-F238E27FC236}">
-                <a16:creationId xmlns:a16="http://schemas.microsoft.com/office/drawing/2014/main" id="{5B5021C0-7A39-FA01-4792-B0FAD04686D6}"/>
-              </a:ext>
-            </a:extLst>
-          </p:cNvPr>
-          <p:cNvPicPr>
-            <a:picLocks noChangeAspect="1"/>
-          </p:cNvPicPr>
-          <p:nvPr/>
-        </p:nvPicPr>
-        <p:blipFill>
-          <a:blip r:embed="rId4"/>
-          <a:stretch>
-            <a:fillRect/>
-          </a:stretch>
-        </p:blipFill>
-        <p:spPr>
-          <a:xfrm>
-            <a:off x="9994537" y="5081502"/>
-            <a:ext cx="1419423" cy="1314633"/>
-          </a:xfrm>
-          <a:prstGeom prst="rect">
-            <a:avLst/>
-          </a:prstGeom>
-        </p:spPr>
-      </p:pic>
-      <p:pic>
-        <p:nvPicPr>
-          <p:cNvPr id="19" name="Grafik 18">
-            <a:extLst>
-              <a:ext uri="{FF2B5EF4-FFF2-40B4-BE49-F238E27FC236}">
-                <a16:creationId xmlns:a16="http://schemas.microsoft.com/office/drawing/2014/main" id="{FD7DD95F-2CC2-F1DA-919A-41A22EBC6CBB}"/>
-              </a:ext>
-            </a:extLst>
-          </p:cNvPr>
-          <p:cNvPicPr>
-            <a:picLocks noChangeAspect="1"/>
-          </p:cNvPicPr>
-          <p:nvPr/>
-        </p:nvPicPr>
-        <p:blipFill>
-          <a:blip r:embed="rId5"/>
-          <a:stretch>
-            <a:fillRect/>
-          </a:stretch>
-        </p:blipFill>
-        <p:spPr>
-          <a:xfrm>
-            <a:off x="7427203" y="5081502"/>
-            <a:ext cx="2062817" cy="1418540"/>
-          </a:xfrm>
-          <a:prstGeom prst="rect">
-            <a:avLst/>
-          </a:prstGeom>
-        </p:spPr>
-      </p:pic>
-      <p:pic>
-        <p:nvPicPr>
-          <p:cNvPr id="10" name="Picture 4" descr="Cartesian coordinate system - Free education icons"/>
-          <p:cNvPicPr>
-            <a:picLocks noChangeAspect="1" noChangeArrowheads="1"/>
-          </p:cNvPicPr>
-          <p:nvPr/>
-        </p:nvPicPr>
-        <p:blipFill>
-          <a:blip r:embed="rId6" cstate="hqprint">
-            <a:extLst>
-              <a:ext uri="{28A0092B-C50C-407E-A947-70E740481C1C}">
-                <a14:useLocalDpi xmlns:a14="http://schemas.microsoft.com/office/drawing/2010/main" val="0"/>
-              </a:ext>
-            </a:extLst>
-          </a:blip>
-          <a:srcRect/>
-          <a:stretch>
-            <a:fillRect/>
-          </a:stretch>
-        </p:blipFill>
-        <p:spPr bwMode="auto">
-          <a:xfrm>
-            <a:off x="1044607" y="5103453"/>
-            <a:ext cx="1396589" cy="1396589"/>
-          </a:xfrm>
-          <a:prstGeom prst="rect">
-            <a:avLst/>
-          </a:prstGeom>
-          <a:noFill/>
-          <a:extLst>
-            <a:ext uri="{909E8E84-426E-40DD-AFC4-6F175D3DCCD1}">
-              <a14:hiddenFill xmlns:a14="http://schemas.microsoft.com/office/drawing/2010/main">
-                <a:solidFill>
-                  <a:srgbClr val="FFFFFF"/>
-                </a:solidFill>
-              </a14:hiddenFill>
-            </a:ext>
-          </a:extLst>
-        </p:spPr>
-      </p:pic>
-    </p:spTree>
-    <p:extLst>
-      <p:ext uri="{BB962C8B-B14F-4D97-AF65-F5344CB8AC3E}">
-        <p14:creationId xmlns:p14="http://schemas.microsoft.com/office/powerpoint/2010/main" val="2687662855"/>
-      </p:ext>
-    </p:extLst>
-  </p:cSld>
-  <p:clrMapOvr>
-    <a:masterClrMapping/>
-  </p:clrMapOvr>
-  <p:timing>
-    <p:tnLst>
-      <p:par>
-        <p:cTn id="1" dur="indefinite" restart="never" nodeType="tmRoot">
-          <p:childTnLst>
-            <p:seq concurrent="1" nextAc="seek">
-              <p:cTn id="2" dur="indefinite" nodeType="mainSeq">
-                <p:childTnLst>
-                  <p:par>
-                    <p:cTn id="3" fill="hold">
-                      <p:stCondLst>
-                        <p:cond delay="indefinite"/>
-                      </p:stCondLst>
-                      <p:childTnLst>
-                        <p:par>
-                          <p:cTn id="4" fill="hold">
-                            <p:stCondLst>
-                              <p:cond delay="0"/>
-                            </p:stCondLst>
-                            <p:childTnLst>
-                              <p:par>
-                                <p:cTn id="5" presetID="10" presetClass="entr" presetSubtype="0" fill="hold" grpId="0" nodeType="clickEffect">
-                                  <p:stCondLst>
-                                    <p:cond delay="0"/>
-                                  </p:stCondLst>
-                                  <p:childTnLst>
-                                    <p:set>
-                                      <p:cBhvr>
-                                        <p:cTn id="6" dur="1" fill="hold">
-                                          <p:stCondLst>
-                                            <p:cond delay="0"/>
-                                          </p:stCondLst>
-                                        </p:cTn>
-                                        <p:tgtEl>
-                                          <p:spTgt spid="3">
-                                            <p:txEl>
-                                              <p:pRg st="0" end="0"/>
-                                            </p:txEl>
-                                          </p:spTgt>
-                                        </p:tgtEl>
-                                        <p:attrNameLst>
-                                          <p:attrName>style.visibility</p:attrName>
-                                        </p:attrNameLst>
-                                      </p:cBhvr>
-                                      <p:to>
-                                        <p:strVal val="visible"/>
-                                      </p:to>
-                                    </p:set>
-                                    <p:animEffect transition="in" filter="fade">
-                                      <p:cBhvr>
-                                        <p:cTn id="7" dur="500"/>
-                                        <p:tgtEl>
-                                          <p:spTgt spid="3">
-                                            <p:txEl>
-                                              <p:pRg st="0" end="0"/>
-                                            </p:txEl>
-                                          </p:spTgt>
-                                        </p:tgtEl>
-                                      </p:cBhvr>
-                                    </p:animEffect>
-                                  </p:childTnLst>
-                                </p:cTn>
-                              </p:par>
-                            </p:childTnLst>
-                          </p:cTn>
-                        </p:par>
-                      </p:childTnLst>
-                    </p:cTn>
-                  </p:par>
-                  <p:par>
-                    <p:cTn id="8" fill="hold">
-                      <p:stCondLst>
-                        <p:cond delay="indefinite"/>
-                      </p:stCondLst>
-                      <p:childTnLst>
-                        <p:par>
-                          <p:cTn id="9" fill="hold">
-                            <p:stCondLst>
-                              <p:cond delay="0"/>
-                            </p:stCondLst>
-                            <p:childTnLst>
-                              <p:par>
-                                <p:cTn id="10" presetID="10" presetClass="entr" presetSubtype="0" fill="hold" grpId="0" nodeType="clickEffect">
-                                  <p:stCondLst>
-                                    <p:cond delay="0"/>
-                                  </p:stCondLst>
-                                  <p:childTnLst>
-                                    <p:set>
-                                      <p:cBhvr>
-                                        <p:cTn id="11" dur="1" fill="hold">
-                                          <p:stCondLst>
-                                            <p:cond delay="0"/>
-                                          </p:stCondLst>
-                                        </p:cTn>
-                                        <p:tgtEl>
-                                          <p:spTgt spid="3">
-                                            <p:txEl>
-                                              <p:pRg st="1" end="1"/>
-                                            </p:txEl>
-                                          </p:spTgt>
-                                        </p:tgtEl>
-                                        <p:attrNameLst>
-                                          <p:attrName>style.visibility</p:attrName>
-                                        </p:attrNameLst>
-                                      </p:cBhvr>
-                                      <p:to>
-                                        <p:strVal val="visible"/>
-                                      </p:to>
-                                    </p:set>
-                                    <p:animEffect transition="in" filter="fade">
-                                      <p:cBhvr>
-                                        <p:cTn id="12" dur="500"/>
-                                        <p:tgtEl>
-                                          <p:spTgt spid="3">
-                                            <p:txEl>
-                                              <p:pRg st="1" end="1"/>
-                                            </p:txEl>
-                                          </p:spTgt>
-                                        </p:tgtEl>
-                                      </p:cBhvr>
-                                    </p:animEffect>
-                                  </p:childTnLst>
-                                </p:cTn>
-                              </p:par>
-                              <p:par>
-                                <p:cTn id="13" presetID="10" presetClass="entr" presetSubtype="0" fill="hold" nodeType="withEffect">
-                                  <p:stCondLst>
-                                    <p:cond delay="0"/>
-                                  </p:stCondLst>
-                                  <p:childTnLst>
-                                    <p:set>
-                                      <p:cBhvr>
-                                        <p:cTn id="14" dur="1" fill="hold">
-                                          <p:stCondLst>
-                                            <p:cond delay="0"/>
-                                          </p:stCondLst>
-                                        </p:cTn>
-                                        <p:tgtEl>
-                                          <p:spTgt spid="13"/>
-                                        </p:tgtEl>
-                                        <p:attrNameLst>
-                                          <p:attrName>style.visibility</p:attrName>
-                                        </p:attrNameLst>
-                                      </p:cBhvr>
-                                      <p:to>
-                                        <p:strVal val="visible"/>
-                                      </p:to>
-                                    </p:set>
-                                    <p:animEffect transition="in" filter="fade">
-                                      <p:cBhvr>
-                                        <p:cTn id="15" dur="500"/>
-                                        <p:tgtEl>
-                                          <p:spTgt spid="13"/>
-                                        </p:tgtEl>
-                                      </p:cBhvr>
-                                    </p:animEffect>
-                                  </p:childTnLst>
-                                </p:cTn>
-                              </p:par>
-                            </p:childTnLst>
-                          </p:cTn>
-                        </p:par>
-                      </p:childTnLst>
-                    </p:cTn>
-                  </p:par>
-                  <p:par>
-                    <p:cTn id="16" fill="hold">
-                      <p:stCondLst>
-                        <p:cond delay="indefinite"/>
-                      </p:stCondLst>
-                      <p:childTnLst>
-                        <p:par>
-                          <p:cTn id="17" fill="hold">
-                            <p:stCondLst>
-                              <p:cond delay="0"/>
-                            </p:stCondLst>
-                            <p:childTnLst>
-                              <p:par>
-                                <p:cTn id="18" presetID="10" presetClass="entr" presetSubtype="0" fill="hold" grpId="0" nodeType="clickEffect">
-                                  <p:stCondLst>
-                                    <p:cond delay="0"/>
-                                  </p:stCondLst>
-                                  <p:childTnLst>
-                                    <p:set>
-                                      <p:cBhvr>
-                                        <p:cTn id="19" dur="1" fill="hold">
-                                          <p:stCondLst>
-                                            <p:cond delay="0"/>
-                                          </p:stCondLst>
-                                        </p:cTn>
-                                        <p:tgtEl>
-                                          <p:spTgt spid="3">
-                                            <p:txEl>
-                                              <p:pRg st="2" end="2"/>
-                                            </p:txEl>
-                                          </p:spTgt>
-                                        </p:tgtEl>
-                                        <p:attrNameLst>
-                                          <p:attrName>style.visibility</p:attrName>
-                                        </p:attrNameLst>
-                                      </p:cBhvr>
-                                      <p:to>
-                                        <p:strVal val="visible"/>
-                                      </p:to>
-                                    </p:set>
-                                    <p:animEffect transition="in" filter="fade">
-                                      <p:cBhvr>
-                                        <p:cTn id="20" dur="500"/>
-                                        <p:tgtEl>
-                                          <p:spTgt spid="3">
-                                            <p:txEl>
-                                              <p:pRg st="2" end="2"/>
-                                            </p:txEl>
-                                          </p:spTgt>
-                                        </p:tgtEl>
-                                      </p:cBhvr>
-                                    </p:animEffect>
-                                  </p:childTnLst>
-                                </p:cTn>
-                              </p:par>
-                              <p:par>
-                                <p:cTn id="21" presetID="10" presetClass="entr" presetSubtype="0" fill="hold" nodeType="withEffect">
-                                  <p:stCondLst>
-                                    <p:cond delay="0"/>
-                                  </p:stCondLst>
-                                  <p:childTnLst>
-                                    <p:set>
-                                      <p:cBhvr>
-                                        <p:cTn id="22" dur="1" fill="hold">
-                                          <p:stCondLst>
-                                            <p:cond delay="0"/>
-                                          </p:stCondLst>
-                                        </p:cTn>
-                                        <p:tgtEl>
-                                          <p:spTgt spid="15"/>
-                                        </p:tgtEl>
-                                        <p:attrNameLst>
-                                          <p:attrName>style.visibility</p:attrName>
-                                        </p:attrNameLst>
-                                      </p:cBhvr>
-                                      <p:to>
-                                        <p:strVal val="visible"/>
-                                      </p:to>
-                                    </p:set>
-                                    <p:animEffect transition="in" filter="fade">
-                                      <p:cBhvr>
-                                        <p:cTn id="23" dur="500"/>
-                                        <p:tgtEl>
-                                          <p:spTgt spid="15"/>
-                                        </p:tgtEl>
-                                      </p:cBhvr>
-                                    </p:animEffect>
-                                  </p:childTnLst>
-                                </p:cTn>
-                              </p:par>
-                            </p:childTnLst>
-                          </p:cTn>
-                        </p:par>
-                      </p:childTnLst>
-                    </p:cTn>
-                  </p:par>
-                  <p:par>
-                    <p:cTn id="24" fill="hold">
-                      <p:stCondLst>
-                        <p:cond delay="indefinite"/>
-                      </p:stCondLst>
-                      <p:childTnLst>
-                        <p:par>
-                          <p:cTn id="25" fill="hold">
-                            <p:stCondLst>
-                              <p:cond delay="0"/>
-                            </p:stCondLst>
-                            <p:childTnLst>
-                              <p:par>
-                                <p:cTn id="26" presetID="10" presetClass="entr" presetSubtype="0" fill="hold" grpId="0" nodeType="clickEffect">
-                                  <p:stCondLst>
-                                    <p:cond delay="0"/>
-                                  </p:stCondLst>
-                                  <p:childTnLst>
-                                    <p:set>
-                                      <p:cBhvr>
-                                        <p:cTn id="27" dur="1" fill="hold">
-                                          <p:stCondLst>
-                                            <p:cond delay="0"/>
-                                          </p:stCondLst>
-                                        </p:cTn>
-                                        <p:tgtEl>
-                                          <p:spTgt spid="3">
-                                            <p:txEl>
-                                              <p:pRg st="3" end="3"/>
-                                            </p:txEl>
-                                          </p:spTgt>
-                                        </p:tgtEl>
-                                        <p:attrNameLst>
-                                          <p:attrName>style.visibility</p:attrName>
-                                        </p:attrNameLst>
-                                      </p:cBhvr>
-                                      <p:to>
-                                        <p:strVal val="visible"/>
-                                      </p:to>
-                                    </p:set>
-                                    <p:animEffect transition="in" filter="fade">
-                                      <p:cBhvr>
-                                        <p:cTn id="28" dur="500"/>
-                                        <p:tgtEl>
-                                          <p:spTgt spid="3">
-                                            <p:txEl>
-                                              <p:pRg st="3" end="3"/>
-                                            </p:txEl>
-                                          </p:spTgt>
-                                        </p:tgtEl>
-                                      </p:cBhvr>
-                                    </p:animEffect>
-                                  </p:childTnLst>
-                                </p:cTn>
-                              </p:par>
-                              <p:par>
-                                <p:cTn id="29" presetID="10" presetClass="entr" presetSubtype="0" fill="hold" nodeType="withEffect">
-                                  <p:stCondLst>
-                                    <p:cond delay="0"/>
-                                  </p:stCondLst>
-                                  <p:childTnLst>
-                                    <p:set>
-                                      <p:cBhvr>
-                                        <p:cTn id="30" dur="1" fill="hold">
-                                          <p:stCondLst>
-                                            <p:cond delay="0"/>
-                                          </p:stCondLst>
-                                        </p:cTn>
-                                        <p:tgtEl>
-                                          <p:spTgt spid="17"/>
-                                        </p:tgtEl>
-                                        <p:attrNameLst>
-                                          <p:attrName>style.visibility</p:attrName>
-                                        </p:attrNameLst>
-                                      </p:cBhvr>
-                                      <p:to>
-                                        <p:strVal val="visible"/>
-                                      </p:to>
-                                    </p:set>
-                                    <p:animEffect transition="in" filter="fade">
-                                      <p:cBhvr>
-                                        <p:cTn id="31" dur="500"/>
-                                        <p:tgtEl>
-                                          <p:spTgt spid="17"/>
-                                        </p:tgtEl>
-                                      </p:cBhvr>
-                                    </p:animEffect>
-                                  </p:childTnLst>
-                                </p:cTn>
-                              </p:par>
-                            </p:childTnLst>
-                          </p:cTn>
-                        </p:par>
-                      </p:childTnLst>
-                    </p:cTn>
-                  </p:par>
-                  <p:par>
-                    <p:cTn id="32" fill="hold">
-                      <p:stCondLst>
-                        <p:cond delay="indefinite"/>
-                      </p:stCondLst>
-                      <p:childTnLst>
-                        <p:par>
-                          <p:cTn id="33" fill="hold">
-                            <p:stCondLst>
-                              <p:cond delay="0"/>
-                            </p:stCondLst>
-                            <p:childTnLst>
-                              <p:par>
-                                <p:cTn id="34" presetID="10" presetClass="entr" presetSubtype="0" fill="hold" grpId="0" nodeType="clickEffect">
-                                  <p:stCondLst>
-                                    <p:cond delay="0"/>
-                                  </p:stCondLst>
-                                  <p:childTnLst>
-                                    <p:set>
-                                      <p:cBhvr>
-                                        <p:cTn id="35" dur="1" fill="hold">
-                                          <p:stCondLst>
-                                            <p:cond delay="0"/>
-                                          </p:stCondLst>
-                                        </p:cTn>
-                                        <p:tgtEl>
-                                          <p:spTgt spid="3">
-                                            <p:txEl>
-                                              <p:pRg st="4" end="4"/>
-                                            </p:txEl>
-                                          </p:spTgt>
-                                        </p:tgtEl>
-                                        <p:attrNameLst>
-                                          <p:attrName>style.visibility</p:attrName>
-                                        </p:attrNameLst>
-                                      </p:cBhvr>
-                                      <p:to>
-                                        <p:strVal val="visible"/>
-                                      </p:to>
-                                    </p:set>
-                                    <p:animEffect transition="in" filter="fade">
-                                      <p:cBhvr>
-                                        <p:cTn id="36" dur="500"/>
-                                        <p:tgtEl>
-                                          <p:spTgt spid="3">
-                                            <p:txEl>
-                                              <p:pRg st="4" end="4"/>
-                                            </p:txEl>
-                                          </p:spTgt>
-                                        </p:tgtEl>
-                                      </p:cBhvr>
-                                    </p:animEffect>
-                                  </p:childTnLst>
-                                </p:cTn>
-                              </p:par>
-                              <p:par>
-                                <p:cTn id="37" presetID="10" presetClass="entr" presetSubtype="0" fill="hold" nodeType="withEffect">
-                                  <p:stCondLst>
-                                    <p:cond delay="0"/>
-                                  </p:stCondLst>
-                                  <p:childTnLst>
-                                    <p:set>
-                                      <p:cBhvr>
-                                        <p:cTn id="38" dur="1" fill="hold">
-                                          <p:stCondLst>
-                                            <p:cond delay="0"/>
-                                          </p:stCondLst>
-                                        </p:cTn>
-                                        <p:tgtEl>
-                                          <p:spTgt spid="19"/>
-                                        </p:tgtEl>
-                                        <p:attrNameLst>
-                                          <p:attrName>style.visibility</p:attrName>
-                                        </p:attrNameLst>
-                                      </p:cBhvr>
-                                      <p:to>
-                                        <p:strVal val="visible"/>
-                                      </p:to>
-                                    </p:set>
-                                    <p:animEffect transition="in" filter="fade">
-                                      <p:cBhvr>
-                                        <p:cTn id="39" dur="500"/>
-                                        <p:tgtEl>
-                                          <p:spTgt spid="19"/>
-                                        </p:tgtEl>
-                                      </p:cBhvr>
-                                    </p:animEffect>
-                                  </p:childTnLst>
-                                </p:cTn>
-                              </p:par>
-                            </p:childTnLst>
-                          </p:cTn>
-                        </p:par>
-                      </p:childTnLst>
-                    </p:cTn>
-                  </p:par>
-                </p:childTnLst>
-              </p:cTn>
-              <p:prevCondLst>
-                <p:cond evt="onPrev" delay="0">
-                  <p:tgtEl>
-                    <p:sldTgt/>
-                  </p:tgtEl>
-                </p:cond>
-              </p:prevCondLst>
-              <p:nextCondLst>
-                <p:cond evt="onNext" delay="0">
-                  <p:tgtEl>
-                    <p:sldTgt/>
-                  </p:tgtEl>
-                </p:cond>
-              </p:nextCondLst>
-            </p:seq>
-          </p:childTnLst>
-        </p:cTn>
-      </p:par>
-    </p:tnLst>
-    <p:bldLst>
-      <p:bldP spid="3" grpId="0" uiExpand="1" build="p"/>
-    </p:bldLst>
-  </p:timing>
-</p:sld>
-</file>
-
-<file path=ppt/slides/slide3.xml><?xml version="1.0" encoding="utf-8"?>
-<p:sld xmlns:a="http://schemas.openxmlformats.org/drawingml/2006/main" xmlns:r="http://schemas.openxmlformats.org/officeDocument/2006/relationships" xmlns:p="http://schemas.openxmlformats.org/presentationml/2006/main">
-  <p:cSld>
-    <p:spTree>
-      <p:nvGrpSpPr>
-        <p:cNvPr id="1" name=""/>
-        <p:cNvGrpSpPr/>
-        <p:nvPr/>
-      </p:nvGrpSpPr>
-      <p:grpSpPr>
-        <a:xfrm>
-          <a:off x="0" y="0"/>
-          <a:ext cx="0" cy="0"/>
-          <a:chOff x="0" y="0"/>
-          <a:chExt cx="0" cy="0"/>
-        </a:xfrm>
-      </p:grpSpPr>
-      <p:sp>
-        <p:nvSpPr>
-          <p:cNvPr id="2" name="Titel 1">
-            <a:extLst>
-              <a:ext uri="{FF2B5EF4-FFF2-40B4-BE49-F238E27FC236}">
-                <a16:creationId xmlns:a16="http://schemas.microsoft.com/office/drawing/2014/main" id="{A71149DC-9D6B-A568-CC88-0C9834BEA39F}"/>
-              </a:ext>
-            </a:extLst>
-          </p:cNvPr>
-          <p:cNvSpPr>
-            <a:spLocks noGrp="1"/>
-          </p:cNvSpPr>
-          <p:nvPr>
-            <p:ph type="title"/>
-          </p:nvPr>
-        </p:nvSpPr>
-        <p:spPr/>
-        <p:txBody>
-          <a:bodyPr/>
-          <a:lstStyle/>
-          <a:p>
-            <a:r>
-              <a:rPr lang="de-AT" dirty="0"/>
-              <a:t>CSS – 3D Transforms</a:t>
-            </a:r>
-          </a:p>
-        </p:txBody>
-      </p:sp>
-      <p:sp>
-        <p:nvSpPr>
-          <p:cNvPr id="3" name="Inhaltsplatzhalter 2">
-            <a:extLst>
-              <a:ext uri="{FF2B5EF4-FFF2-40B4-BE49-F238E27FC236}">
-                <a16:creationId xmlns:a16="http://schemas.microsoft.com/office/drawing/2014/main" id="{4A5BE335-D373-C792-A4ED-E35F6905E567}"/>
-              </a:ext>
-            </a:extLst>
-          </p:cNvPr>
-          <p:cNvSpPr>
-            <a:spLocks noGrp="1"/>
-          </p:cNvSpPr>
-          <p:nvPr>
-            <p:ph idx="1"/>
-          </p:nvPr>
-        </p:nvSpPr>
-        <p:spPr>
-          <a:xfrm>
-            <a:off x="1078463" y="1819713"/>
-            <a:ext cx="9451946" cy="4137259"/>
-          </a:xfrm>
-        </p:spPr>
-        <p:txBody>
-          <a:bodyPr vert="horz" lIns="91440" tIns="45720" rIns="91440" bIns="45720" rtlCol="0">
-            <a:normAutofit/>
-          </a:bodyPr>
-          <a:lstStyle/>
-          <a:p>
-            <a:r>
-              <a:rPr lang="en-US" dirty="0"/>
-              <a:t>3-Dimensionale Rotation </a:t>
-            </a:r>
-            <a:r>
-              <a:rPr lang="en-US" dirty="0" err="1"/>
-              <a:t>im</a:t>
-            </a:r>
-            <a:r>
-              <a:rPr lang="en-US" dirty="0"/>
-              <a:t> </a:t>
-            </a:r>
-            <a:r>
-              <a:rPr lang="en-US" dirty="0" err="1"/>
-              <a:t>Uhrzeigersinn</a:t>
-            </a:r>
-            <a:r>
-              <a:rPr lang="en-US" dirty="0"/>
-              <a:t> (positive Wert)</a:t>
-            </a:r>
-          </a:p>
-          <a:p>
-            <a:r>
-              <a:rPr lang="en-US" dirty="0" err="1"/>
-              <a:t>rotateX</a:t>
-            </a:r>
-            <a:r>
-              <a:rPr lang="en-US" dirty="0"/>
-              <a:t>(45deg</a:t>
-            </a:r>
-            <a:r>
-              <a:rPr lang="en-US" dirty="0" smtClean="0"/>
-              <a:t>) </a:t>
-            </a:r>
-            <a:endParaRPr lang="en-US" dirty="0"/>
-          </a:p>
-          <a:p>
-            <a:r>
-              <a:rPr lang="en-US" dirty="0" err="1"/>
-              <a:t>rotateY</a:t>
-            </a:r>
-            <a:r>
-              <a:rPr lang="en-US" dirty="0"/>
-              <a:t>(45deg) </a:t>
-            </a:r>
-          </a:p>
-          <a:p>
-            <a:r>
-              <a:rPr lang="en-US" dirty="0" err="1"/>
-              <a:t>rotateZ</a:t>
-            </a:r>
-            <a:r>
-              <a:rPr lang="en-US" dirty="0"/>
-              <a:t>(-45deg)</a:t>
-            </a:r>
-          </a:p>
-          <a:p>
-            <a:endParaRPr lang="en-US" dirty="0"/>
-          </a:p>
-          <a:p>
-            <a:endParaRPr lang="en-US" dirty="0"/>
-          </a:p>
-        </p:txBody>
-      </p:sp>
-      <p:sp>
-        <p:nvSpPr>
-          <p:cNvPr id="4" name="AutoShape 2" descr="Bootstrap">
-            <a:extLst>
-              <a:ext uri="{FF2B5EF4-FFF2-40B4-BE49-F238E27FC236}">
-                <a16:creationId xmlns:a16="http://schemas.microsoft.com/office/drawing/2014/main" id="{B2D97E5E-59AD-7A5C-6637-DC23FC432F7F}"/>
-              </a:ext>
-            </a:extLst>
-          </p:cNvPr>
-          <p:cNvSpPr>
-            <a:spLocks noChangeAspect="1" noChangeArrowheads="1"/>
-          </p:cNvSpPr>
-          <p:nvPr/>
-        </p:nvSpPr>
-        <p:spPr bwMode="auto">
-          <a:xfrm>
-            <a:off x="4962087" y="5038287"/>
-            <a:ext cx="2395057" cy="2395057"/>
-          </a:xfrm>
-          <a:prstGeom prst="rect">
-            <a:avLst/>
-          </a:prstGeom>
-          <a:noFill/>
-          <a:extLst>
-            <a:ext uri="{909E8E84-426E-40DD-AFC4-6F175D3DCCD1}">
-              <a14:hiddenFill xmlns:a14="http://schemas.microsoft.com/office/drawing/2010/main">
-                <a:solidFill>
-                  <a:srgbClr val="FFFFFF"/>
-                </a:solidFill>
-              </a14:hiddenFill>
-            </a:ext>
-          </a:extLst>
-        </p:spPr>
-        <p:txBody>
-          <a:bodyPr vert="horz" wrap="square" lIns="91440" tIns="45720" rIns="91440" bIns="45720" numCol="1" anchor="t" anchorCtr="0" compatLnSpc="1">
-            <a:prstTxWarp prst="textNoShape">
-              <a:avLst/>
-            </a:prstTxWarp>
-          </a:bodyPr>
-          <a:lstStyle/>
-          <a:p>
-            <a:endParaRPr lang="de-AT"/>
-          </a:p>
-        </p:txBody>
-      </p:sp>
-      <p:sp>
-        <p:nvSpPr>
-          <p:cNvPr id="6" name="AutoShape 4" descr="Bootstrap">
-            <a:extLst>
-              <a:ext uri="{FF2B5EF4-FFF2-40B4-BE49-F238E27FC236}">
-                <a16:creationId xmlns:a16="http://schemas.microsoft.com/office/drawing/2014/main" id="{AE19536E-7D3B-43B7-3C57-1A83E196D5BE}"/>
-              </a:ext>
-            </a:extLst>
-          </p:cNvPr>
-          <p:cNvSpPr>
-            <a:spLocks noChangeAspect="1" noChangeArrowheads="1"/>
-          </p:cNvSpPr>
-          <p:nvPr/>
-        </p:nvSpPr>
-        <p:spPr bwMode="auto">
-          <a:xfrm>
-            <a:off x="6096000" y="3429000"/>
-            <a:ext cx="304800" cy="304800"/>
-          </a:xfrm>
-          <a:prstGeom prst="rect">
-            <a:avLst/>
-          </a:prstGeom>
-          <a:noFill/>
-          <a:extLst>
-            <a:ext uri="{909E8E84-426E-40DD-AFC4-6F175D3DCCD1}">
-              <a14:hiddenFill xmlns:a14="http://schemas.microsoft.com/office/drawing/2010/main">
-                <a:solidFill>
-                  <a:srgbClr val="FFFFFF"/>
-                </a:solidFill>
-              </a14:hiddenFill>
-            </a:ext>
-          </a:extLst>
-        </p:spPr>
-        <p:txBody>
-          <a:bodyPr vert="horz" wrap="square" lIns="91440" tIns="45720" rIns="91440" bIns="45720" numCol="1" anchor="t" anchorCtr="0" compatLnSpc="1">
-            <a:prstTxWarp prst="textNoShape">
-              <a:avLst/>
-            </a:prstTxWarp>
-          </a:bodyPr>
-          <a:lstStyle/>
-          <a:p>
-            <a:endParaRPr lang="de-AT"/>
-          </a:p>
-        </p:txBody>
-      </p:sp>
-      <p:pic>
-        <p:nvPicPr>
-          <p:cNvPr id="7" name="Grafik 6">
-            <a:extLst>
-              <a:ext uri="{FF2B5EF4-FFF2-40B4-BE49-F238E27FC236}">
-                <a16:creationId xmlns:a16="http://schemas.microsoft.com/office/drawing/2014/main" id="{BF01484A-6B46-7D75-727F-08F302C54E21}"/>
-              </a:ext>
-            </a:extLst>
-          </p:cNvPr>
-          <p:cNvPicPr>
-            <a:picLocks noChangeAspect="1"/>
-          </p:cNvPicPr>
-          <p:nvPr/>
-        </p:nvPicPr>
-        <p:blipFill>
-          <a:blip r:embed="rId2"/>
-          <a:stretch>
-            <a:fillRect/>
-          </a:stretch>
-        </p:blipFill>
-        <p:spPr>
-          <a:xfrm>
-            <a:off x="9221462" y="4731947"/>
-            <a:ext cx="1965986" cy="1870376"/>
-          </a:xfrm>
-          <a:prstGeom prst="rect">
-            <a:avLst/>
-          </a:prstGeom>
-        </p:spPr>
-      </p:pic>
-      <p:pic>
-        <p:nvPicPr>
-          <p:cNvPr id="11" name="Grafik 10">
-            <a:extLst>
-              <a:ext uri="{FF2B5EF4-FFF2-40B4-BE49-F238E27FC236}">
-                <a16:creationId xmlns:a16="http://schemas.microsoft.com/office/drawing/2014/main" id="{01ADE236-E712-DFED-50C2-D1CEB9E93E1A}"/>
-              </a:ext>
-            </a:extLst>
-          </p:cNvPr>
-          <p:cNvPicPr>
-            <a:picLocks noChangeAspect="1"/>
-          </p:cNvPicPr>
-          <p:nvPr/>
-        </p:nvPicPr>
-        <p:blipFill>
-          <a:blip r:embed="rId3"/>
-          <a:stretch>
-            <a:fillRect/>
-          </a:stretch>
-        </p:blipFill>
-        <p:spPr>
-          <a:xfrm>
-            <a:off x="9496663" y="3393546"/>
-            <a:ext cx="1362265" cy="1076475"/>
-          </a:xfrm>
-          <a:prstGeom prst="rect">
-            <a:avLst/>
-          </a:prstGeom>
-        </p:spPr>
-      </p:pic>
-      <p:pic>
-        <p:nvPicPr>
-          <p:cNvPr id="14" name="Grafik 13">
-            <a:extLst>
-              <a:ext uri="{FF2B5EF4-FFF2-40B4-BE49-F238E27FC236}">
-                <a16:creationId xmlns:a16="http://schemas.microsoft.com/office/drawing/2014/main" id="{77E0FD6C-581F-AB8B-ACBD-3EFFFCB52022}"/>
-              </a:ext>
-            </a:extLst>
-          </p:cNvPr>
-          <p:cNvPicPr>
-            <a:picLocks noChangeAspect="1"/>
-          </p:cNvPicPr>
-          <p:nvPr/>
-        </p:nvPicPr>
-        <p:blipFill>
-          <a:blip r:embed="rId4"/>
-          <a:stretch>
-            <a:fillRect/>
-          </a:stretch>
-        </p:blipFill>
-        <p:spPr>
-          <a:xfrm>
-            <a:off x="9496663" y="1906900"/>
-            <a:ext cx="1352739" cy="1019317"/>
-          </a:xfrm>
-          <a:prstGeom prst="rect">
-            <a:avLst/>
-          </a:prstGeom>
-        </p:spPr>
-      </p:pic>
-      <p:pic>
-        <p:nvPicPr>
-          <p:cNvPr id="12" name="Picture 4" descr="Cartesian coordinate system - Free education icons"/>
-          <p:cNvPicPr>
-            <a:picLocks noChangeAspect="1" noChangeArrowheads="1"/>
-          </p:cNvPicPr>
-          <p:nvPr/>
-        </p:nvPicPr>
-        <p:blipFill>
-          <a:blip r:embed="rId5" cstate="hqprint">
-            <a:extLst>
-              <a:ext uri="{28A0092B-C50C-407E-A947-70E740481C1C}">
-                <a14:useLocalDpi xmlns:a14="http://schemas.microsoft.com/office/drawing/2010/main" val="0"/>
-              </a:ext>
-            </a:extLst>
-          </a:blip>
-          <a:srcRect/>
-          <a:stretch>
-            <a:fillRect/>
-          </a:stretch>
-        </p:blipFill>
-        <p:spPr bwMode="auto">
-          <a:xfrm>
-            <a:off x="1044607" y="5103453"/>
-            <a:ext cx="1396589" cy="1396589"/>
-          </a:xfrm>
-          <a:prstGeom prst="rect">
-            <a:avLst/>
-          </a:prstGeom>
-          <a:noFill/>
-          <a:extLst>
-            <a:ext uri="{909E8E84-426E-40DD-AFC4-6F175D3DCCD1}">
-              <a14:hiddenFill xmlns:a14="http://schemas.microsoft.com/office/drawing/2010/main">
-                <a:solidFill>
-                  <a:srgbClr val="FFFFFF"/>
-                </a:solidFill>
-              </a14:hiddenFill>
-            </a:ext>
-          </a:extLst>
-        </p:spPr>
-      </p:pic>
-    </p:spTree>
-    <p:extLst>
-      <p:ext uri="{BB962C8B-B14F-4D97-AF65-F5344CB8AC3E}">
-        <p14:creationId xmlns:p14="http://schemas.microsoft.com/office/powerpoint/2010/main" val="710385806"/>
-      </p:ext>
-    </p:extLst>
-  </p:cSld>
-  <p:clrMapOvr>
-    <a:masterClrMapping/>
-  </p:clrMapOvr>
-  <p:timing>
-    <p:tnLst>
-      <p:par>
-        <p:cTn id="1" dur="indefinite" restart="never" nodeType="tmRoot">
-          <p:childTnLst>
-            <p:seq concurrent="1" nextAc="seek">
-              <p:cTn id="2" dur="indefinite" nodeType="mainSeq">
-                <p:childTnLst>
-                  <p:par>
-                    <p:cTn id="3" fill="hold">
-                      <p:stCondLst>
-                        <p:cond delay="indefinite"/>
-                      </p:stCondLst>
-                      <p:childTnLst>
-                        <p:par>
-                          <p:cTn id="4" fill="hold">
-                            <p:stCondLst>
-                              <p:cond delay="0"/>
-                            </p:stCondLst>
-                            <p:childTnLst>
-                              <p:par>
-                                <p:cTn id="5" presetID="10" presetClass="entr" presetSubtype="0" fill="hold" grpId="0" nodeType="clickEffect">
-                                  <p:stCondLst>
-                                    <p:cond delay="0"/>
-                                  </p:stCondLst>
-                                  <p:childTnLst>
-                                    <p:set>
-                                      <p:cBhvr>
-                                        <p:cTn id="6" dur="1" fill="hold">
-                                          <p:stCondLst>
-                                            <p:cond delay="0"/>
-                                          </p:stCondLst>
-                                        </p:cTn>
-                                        <p:tgtEl>
-                                          <p:spTgt spid="3">
-                                            <p:txEl>
-                                              <p:pRg st="0" end="0"/>
-                                            </p:txEl>
-                                          </p:spTgt>
-                                        </p:tgtEl>
-                                        <p:attrNameLst>
-                                          <p:attrName>style.visibility</p:attrName>
-                                        </p:attrNameLst>
-                                      </p:cBhvr>
-                                      <p:to>
-                                        <p:strVal val="visible"/>
-                                      </p:to>
-                                    </p:set>
-                                    <p:animEffect transition="in" filter="fade">
-                                      <p:cBhvr>
-                                        <p:cTn id="7" dur="500"/>
-                                        <p:tgtEl>
-                                          <p:spTgt spid="3">
-                                            <p:txEl>
-                                              <p:pRg st="0" end="0"/>
-                                            </p:txEl>
-                                          </p:spTgt>
-                                        </p:tgtEl>
-                                      </p:cBhvr>
-                                    </p:animEffect>
-                                  </p:childTnLst>
-                                </p:cTn>
-                              </p:par>
-                            </p:childTnLst>
-                          </p:cTn>
-                        </p:par>
-                      </p:childTnLst>
-                    </p:cTn>
-                  </p:par>
-                  <p:par>
-                    <p:cTn id="8" fill="hold">
-                      <p:stCondLst>
-                        <p:cond delay="indefinite"/>
-                      </p:stCondLst>
-                      <p:childTnLst>
-                        <p:par>
-                          <p:cTn id="9" fill="hold">
-                            <p:stCondLst>
-                              <p:cond delay="0"/>
-                            </p:stCondLst>
-                            <p:childTnLst>
-                              <p:par>
-                                <p:cTn id="10" presetID="10" presetClass="entr" presetSubtype="0" fill="hold" grpId="0" nodeType="clickEffect">
-                                  <p:stCondLst>
-                                    <p:cond delay="0"/>
-                                  </p:stCondLst>
-                                  <p:childTnLst>
-                                    <p:set>
-                                      <p:cBhvr>
-                                        <p:cTn id="11" dur="1" fill="hold">
-                                          <p:stCondLst>
-                                            <p:cond delay="0"/>
-                                          </p:stCondLst>
-                                        </p:cTn>
-                                        <p:tgtEl>
-                                          <p:spTgt spid="3">
-                                            <p:txEl>
-                                              <p:pRg st="1" end="1"/>
-                                            </p:txEl>
-                                          </p:spTgt>
-                                        </p:tgtEl>
-                                        <p:attrNameLst>
-                                          <p:attrName>style.visibility</p:attrName>
-                                        </p:attrNameLst>
-                                      </p:cBhvr>
-                                      <p:to>
-                                        <p:strVal val="visible"/>
-                                      </p:to>
-                                    </p:set>
-                                    <p:animEffect transition="in" filter="fade">
-                                      <p:cBhvr>
-                                        <p:cTn id="12" dur="500"/>
-                                        <p:tgtEl>
-                                          <p:spTgt spid="3">
-                                            <p:txEl>
-                                              <p:pRg st="1" end="1"/>
-                                            </p:txEl>
-                                          </p:spTgt>
-                                        </p:tgtEl>
-                                      </p:cBhvr>
-                                    </p:animEffect>
-                                  </p:childTnLst>
-                                </p:cTn>
-                              </p:par>
-                              <p:par>
-                                <p:cTn id="13" presetID="10" presetClass="entr" presetSubtype="0" fill="hold" nodeType="withEffect">
-                                  <p:stCondLst>
-                                    <p:cond delay="0"/>
-                                  </p:stCondLst>
-                                  <p:childTnLst>
-                                    <p:set>
-                                      <p:cBhvr>
-                                        <p:cTn id="14" dur="1" fill="hold">
-                                          <p:stCondLst>
-                                            <p:cond delay="0"/>
-                                          </p:stCondLst>
-                                        </p:cTn>
-                                        <p:tgtEl>
-                                          <p:spTgt spid="14"/>
-                                        </p:tgtEl>
-                                        <p:attrNameLst>
-                                          <p:attrName>style.visibility</p:attrName>
-                                        </p:attrNameLst>
-                                      </p:cBhvr>
-                                      <p:to>
-                                        <p:strVal val="visible"/>
-                                      </p:to>
-                                    </p:set>
-                                    <p:animEffect transition="in" filter="fade">
-                                      <p:cBhvr>
-                                        <p:cTn id="15" dur="500"/>
-                                        <p:tgtEl>
-                                          <p:spTgt spid="14"/>
-                                        </p:tgtEl>
-                                      </p:cBhvr>
-                                    </p:animEffect>
-                                  </p:childTnLst>
-                                </p:cTn>
-                              </p:par>
-                            </p:childTnLst>
-                          </p:cTn>
-                        </p:par>
-                      </p:childTnLst>
-                    </p:cTn>
-                  </p:par>
-                  <p:par>
-                    <p:cTn id="16" fill="hold">
-                      <p:stCondLst>
-                        <p:cond delay="indefinite"/>
-                      </p:stCondLst>
-                      <p:childTnLst>
-                        <p:par>
-                          <p:cTn id="17" fill="hold">
-                            <p:stCondLst>
-                              <p:cond delay="0"/>
-                            </p:stCondLst>
-                            <p:childTnLst>
-                              <p:par>
-                                <p:cTn id="18" presetID="10" presetClass="entr" presetSubtype="0" fill="hold" grpId="0" nodeType="clickEffect">
-                                  <p:stCondLst>
-                                    <p:cond delay="0"/>
-                                  </p:stCondLst>
-                                  <p:childTnLst>
-                                    <p:set>
-                                      <p:cBhvr>
-                                        <p:cTn id="19" dur="1" fill="hold">
-                                          <p:stCondLst>
-                                            <p:cond delay="0"/>
-                                          </p:stCondLst>
-                                        </p:cTn>
-                                        <p:tgtEl>
-                                          <p:spTgt spid="3">
-                                            <p:txEl>
-                                              <p:pRg st="2" end="2"/>
-                                            </p:txEl>
-                                          </p:spTgt>
-                                        </p:tgtEl>
-                                        <p:attrNameLst>
-                                          <p:attrName>style.visibility</p:attrName>
-                                        </p:attrNameLst>
-                                      </p:cBhvr>
-                                      <p:to>
-                                        <p:strVal val="visible"/>
-                                      </p:to>
-                                    </p:set>
-                                    <p:animEffect transition="in" filter="fade">
-                                      <p:cBhvr>
-                                        <p:cTn id="20" dur="500"/>
-                                        <p:tgtEl>
-                                          <p:spTgt spid="3">
-                                            <p:txEl>
-                                              <p:pRg st="2" end="2"/>
-                                            </p:txEl>
-                                          </p:spTgt>
-                                        </p:tgtEl>
-                                      </p:cBhvr>
-                                    </p:animEffect>
-                                  </p:childTnLst>
-                                </p:cTn>
-                              </p:par>
-                              <p:par>
-                                <p:cTn id="21" presetID="10" presetClass="entr" presetSubtype="0" fill="hold" nodeType="withEffect">
-                                  <p:stCondLst>
-                                    <p:cond delay="0"/>
-                                  </p:stCondLst>
-                                  <p:childTnLst>
-                                    <p:set>
-                                      <p:cBhvr>
-                                        <p:cTn id="22" dur="1" fill="hold">
-                                          <p:stCondLst>
-                                            <p:cond delay="0"/>
-                                          </p:stCondLst>
-                                        </p:cTn>
-                                        <p:tgtEl>
-                                          <p:spTgt spid="11"/>
-                                        </p:tgtEl>
-                                        <p:attrNameLst>
-                                          <p:attrName>style.visibility</p:attrName>
-                                        </p:attrNameLst>
-                                      </p:cBhvr>
-                                      <p:to>
-                                        <p:strVal val="visible"/>
-                                      </p:to>
-                                    </p:set>
-                                    <p:animEffect transition="in" filter="fade">
-                                      <p:cBhvr>
-                                        <p:cTn id="23" dur="500"/>
-                                        <p:tgtEl>
-                                          <p:spTgt spid="11"/>
-                                        </p:tgtEl>
-                                      </p:cBhvr>
-                                    </p:animEffect>
-                                  </p:childTnLst>
-                                </p:cTn>
-                              </p:par>
-                            </p:childTnLst>
-                          </p:cTn>
-                        </p:par>
-                      </p:childTnLst>
-                    </p:cTn>
-                  </p:par>
-                  <p:par>
-                    <p:cTn id="24" fill="hold">
-                      <p:stCondLst>
-                        <p:cond delay="indefinite"/>
-                      </p:stCondLst>
-                      <p:childTnLst>
-                        <p:par>
-                          <p:cTn id="25" fill="hold">
-                            <p:stCondLst>
-                              <p:cond delay="0"/>
-                            </p:stCondLst>
-                            <p:childTnLst>
-                              <p:par>
-                                <p:cTn id="26" presetID="10" presetClass="entr" presetSubtype="0" fill="hold" grpId="0" nodeType="clickEffect">
-                                  <p:stCondLst>
-                                    <p:cond delay="0"/>
-                                  </p:stCondLst>
-                                  <p:childTnLst>
-                                    <p:set>
-                                      <p:cBhvr>
-                                        <p:cTn id="27" dur="1" fill="hold">
-                                          <p:stCondLst>
-                                            <p:cond delay="0"/>
-                                          </p:stCondLst>
-                                        </p:cTn>
-                                        <p:tgtEl>
-                                          <p:spTgt spid="3">
-                                            <p:txEl>
-                                              <p:pRg st="3" end="3"/>
-                                            </p:txEl>
-                                          </p:spTgt>
-                                        </p:tgtEl>
-                                        <p:attrNameLst>
-                                          <p:attrName>style.visibility</p:attrName>
-                                        </p:attrNameLst>
-                                      </p:cBhvr>
-                                      <p:to>
-                                        <p:strVal val="visible"/>
-                                      </p:to>
-                                    </p:set>
-                                    <p:animEffect transition="in" filter="fade">
-                                      <p:cBhvr>
-                                        <p:cTn id="28" dur="500"/>
-                                        <p:tgtEl>
-                                          <p:spTgt spid="3">
-                                            <p:txEl>
-                                              <p:pRg st="3" end="3"/>
-                                            </p:txEl>
-                                          </p:spTgt>
-                                        </p:tgtEl>
-                                      </p:cBhvr>
-                                    </p:animEffect>
-                                  </p:childTnLst>
-                                </p:cTn>
-                              </p:par>
-                              <p:par>
-                                <p:cTn id="29" presetID="10" presetClass="entr" presetSubtype="0" fill="hold" nodeType="withEffect">
-                                  <p:stCondLst>
-                                    <p:cond delay="0"/>
-                                  </p:stCondLst>
-                                  <p:childTnLst>
-                                    <p:set>
-                                      <p:cBhvr>
-                                        <p:cTn id="30" dur="1" fill="hold">
-                                          <p:stCondLst>
-                                            <p:cond delay="0"/>
-                                          </p:stCondLst>
-                                        </p:cTn>
-                                        <p:tgtEl>
-                                          <p:spTgt spid="7"/>
-                                        </p:tgtEl>
-                                        <p:attrNameLst>
-                                          <p:attrName>style.visibility</p:attrName>
-                                        </p:attrNameLst>
-                                      </p:cBhvr>
-                                      <p:to>
-                                        <p:strVal val="visible"/>
-                                      </p:to>
-                                    </p:set>
-                                    <p:animEffect transition="in" filter="fade">
-                                      <p:cBhvr>
-                                        <p:cTn id="31" dur="500"/>
-                                        <p:tgtEl>
-                                          <p:spTgt spid="7"/>
-                                        </p:tgtEl>
-                                      </p:cBhvr>
-                                    </p:animEffect>
-                                  </p:childTnLst>
-                                </p:cTn>
-                              </p:par>
-                            </p:childTnLst>
-                          </p:cTn>
-                        </p:par>
-                      </p:childTnLst>
-                    </p:cTn>
-                  </p:par>
-                </p:childTnLst>
-              </p:cTn>
-              <p:prevCondLst>
-                <p:cond evt="onPrev" delay="0">
-                  <p:tgtEl>
-                    <p:sldTgt/>
-                  </p:tgtEl>
-                </p:cond>
-              </p:prevCondLst>
-              <p:nextCondLst>
-                <p:cond evt="onNext" delay="0">
-                  <p:tgtEl>
-                    <p:sldTgt/>
-                  </p:tgtEl>
-                </p:cond>
-              </p:nextCondLst>
-            </p:seq>
-          </p:childTnLst>
-        </p:cTn>
-      </p:par>
-    </p:tnLst>
-    <p:bldLst>
-      <p:bldP spid="3" grpId="0" uiExpand="1" build="p"/>
-    </p:bldLst>
-  </p:timing>
-</p:sld>
-</file>
-
-<file path=ppt/slides/slide4.xml><?xml version="1.0" encoding="utf-8"?>
-<p:sld xmlns:a="http://schemas.openxmlformats.org/drawingml/2006/main" xmlns:r="http://schemas.openxmlformats.org/officeDocument/2006/relationships" xmlns:p="http://schemas.openxmlformats.org/presentationml/2006/main">
-  <p:cSld>
-    <p:spTree>
-      <p:nvGrpSpPr>
-        <p:cNvPr id="1" name=""/>
-        <p:cNvGrpSpPr/>
-        <p:nvPr/>
-      </p:nvGrpSpPr>
-      <p:grpSpPr>
-        <a:xfrm>
-          <a:off x="0" y="0"/>
-          <a:ext cx="0" cy="0"/>
-          <a:chOff x="0" y="0"/>
-          <a:chExt cx="0" cy="0"/>
-        </a:xfrm>
-      </p:grpSpPr>
-      <p:sp>
-        <p:nvSpPr>
-          <p:cNvPr id="2" name="Titel 1">
-            <a:extLst>
-              <a:ext uri="{FF2B5EF4-FFF2-40B4-BE49-F238E27FC236}">
-                <a16:creationId xmlns:a16="http://schemas.microsoft.com/office/drawing/2014/main" id="{A71149DC-9D6B-A568-CC88-0C9834BEA39F}"/>
-              </a:ext>
-            </a:extLst>
-          </p:cNvPr>
-          <p:cNvSpPr>
-            <a:spLocks noGrp="1"/>
-          </p:cNvSpPr>
-          <p:nvPr>
-            <p:ph type="title"/>
-          </p:nvPr>
-        </p:nvSpPr>
-        <p:spPr/>
-        <p:txBody>
-          <a:bodyPr/>
-          <a:lstStyle/>
-          <a:p>
-            <a:r>
-              <a:rPr lang="de-AT" dirty="0"/>
-              <a:t>CSS – Transition</a:t>
-            </a:r>
-          </a:p>
-        </p:txBody>
-      </p:sp>
-      <p:sp>
-        <p:nvSpPr>
-          <p:cNvPr id="3" name="Inhaltsplatzhalter 2">
-            <a:extLst>
-              <a:ext uri="{FF2B5EF4-FFF2-40B4-BE49-F238E27FC236}">
-                <a16:creationId xmlns:a16="http://schemas.microsoft.com/office/drawing/2014/main" id="{4A5BE335-D373-C792-A4ED-E35F6905E567}"/>
-              </a:ext>
-            </a:extLst>
-          </p:cNvPr>
-          <p:cNvSpPr>
-            <a:spLocks noGrp="1"/>
-          </p:cNvSpPr>
-          <p:nvPr>
-            <p:ph idx="1"/>
-          </p:nvPr>
-        </p:nvSpPr>
-        <p:spPr>
-          <a:xfrm>
-            <a:off x="1078463" y="1819713"/>
-            <a:ext cx="6209843" cy="4137259"/>
-          </a:xfrm>
-        </p:spPr>
-        <p:txBody>
-          <a:bodyPr vert="horz" lIns="91440" tIns="45720" rIns="91440" bIns="45720" rtlCol="0">
-            <a:normAutofit/>
-          </a:bodyPr>
-          <a:lstStyle/>
-          <a:p>
-            <a:r>
-              <a:rPr lang="en-US" dirty="0" err="1"/>
-              <a:t>Änderungen</a:t>
-            </a:r>
-            <a:r>
-              <a:rPr lang="en-US" dirty="0"/>
-              <a:t> von CSS Properties </a:t>
-            </a:r>
-            <a:r>
-              <a:rPr lang="en-US" dirty="0" err="1"/>
-              <a:t>animieren</a:t>
-            </a:r>
-            <a:endParaRPr lang="en-US" dirty="0"/>
-          </a:p>
-          <a:p>
-            <a:r>
-              <a:rPr lang="en-US" dirty="0" err="1"/>
-              <a:t>Änderungen</a:t>
-            </a:r>
-            <a:r>
-              <a:rPr lang="en-US" dirty="0"/>
-              <a:t> </a:t>
-            </a:r>
-            <a:r>
-              <a:rPr lang="en-US" dirty="0" err="1"/>
-              <a:t>über</a:t>
-            </a:r>
-            <a:r>
-              <a:rPr lang="en-US" dirty="0"/>
-              <a:t> </a:t>
-            </a:r>
-            <a:r>
-              <a:rPr lang="en-US" dirty="0" err="1"/>
-              <a:t>Javascript</a:t>
-            </a:r>
-            <a:r>
-              <a:rPr lang="en-US" dirty="0"/>
-              <a:t> </a:t>
-            </a:r>
-            <a:r>
-              <a:rPr lang="en-US" dirty="0" err="1"/>
-              <a:t>oder</a:t>
-            </a:r>
-            <a:r>
-              <a:rPr lang="en-US" dirty="0"/>
-              <a:t> </a:t>
-            </a:r>
-            <a:r>
-              <a:rPr lang="en-US" dirty="0" err="1"/>
-              <a:t>Pseudoklassen</a:t>
-            </a:r>
-            <a:r>
-              <a:rPr lang="en-US" dirty="0"/>
-              <a:t> </a:t>
-            </a:r>
-            <a:r>
-              <a:rPr lang="en-US" dirty="0" err="1"/>
-              <a:t>möglich</a:t>
-            </a:r>
-            <a:endParaRPr lang="en-US" dirty="0"/>
-          </a:p>
-          <a:p>
-            <a:r>
-              <a:rPr lang="en-US" dirty="0"/>
-              <a:t>Animation </a:t>
-            </a:r>
-            <a:r>
-              <a:rPr lang="en-US" dirty="0" err="1"/>
-              <a:t>verzögert</a:t>
-            </a:r>
-            <a:r>
-              <a:rPr lang="en-US" dirty="0"/>
-              <a:t> </a:t>
-            </a:r>
-            <a:r>
-              <a:rPr lang="en-US" dirty="0" err="1"/>
-              <a:t>einsetzen</a:t>
-            </a:r>
-            <a:r>
-              <a:rPr lang="en-US" dirty="0"/>
-              <a:t/>
-            </a:r>
-            <a:br>
-              <a:rPr lang="en-US" dirty="0"/>
-            </a:br>
-            <a:r>
-              <a:rPr lang="en-US" dirty="0" err="1"/>
-              <a:t>Bsp</a:t>
-            </a:r>
-            <a:r>
-              <a:rPr lang="en-US" dirty="0"/>
-              <a:t>: transition-delay: 1s</a:t>
-            </a:r>
-          </a:p>
-          <a:p>
-            <a:endParaRPr lang="en-US" dirty="0"/>
-          </a:p>
-          <a:p>
-            <a:r>
-              <a:rPr lang="en-US" dirty="0">
-                <a:hlinkClick r:id="rId2"/>
-              </a:rPr>
-              <a:t>https://www.w3schools.com/css/css3_2dtransforms.asp</a:t>
-            </a:r>
-            <a:r>
-              <a:rPr lang="en-US" dirty="0"/>
-              <a:t> </a:t>
-            </a:r>
-          </a:p>
-          <a:p>
-            <a:endParaRPr lang="en-US" dirty="0"/>
-          </a:p>
-        </p:txBody>
-      </p:sp>
-      <p:sp>
-        <p:nvSpPr>
-          <p:cNvPr id="4" name="AutoShape 2" descr="Bootstrap">
-            <a:extLst>
-              <a:ext uri="{FF2B5EF4-FFF2-40B4-BE49-F238E27FC236}">
-                <a16:creationId xmlns:a16="http://schemas.microsoft.com/office/drawing/2014/main" id="{B2D97E5E-59AD-7A5C-6637-DC23FC432F7F}"/>
-              </a:ext>
-            </a:extLst>
-          </p:cNvPr>
-          <p:cNvSpPr>
-            <a:spLocks noChangeAspect="1" noChangeArrowheads="1"/>
-          </p:cNvSpPr>
-          <p:nvPr/>
-        </p:nvSpPr>
-        <p:spPr bwMode="auto">
-          <a:xfrm>
-            <a:off x="4962087" y="5038287"/>
-            <a:ext cx="2395057" cy="2395057"/>
-          </a:xfrm>
-          <a:prstGeom prst="rect">
-            <a:avLst/>
-          </a:prstGeom>
-          <a:noFill/>
-          <a:extLst>
-            <a:ext uri="{909E8E84-426E-40DD-AFC4-6F175D3DCCD1}">
-              <a14:hiddenFill xmlns:a14="http://schemas.microsoft.com/office/drawing/2010/main">
-                <a:solidFill>
-                  <a:srgbClr val="FFFFFF"/>
-                </a:solidFill>
-              </a14:hiddenFill>
-            </a:ext>
-          </a:extLst>
-        </p:spPr>
-        <p:txBody>
-          <a:bodyPr vert="horz" wrap="square" lIns="91440" tIns="45720" rIns="91440" bIns="45720" numCol="1" anchor="t" anchorCtr="0" compatLnSpc="1">
-            <a:prstTxWarp prst="textNoShape">
-              <a:avLst/>
-            </a:prstTxWarp>
-          </a:bodyPr>
-          <a:lstStyle/>
-          <a:p>
-            <a:endParaRPr lang="de-AT"/>
-          </a:p>
-        </p:txBody>
-      </p:sp>
-      <p:sp>
-        <p:nvSpPr>
-          <p:cNvPr id="6" name="AutoShape 4" descr="Bootstrap">
-            <a:extLst>
-              <a:ext uri="{FF2B5EF4-FFF2-40B4-BE49-F238E27FC236}">
-                <a16:creationId xmlns:a16="http://schemas.microsoft.com/office/drawing/2014/main" id="{AE19536E-7D3B-43B7-3C57-1A83E196D5BE}"/>
-              </a:ext>
-            </a:extLst>
-          </p:cNvPr>
-          <p:cNvSpPr>
-            <a:spLocks noChangeAspect="1" noChangeArrowheads="1"/>
-          </p:cNvSpPr>
-          <p:nvPr/>
-        </p:nvSpPr>
-        <p:spPr bwMode="auto">
-          <a:xfrm>
-            <a:off x="6096000" y="3429000"/>
-            <a:ext cx="304800" cy="304800"/>
-          </a:xfrm>
-          <a:prstGeom prst="rect">
-            <a:avLst/>
-          </a:prstGeom>
-          <a:noFill/>
-          <a:extLst>
-            <a:ext uri="{909E8E84-426E-40DD-AFC4-6F175D3DCCD1}">
-              <a14:hiddenFill xmlns:a14="http://schemas.microsoft.com/office/drawing/2010/main">
-                <a:solidFill>
-                  <a:srgbClr val="FFFFFF"/>
-                </a:solidFill>
-              </a14:hiddenFill>
-            </a:ext>
-          </a:extLst>
-        </p:spPr>
-        <p:txBody>
-          <a:bodyPr vert="horz" wrap="square" lIns="91440" tIns="45720" rIns="91440" bIns="45720" numCol="1" anchor="t" anchorCtr="0" compatLnSpc="1">
-            <a:prstTxWarp prst="textNoShape">
-              <a:avLst/>
-            </a:prstTxWarp>
-          </a:bodyPr>
-          <a:lstStyle/>
-          <a:p>
-            <a:endParaRPr lang="de-AT"/>
-          </a:p>
-        </p:txBody>
-      </p:sp>
-      <p:pic>
-        <p:nvPicPr>
-          <p:cNvPr id="14" name="Grafik 13">
-            <a:extLst>
-              <a:ext uri="{FF2B5EF4-FFF2-40B4-BE49-F238E27FC236}">
-                <a16:creationId xmlns:a16="http://schemas.microsoft.com/office/drawing/2014/main" id="{62A83448-13C0-F631-A98F-05BD8A4A3B54}"/>
-              </a:ext>
-            </a:extLst>
-          </p:cNvPr>
-          <p:cNvPicPr>
-            <a:picLocks noChangeAspect="1"/>
-          </p:cNvPicPr>
-          <p:nvPr/>
-        </p:nvPicPr>
-        <p:blipFill>
-          <a:blip r:embed="rId3"/>
-          <a:stretch>
-            <a:fillRect/>
-          </a:stretch>
-        </p:blipFill>
-        <p:spPr>
-          <a:xfrm>
-            <a:off x="8236257" y="1959295"/>
-            <a:ext cx="3515216" cy="2953162"/>
+            <a:off x="8770060" y="1431055"/>
+            <a:ext cx="2343477" cy="4753638"/>
           </a:xfrm>
           <a:prstGeom prst="rect">
             <a:avLst/>
@@ -5958,707 +5161,7 @@
     </p:spTree>
     <p:extLst>
       <p:ext uri="{BB962C8B-B14F-4D97-AF65-F5344CB8AC3E}">
-        <p14:creationId xmlns:p14="http://schemas.microsoft.com/office/powerpoint/2010/main" val="1094659076"/>
-      </p:ext>
-    </p:extLst>
-  </p:cSld>
-  <p:clrMapOvr>
-    <a:masterClrMapping/>
-  </p:clrMapOvr>
-  <p:timing>
-    <p:tnLst>
-      <p:par>
-        <p:cTn id="1" dur="indefinite" restart="never" nodeType="tmRoot">
-          <p:childTnLst>
-            <p:seq concurrent="1" nextAc="seek">
-              <p:cTn id="2" dur="indefinite" nodeType="mainSeq">
-                <p:childTnLst>
-                  <p:par>
-                    <p:cTn id="3" fill="hold">
-                      <p:stCondLst>
-                        <p:cond delay="indefinite"/>
-                      </p:stCondLst>
-                      <p:childTnLst>
-                        <p:par>
-                          <p:cTn id="4" fill="hold">
-                            <p:stCondLst>
-                              <p:cond delay="0"/>
-                            </p:stCondLst>
-                            <p:childTnLst>
-                              <p:par>
-                                <p:cTn id="5" presetID="10" presetClass="entr" presetSubtype="0" fill="hold" grpId="0" nodeType="clickEffect">
-                                  <p:stCondLst>
-                                    <p:cond delay="0"/>
-                                  </p:stCondLst>
-                                  <p:childTnLst>
-                                    <p:set>
-                                      <p:cBhvr>
-                                        <p:cTn id="6" dur="1" fill="hold">
-                                          <p:stCondLst>
-                                            <p:cond delay="0"/>
-                                          </p:stCondLst>
-                                        </p:cTn>
-                                        <p:tgtEl>
-                                          <p:spTgt spid="3">
-                                            <p:txEl>
-                                              <p:pRg st="0" end="0"/>
-                                            </p:txEl>
-                                          </p:spTgt>
-                                        </p:tgtEl>
-                                        <p:attrNameLst>
-                                          <p:attrName>style.visibility</p:attrName>
-                                        </p:attrNameLst>
-                                      </p:cBhvr>
-                                      <p:to>
-                                        <p:strVal val="visible"/>
-                                      </p:to>
-                                    </p:set>
-                                    <p:animEffect transition="in" filter="fade">
-                                      <p:cBhvr>
-                                        <p:cTn id="7" dur="500"/>
-                                        <p:tgtEl>
-                                          <p:spTgt spid="3">
-                                            <p:txEl>
-                                              <p:pRg st="0" end="0"/>
-                                            </p:txEl>
-                                          </p:spTgt>
-                                        </p:tgtEl>
-                                      </p:cBhvr>
-                                    </p:animEffect>
-                                  </p:childTnLst>
-                                </p:cTn>
-                              </p:par>
-                            </p:childTnLst>
-                          </p:cTn>
-                        </p:par>
-                      </p:childTnLst>
-                    </p:cTn>
-                  </p:par>
-                  <p:par>
-                    <p:cTn id="8" fill="hold">
-                      <p:stCondLst>
-                        <p:cond delay="indefinite"/>
-                      </p:stCondLst>
-                      <p:childTnLst>
-                        <p:par>
-                          <p:cTn id="9" fill="hold">
-                            <p:stCondLst>
-                              <p:cond delay="0"/>
-                            </p:stCondLst>
-                            <p:childTnLst>
-                              <p:par>
-                                <p:cTn id="10" presetID="10" presetClass="entr" presetSubtype="0" fill="hold" grpId="0" nodeType="clickEffect">
-                                  <p:stCondLst>
-                                    <p:cond delay="0"/>
-                                  </p:stCondLst>
-                                  <p:childTnLst>
-                                    <p:set>
-                                      <p:cBhvr>
-                                        <p:cTn id="11" dur="1" fill="hold">
-                                          <p:stCondLst>
-                                            <p:cond delay="0"/>
-                                          </p:stCondLst>
-                                        </p:cTn>
-                                        <p:tgtEl>
-                                          <p:spTgt spid="3">
-                                            <p:txEl>
-                                              <p:pRg st="1" end="1"/>
-                                            </p:txEl>
-                                          </p:spTgt>
-                                        </p:tgtEl>
-                                        <p:attrNameLst>
-                                          <p:attrName>style.visibility</p:attrName>
-                                        </p:attrNameLst>
-                                      </p:cBhvr>
-                                      <p:to>
-                                        <p:strVal val="visible"/>
-                                      </p:to>
-                                    </p:set>
-                                    <p:animEffect transition="in" filter="fade">
-                                      <p:cBhvr>
-                                        <p:cTn id="12" dur="500"/>
-                                        <p:tgtEl>
-                                          <p:spTgt spid="3">
-                                            <p:txEl>
-                                              <p:pRg st="1" end="1"/>
-                                            </p:txEl>
-                                          </p:spTgt>
-                                        </p:tgtEl>
-                                      </p:cBhvr>
-                                    </p:animEffect>
-                                  </p:childTnLst>
-                                </p:cTn>
-                              </p:par>
-                            </p:childTnLst>
-                          </p:cTn>
-                        </p:par>
-                      </p:childTnLst>
-                    </p:cTn>
-                  </p:par>
-                  <p:par>
-                    <p:cTn id="13" fill="hold">
-                      <p:stCondLst>
-                        <p:cond delay="indefinite"/>
-                      </p:stCondLst>
-                      <p:childTnLst>
-                        <p:par>
-                          <p:cTn id="14" fill="hold">
-                            <p:stCondLst>
-                              <p:cond delay="0"/>
-                            </p:stCondLst>
-                            <p:childTnLst>
-                              <p:par>
-                                <p:cTn id="15" presetID="10" presetClass="entr" presetSubtype="0" fill="hold" grpId="0" nodeType="clickEffect">
-                                  <p:stCondLst>
-                                    <p:cond delay="0"/>
-                                  </p:stCondLst>
-                                  <p:childTnLst>
-                                    <p:set>
-                                      <p:cBhvr>
-                                        <p:cTn id="16" dur="1" fill="hold">
-                                          <p:stCondLst>
-                                            <p:cond delay="0"/>
-                                          </p:stCondLst>
-                                        </p:cTn>
-                                        <p:tgtEl>
-                                          <p:spTgt spid="3">
-                                            <p:txEl>
-                                              <p:pRg st="2" end="2"/>
-                                            </p:txEl>
-                                          </p:spTgt>
-                                        </p:tgtEl>
-                                        <p:attrNameLst>
-                                          <p:attrName>style.visibility</p:attrName>
-                                        </p:attrNameLst>
-                                      </p:cBhvr>
-                                      <p:to>
-                                        <p:strVal val="visible"/>
-                                      </p:to>
-                                    </p:set>
-                                    <p:animEffect transition="in" filter="fade">
-                                      <p:cBhvr>
-                                        <p:cTn id="17" dur="500"/>
-                                        <p:tgtEl>
-                                          <p:spTgt spid="3">
-                                            <p:txEl>
-                                              <p:pRg st="2" end="2"/>
-                                            </p:txEl>
-                                          </p:spTgt>
-                                        </p:tgtEl>
-                                      </p:cBhvr>
-                                    </p:animEffect>
-                                  </p:childTnLst>
-                                </p:cTn>
-                              </p:par>
-                            </p:childTnLst>
-                          </p:cTn>
-                        </p:par>
-                      </p:childTnLst>
-                    </p:cTn>
-                  </p:par>
-                  <p:par>
-                    <p:cTn id="18" fill="hold">
-                      <p:stCondLst>
-                        <p:cond delay="indefinite"/>
-                      </p:stCondLst>
-                      <p:childTnLst>
-                        <p:par>
-                          <p:cTn id="19" fill="hold">
-                            <p:stCondLst>
-                              <p:cond delay="0"/>
-                            </p:stCondLst>
-                            <p:childTnLst>
-                              <p:par>
-                                <p:cTn id="20" presetID="10" presetClass="entr" presetSubtype="0" fill="hold" grpId="0" nodeType="clickEffect">
-                                  <p:stCondLst>
-                                    <p:cond delay="0"/>
-                                  </p:stCondLst>
-                                  <p:childTnLst>
-                                    <p:set>
-                                      <p:cBhvr>
-                                        <p:cTn id="21" dur="1" fill="hold">
-                                          <p:stCondLst>
-                                            <p:cond delay="0"/>
-                                          </p:stCondLst>
-                                        </p:cTn>
-                                        <p:tgtEl>
-                                          <p:spTgt spid="3">
-                                            <p:txEl>
-                                              <p:pRg st="4" end="4"/>
-                                            </p:txEl>
-                                          </p:spTgt>
-                                        </p:tgtEl>
-                                        <p:attrNameLst>
-                                          <p:attrName>style.visibility</p:attrName>
-                                        </p:attrNameLst>
-                                      </p:cBhvr>
-                                      <p:to>
-                                        <p:strVal val="visible"/>
-                                      </p:to>
-                                    </p:set>
-                                    <p:animEffect transition="in" filter="fade">
-                                      <p:cBhvr>
-                                        <p:cTn id="22" dur="500"/>
-                                        <p:tgtEl>
-                                          <p:spTgt spid="3">
-                                            <p:txEl>
-                                              <p:pRg st="4" end="4"/>
-                                            </p:txEl>
-                                          </p:spTgt>
-                                        </p:tgtEl>
-                                      </p:cBhvr>
-                                    </p:animEffect>
-                                  </p:childTnLst>
-                                </p:cTn>
-                              </p:par>
-                            </p:childTnLst>
-                          </p:cTn>
-                        </p:par>
-                      </p:childTnLst>
-                    </p:cTn>
-                  </p:par>
-                </p:childTnLst>
-              </p:cTn>
-              <p:prevCondLst>
-                <p:cond evt="onPrev" delay="0">
-                  <p:tgtEl>
-                    <p:sldTgt/>
-                  </p:tgtEl>
-                </p:cond>
-              </p:prevCondLst>
-              <p:nextCondLst>
-                <p:cond evt="onNext" delay="0">
-                  <p:tgtEl>
-                    <p:sldTgt/>
-                  </p:tgtEl>
-                </p:cond>
-              </p:nextCondLst>
-            </p:seq>
-          </p:childTnLst>
-        </p:cTn>
-      </p:par>
-    </p:tnLst>
-    <p:bldLst>
-      <p:bldP spid="3" grpId="0" build="p"/>
-    </p:bldLst>
-  </p:timing>
-</p:sld>
-</file>
-
-<file path=ppt/slides/slide5.xml><?xml version="1.0" encoding="utf-8"?>
-<p:sld xmlns:a="http://schemas.openxmlformats.org/drawingml/2006/main" xmlns:r="http://schemas.openxmlformats.org/officeDocument/2006/relationships" xmlns:p="http://schemas.openxmlformats.org/presentationml/2006/main">
-  <p:cSld>
-    <p:spTree>
-      <p:nvGrpSpPr>
-        <p:cNvPr id="1" name=""/>
-        <p:cNvGrpSpPr/>
-        <p:nvPr/>
-      </p:nvGrpSpPr>
-      <p:grpSpPr>
-        <a:xfrm>
-          <a:off x="0" y="0"/>
-          <a:ext cx="0" cy="0"/>
-          <a:chOff x="0" y="0"/>
-          <a:chExt cx="0" cy="0"/>
-        </a:xfrm>
-      </p:grpSpPr>
-      <p:sp>
-        <p:nvSpPr>
-          <p:cNvPr id="2" name="Titel 1">
-            <a:extLst>
-              <a:ext uri="{FF2B5EF4-FFF2-40B4-BE49-F238E27FC236}">
-                <a16:creationId xmlns:a16="http://schemas.microsoft.com/office/drawing/2014/main" id="{A71149DC-9D6B-A568-CC88-0C9834BEA39F}"/>
-              </a:ext>
-            </a:extLst>
-          </p:cNvPr>
-          <p:cNvSpPr>
-            <a:spLocks noGrp="1"/>
-          </p:cNvSpPr>
-          <p:nvPr>
-            <p:ph type="title"/>
-          </p:nvPr>
-        </p:nvSpPr>
-        <p:spPr/>
-        <p:txBody>
-          <a:bodyPr/>
-          <a:lstStyle/>
-          <a:p>
-            <a:r>
-              <a:rPr lang="de-AT" dirty="0"/>
-              <a:t>CSS – </a:t>
-            </a:r>
-            <a:r>
-              <a:rPr lang="de-AT" dirty="0" err="1"/>
-              <a:t>Animations</a:t>
-            </a:r>
-            <a:endParaRPr lang="de-AT" dirty="0"/>
-          </a:p>
-        </p:txBody>
-      </p:sp>
-      <p:sp>
-        <p:nvSpPr>
-          <p:cNvPr id="3" name="Inhaltsplatzhalter 2">
-            <a:extLst>
-              <a:ext uri="{FF2B5EF4-FFF2-40B4-BE49-F238E27FC236}">
-                <a16:creationId xmlns:a16="http://schemas.microsoft.com/office/drawing/2014/main" id="{4A5BE335-D373-C792-A4ED-E35F6905E567}"/>
-              </a:ext>
-            </a:extLst>
-          </p:cNvPr>
-          <p:cNvSpPr>
-            <a:spLocks noGrp="1"/>
-          </p:cNvSpPr>
-          <p:nvPr>
-            <p:ph idx="1"/>
-          </p:nvPr>
-        </p:nvSpPr>
-        <p:spPr>
-          <a:xfrm>
-            <a:off x="1078463" y="1819713"/>
-            <a:ext cx="5322337" cy="4814169"/>
-          </a:xfrm>
-        </p:spPr>
-        <p:txBody>
-          <a:bodyPr vert="horz" lIns="91440" tIns="45720" rIns="91440" bIns="45720" rtlCol="0">
-            <a:normAutofit fontScale="92500" lnSpcReduction="10000"/>
-          </a:bodyPr>
-          <a:lstStyle/>
-          <a:p>
-            <a:r>
-              <a:rPr lang="en-US" dirty="0" err="1"/>
-              <a:t>Animierte</a:t>
-            </a:r>
-            <a:r>
-              <a:rPr lang="en-US" dirty="0"/>
-              <a:t> </a:t>
-            </a:r>
-            <a:r>
-              <a:rPr lang="en-US" dirty="0" err="1"/>
-              <a:t>Änderungen</a:t>
-            </a:r>
-            <a:r>
-              <a:rPr lang="en-US" dirty="0"/>
-              <a:t> von </a:t>
-            </a:r>
-            <a:r>
-              <a:rPr lang="en-US" dirty="0" err="1"/>
-              <a:t>mehreren</a:t>
-            </a:r>
-            <a:r>
-              <a:rPr lang="en-US" dirty="0"/>
-              <a:t> CSS </a:t>
-            </a:r>
-            <a:r>
-              <a:rPr lang="en-US" dirty="0" err="1"/>
-              <a:t>Eigenschaften</a:t>
-            </a:r>
-            <a:endParaRPr lang="en-US" dirty="0"/>
-          </a:p>
-          <a:p>
-            <a:r>
-              <a:rPr lang="en-US" dirty="0"/>
-              <a:t>@keyframes name </a:t>
-            </a:r>
-            <a:r>
-              <a:rPr lang="en-US" dirty="0" err="1"/>
-              <a:t>als</a:t>
-            </a:r>
-            <a:r>
-              <a:rPr lang="en-US" dirty="0"/>
-              <a:t> </a:t>
-            </a:r>
-            <a:r>
-              <a:rPr lang="en-US" dirty="0" err="1"/>
-              <a:t>Rahmen</a:t>
-            </a:r>
-            <a:r>
-              <a:rPr lang="en-US" dirty="0"/>
-              <a:t> für die </a:t>
-            </a:r>
-            <a:r>
-              <a:rPr lang="en-US" dirty="0" err="1"/>
-              <a:t>verwendete</a:t>
-            </a:r>
-            <a:r>
-              <a:rPr lang="en-US" dirty="0"/>
-              <a:t> Animation</a:t>
-            </a:r>
-          </a:p>
-          <a:p>
-            <a:r>
-              <a:rPr lang="en-US" dirty="0"/>
-              <a:t>From{….} to {….}</a:t>
-            </a:r>
-          </a:p>
-          <a:p>
-            <a:r>
-              <a:rPr lang="en-US" dirty="0"/>
-              <a:t>0% {…} 25% {…} … 100%{…}</a:t>
-            </a:r>
-          </a:p>
-          <a:p>
-            <a:r>
-              <a:rPr lang="en-US" dirty="0" err="1"/>
-              <a:t>Zuweisen</a:t>
-            </a:r>
-            <a:r>
-              <a:rPr lang="en-US" dirty="0"/>
-              <a:t> </a:t>
-            </a:r>
-            <a:r>
-              <a:rPr lang="en-US" dirty="0" err="1"/>
-              <a:t>einer</a:t>
-            </a:r>
-            <a:r>
-              <a:rPr lang="en-US" dirty="0"/>
-              <a:t> Animation </a:t>
-            </a:r>
-            <a:r>
-              <a:rPr lang="en-US" dirty="0" err="1"/>
-              <a:t>zu</a:t>
-            </a:r>
-            <a:r>
-              <a:rPr lang="en-US" dirty="0"/>
-              <a:t> </a:t>
-            </a:r>
-            <a:r>
-              <a:rPr lang="en-US" dirty="0" err="1"/>
-              <a:t>einem</a:t>
-            </a:r>
-            <a:r>
-              <a:rPr lang="en-US" dirty="0"/>
-              <a:t> Element </a:t>
-            </a:r>
-            <a:r>
-              <a:rPr lang="en-US" dirty="0" err="1"/>
-              <a:t>über</a:t>
-            </a:r>
-            <a:r>
-              <a:rPr lang="en-US" dirty="0"/>
-              <a:t>:</a:t>
-            </a:r>
-            <a:br>
-              <a:rPr lang="en-US" dirty="0"/>
-            </a:br>
-            <a:r>
-              <a:rPr lang="en-US" dirty="0"/>
-              <a:t>“animation: Name Dauer </a:t>
-            </a:r>
-            <a:r>
-              <a:rPr lang="en-US" dirty="0" err="1"/>
-              <a:t>Anzahl</a:t>
-            </a:r>
-            <a:r>
-              <a:rPr lang="en-US" dirty="0"/>
-              <a:t> </a:t>
-            </a:r>
-            <a:r>
-              <a:rPr lang="en-US" dirty="0" err="1"/>
-              <a:t>Zyklen</a:t>
-            </a:r>
-            <a:r>
-              <a:rPr lang="en-US" dirty="0"/>
-              <a:t>”</a:t>
-            </a:r>
-          </a:p>
-          <a:p>
-            <a:r>
-              <a:rPr lang="en-US" dirty="0"/>
-              <a:t>“infinite” </a:t>
-            </a:r>
-            <a:r>
-              <a:rPr lang="en-US" dirty="0" err="1"/>
-              <a:t>definiert</a:t>
-            </a:r>
-            <a:r>
-              <a:rPr lang="en-US" dirty="0"/>
-              <a:t> </a:t>
-            </a:r>
-            <a:r>
-              <a:rPr lang="en-US" dirty="0" err="1"/>
-              <a:t>eine</a:t>
-            </a:r>
-            <a:r>
-              <a:rPr lang="en-US" dirty="0"/>
-              <a:t> </a:t>
-            </a:r>
-            <a:r>
-              <a:rPr lang="en-US" dirty="0" err="1"/>
-              <a:t>unendliche</a:t>
-            </a:r>
-            <a:r>
-              <a:rPr lang="en-US" dirty="0"/>
-              <a:t> </a:t>
-            </a:r>
-            <a:r>
-              <a:rPr lang="en-US" dirty="0" err="1"/>
-              <a:t>Anzahl</a:t>
-            </a:r>
-            <a:r>
-              <a:rPr lang="en-US" dirty="0"/>
-              <a:t> von </a:t>
-            </a:r>
-            <a:r>
-              <a:rPr lang="en-US" dirty="0" err="1"/>
-              <a:t>Zyklen</a:t>
-            </a:r>
-            <a:r>
-              <a:rPr lang="en-US" dirty="0"/>
-              <a:t> – </a:t>
-            </a:r>
-            <a:r>
-              <a:rPr lang="en-US" dirty="0" err="1"/>
-              <a:t>fortlaufende</a:t>
-            </a:r>
-            <a:r>
-              <a:rPr lang="en-US" dirty="0"/>
-              <a:t> Animation</a:t>
-            </a:r>
-            <a:br>
-              <a:rPr lang="en-US" dirty="0"/>
-            </a:br>
-            <a:endParaRPr lang="en-US" dirty="0"/>
-          </a:p>
-          <a:p>
-            <a:r>
-              <a:rPr lang="en-US" dirty="0">
-                <a:hlinkClick r:id="rId2"/>
-              </a:rPr>
-              <a:t>https://www.w3schools.com/css/css3_animations.asp</a:t>
-            </a:r>
-            <a:r>
-              <a:rPr lang="en-US" dirty="0"/>
-              <a:t> </a:t>
-            </a:r>
-          </a:p>
-          <a:p>
-            <a:endParaRPr lang="en-US" dirty="0"/>
-          </a:p>
-        </p:txBody>
-      </p:sp>
-      <p:sp>
-        <p:nvSpPr>
-          <p:cNvPr id="4" name="AutoShape 2" descr="Bootstrap">
-            <a:extLst>
-              <a:ext uri="{FF2B5EF4-FFF2-40B4-BE49-F238E27FC236}">
-                <a16:creationId xmlns:a16="http://schemas.microsoft.com/office/drawing/2014/main" id="{B2D97E5E-59AD-7A5C-6637-DC23FC432F7F}"/>
-              </a:ext>
-            </a:extLst>
-          </p:cNvPr>
-          <p:cNvSpPr>
-            <a:spLocks noChangeAspect="1" noChangeArrowheads="1"/>
-          </p:cNvSpPr>
-          <p:nvPr/>
-        </p:nvSpPr>
-        <p:spPr bwMode="auto">
-          <a:xfrm>
-            <a:off x="4962087" y="5038287"/>
-            <a:ext cx="2395057" cy="2395057"/>
-          </a:xfrm>
-          <a:prstGeom prst="rect">
-            <a:avLst/>
-          </a:prstGeom>
-          <a:noFill/>
-          <a:extLst>
-            <a:ext uri="{909E8E84-426E-40DD-AFC4-6F175D3DCCD1}">
-              <a14:hiddenFill xmlns:a14="http://schemas.microsoft.com/office/drawing/2010/main">
-                <a:solidFill>
-                  <a:srgbClr val="FFFFFF"/>
-                </a:solidFill>
-              </a14:hiddenFill>
-            </a:ext>
-          </a:extLst>
-        </p:spPr>
-        <p:txBody>
-          <a:bodyPr vert="horz" wrap="square" lIns="91440" tIns="45720" rIns="91440" bIns="45720" numCol="1" anchor="t" anchorCtr="0" compatLnSpc="1">
-            <a:prstTxWarp prst="textNoShape">
-              <a:avLst/>
-            </a:prstTxWarp>
-          </a:bodyPr>
-          <a:lstStyle/>
-          <a:p>
-            <a:endParaRPr lang="de-AT"/>
-          </a:p>
-        </p:txBody>
-      </p:sp>
-      <p:sp>
-        <p:nvSpPr>
-          <p:cNvPr id="6" name="AutoShape 4" descr="Bootstrap">
-            <a:extLst>
-              <a:ext uri="{FF2B5EF4-FFF2-40B4-BE49-F238E27FC236}">
-                <a16:creationId xmlns:a16="http://schemas.microsoft.com/office/drawing/2014/main" id="{AE19536E-7D3B-43B7-3C57-1A83E196D5BE}"/>
-              </a:ext>
-            </a:extLst>
-          </p:cNvPr>
-          <p:cNvSpPr>
-            <a:spLocks noChangeAspect="1" noChangeArrowheads="1"/>
-          </p:cNvSpPr>
-          <p:nvPr/>
-        </p:nvSpPr>
-        <p:spPr bwMode="auto">
-          <a:xfrm>
-            <a:off x="6096000" y="3429000"/>
-            <a:ext cx="304800" cy="304800"/>
-          </a:xfrm>
-          <a:prstGeom prst="rect">
-            <a:avLst/>
-          </a:prstGeom>
-          <a:noFill/>
-          <a:extLst>
-            <a:ext uri="{909E8E84-426E-40DD-AFC4-6F175D3DCCD1}">
-              <a14:hiddenFill xmlns:a14="http://schemas.microsoft.com/office/drawing/2010/main">
-                <a:solidFill>
-                  <a:srgbClr val="FFFFFF"/>
-                </a:solidFill>
-              </a14:hiddenFill>
-            </a:ext>
-          </a:extLst>
-        </p:spPr>
-        <p:txBody>
-          <a:bodyPr vert="horz" wrap="square" lIns="91440" tIns="45720" rIns="91440" bIns="45720" numCol="1" anchor="t" anchorCtr="0" compatLnSpc="1">
-            <a:prstTxWarp prst="textNoShape">
-              <a:avLst/>
-            </a:prstTxWarp>
-          </a:bodyPr>
-          <a:lstStyle/>
-          <a:p>
-            <a:endParaRPr lang="de-AT"/>
-          </a:p>
-        </p:txBody>
-      </p:sp>
-      <p:pic>
-        <p:nvPicPr>
-          <p:cNvPr id="7" name="Grafik 6">
-            <a:extLst>
-              <a:ext uri="{FF2B5EF4-FFF2-40B4-BE49-F238E27FC236}">
-                <a16:creationId xmlns:a16="http://schemas.microsoft.com/office/drawing/2014/main" id="{747FB65E-0162-DE19-B45F-DF61988A4774}"/>
-              </a:ext>
-            </a:extLst>
-          </p:cNvPr>
-          <p:cNvPicPr>
-            <a:picLocks noChangeAspect="1"/>
-          </p:cNvPicPr>
-          <p:nvPr/>
-        </p:nvPicPr>
-        <p:blipFill>
-          <a:blip r:embed="rId3"/>
-          <a:stretch>
-            <a:fillRect/>
-          </a:stretch>
-        </p:blipFill>
-        <p:spPr>
-          <a:xfrm>
-            <a:off x="6695308" y="1833465"/>
-            <a:ext cx="5496692" cy="3562847"/>
-          </a:xfrm>
-          <a:prstGeom prst="rect">
-            <a:avLst/>
-          </a:prstGeom>
-        </p:spPr>
-      </p:pic>
-    </p:spTree>
-    <p:extLst>
-      <p:ext uri="{BB962C8B-B14F-4D97-AF65-F5344CB8AC3E}">
-        <p14:creationId xmlns:p14="http://schemas.microsoft.com/office/powerpoint/2010/main" val="1542202418"/>
+        <p14:creationId xmlns:p14="http://schemas.microsoft.com/office/powerpoint/2010/main" val="2150636588"/>
       </p:ext>
     </p:extLst>
   </p:cSld>
@@ -7039,67 +5542,6 @@
                       </p:childTnLst>
                     </p:cTn>
                   </p:par>
-                  <p:par>
-                    <p:cTn id="33" fill="hold">
-                      <p:stCondLst>
-                        <p:cond delay="indefinite"/>
-                      </p:stCondLst>
-                      <p:childTnLst>
-                        <p:par>
-                          <p:cTn id="34" fill="hold">
-                            <p:stCondLst>
-                              <p:cond delay="0"/>
-                            </p:stCondLst>
-                            <p:childTnLst>
-                              <p:par>
-                                <p:cTn id="35" presetID="10" presetClass="entr" presetSubtype="0" fill="hold" grpId="0" nodeType="clickEffect">
-                                  <p:stCondLst>
-                                    <p:cond delay="0"/>
-                                  </p:stCondLst>
-                                  <p:childTnLst>
-                                    <p:set>
-                                      <p:cBhvr>
-                                        <p:cTn id="36" dur="1" fill="hold">
-                                          <p:stCondLst>
-                                            <p:cond delay="0"/>
-                                          </p:stCondLst>
-                                        </p:cTn>
-                                        <p:tgtEl>
-                                          <p:spTgt spid="3">
-                                            <p:txEl>
-                                              <p:pRg st="6" end="6"/>
-                                            </p:txEl>
-                                          </p:spTgt>
-                                        </p:tgtEl>
-                                        <p:attrNameLst>
-                                          <p:attrName>style.visibility</p:attrName>
-                                        </p:attrNameLst>
-                                      </p:cBhvr>
-                                      <p:to>
-                                        <p:strVal val="visible"/>
-                                      </p:to>
-                                    </p:set>
-                                    <p:animEffect transition="in" filter="fade">
-                                      <p:cBhvr>
-                                        <p:cTn id="37" dur="500"/>
-                                        <p:tgtEl>
-                                          <p:spTgt spid="3">
-                                            <p:txEl>
-                                              <p:pRg st="6" end="6"/>
-                                            </p:txEl>
-                                          </p:spTgt>
-                                        </p:tgtEl>
-                                      </p:cBhvr>
-                                    </p:animEffect>
-                                  </p:childTnLst>
-                                </p:cTn>
-                              </p:par>
-                            </p:childTnLst>
-                          </p:cTn>
-                        </p:par>
-                      </p:childTnLst>
-                    </p:cTn>
-                  </p:par>
                 </p:childTnLst>
               </p:cTn>
               <p:prevCondLst>
@@ -7128,7 +5570,7 @@
 </p:sld>
 </file>
 
-<file path=ppt/slides/slide6.xml><?xml version="1.0" encoding="utf-8"?>
+<file path=ppt/slides/slide11.xml><?xml version="1.0" encoding="utf-8"?>
 <p:sld xmlns:a="http://schemas.openxmlformats.org/drawingml/2006/main" xmlns:r="http://schemas.openxmlformats.org/officeDocument/2006/relationships" xmlns:p="http://schemas.openxmlformats.org/presentationml/2006/main">
   <p:cSld>
     <p:spTree>
@@ -7236,14 +5678,10 @@
             </a:pPr>
             <a:r>
               <a:rPr lang="de-AT" sz="1600" dirty="0"/>
-              <a:t>Ressourcen zum Tennismatch: </a:t>
-            </a:r>
-            <a:r>
-              <a:rPr lang="de-AT" sz="1600" dirty="0" smtClean="0"/>
-              <a:t>CSS/</a:t>
-            </a:r>
-            <a:r>
-              <a:rPr lang="de-AT" sz="1600" dirty="0" err="1" smtClean="0"/>
+              <a:t>Ressourcen zum Tennismatch: CSS/</a:t>
+            </a:r>
+            <a:r>
+              <a:rPr lang="de-AT" sz="1600" dirty="0" err="1"/>
               <a:t>Animations</a:t>
             </a:r>
             <a:endParaRPr lang="de-AT" sz="1600" dirty="0"/>
@@ -7514,7 +5952,7 @@
     </p:spTree>
     <p:extLst>
       <p:ext uri="{BB962C8B-B14F-4D97-AF65-F5344CB8AC3E}">
-        <p14:creationId xmlns:p14="http://schemas.microsoft.com/office/powerpoint/2010/main" val="2150636588"/>
+        <p14:creationId xmlns:p14="http://schemas.microsoft.com/office/powerpoint/2010/main" val="2624969960"/>
       </p:ext>
     </p:extLst>
   </p:cSld>
@@ -8052,7 +6490,7 @@
 </p:sld>
 </file>
 
-<file path=ppt/slides/slide7.xml><?xml version="1.0" encoding="utf-8"?>
+<file path=ppt/slides/slide12.xml><?xml version="1.0" encoding="utf-8"?>
 <p:sld xmlns:a="http://schemas.openxmlformats.org/drawingml/2006/main" xmlns:r="http://schemas.openxmlformats.org/officeDocument/2006/relationships" xmlns:p="http://schemas.openxmlformats.org/presentationml/2006/main">
   <p:cSld>
     <p:spTree>
@@ -8727,7 +7165,7 @@
 </p:sld>
 </file>
 
-<file path=ppt/slides/slide8.xml><?xml version="1.0" encoding="utf-8"?>
+<file path=ppt/slides/slide13.xml><?xml version="1.0" encoding="utf-8"?>
 <p:sld xmlns:a="http://schemas.openxmlformats.org/drawingml/2006/main" xmlns:r="http://schemas.openxmlformats.org/officeDocument/2006/relationships" xmlns:p="http://schemas.openxmlformats.org/presentationml/2006/main">
   <p:cSld>
     <p:spTree>
@@ -8834,12 +7272,4692 @@
   <p:clrMapOvr>
     <a:masterClrMapping/>
   </p:clrMapOvr>
+</p:sld>
+</file>
+
+<file path=ppt/slides/slide2.xml><?xml version="1.0" encoding="utf-8"?>
+<p:sld xmlns:a="http://schemas.openxmlformats.org/drawingml/2006/main" xmlns:r="http://schemas.openxmlformats.org/officeDocument/2006/relationships" xmlns:p="http://schemas.openxmlformats.org/presentationml/2006/main">
+  <p:cSld>
+    <p:spTree>
+      <p:nvGrpSpPr>
+        <p:cNvPr id="1" name=""/>
+        <p:cNvGrpSpPr/>
+        <p:nvPr/>
+      </p:nvGrpSpPr>
+      <p:grpSpPr>
+        <a:xfrm>
+          <a:off x="0" y="0"/>
+          <a:ext cx="0" cy="0"/>
+          <a:chOff x="0" y="0"/>
+          <a:chExt cx="0" cy="0"/>
+        </a:xfrm>
+      </p:grpSpPr>
+      <p:sp>
+        <p:nvSpPr>
+          <p:cNvPr id="2" name="Titel 1">
+            <a:extLst>
+              <a:ext uri="{FF2B5EF4-FFF2-40B4-BE49-F238E27FC236}">
+                <a16:creationId xmlns:a16="http://schemas.microsoft.com/office/drawing/2014/main" id="{A71149DC-9D6B-A568-CC88-0C9834BEA39F}"/>
+              </a:ext>
+            </a:extLst>
+          </p:cNvPr>
+          <p:cNvSpPr>
+            <a:spLocks noGrp="1"/>
+          </p:cNvSpPr>
+          <p:nvPr>
+            <p:ph type="title"/>
+          </p:nvPr>
+        </p:nvSpPr>
+        <p:spPr/>
+        <p:txBody>
+          <a:bodyPr/>
+          <a:lstStyle/>
+          <a:p>
+            <a:r>
+              <a:rPr lang="de-AT" dirty="0"/>
+              <a:t>CSS – 2D Transforms</a:t>
+            </a:r>
+          </a:p>
+        </p:txBody>
+      </p:sp>
+      <p:sp>
+        <p:nvSpPr>
+          <p:cNvPr id="3" name="Inhaltsplatzhalter 2">
+            <a:extLst>
+              <a:ext uri="{FF2B5EF4-FFF2-40B4-BE49-F238E27FC236}">
+                <a16:creationId xmlns:a16="http://schemas.microsoft.com/office/drawing/2014/main" id="{4A5BE335-D373-C792-A4ED-E35F6905E567}"/>
+              </a:ext>
+            </a:extLst>
+          </p:cNvPr>
+          <p:cNvSpPr>
+            <a:spLocks noGrp="1"/>
+          </p:cNvSpPr>
+          <p:nvPr>
+            <p:ph idx="1"/>
+          </p:nvPr>
+        </p:nvSpPr>
+        <p:spPr>
+          <a:xfrm>
+            <a:off x="1078463" y="1819713"/>
+            <a:ext cx="9451946" cy="4137259"/>
+          </a:xfrm>
+        </p:spPr>
+        <p:txBody>
+          <a:bodyPr vert="horz" lIns="91440" tIns="45720" rIns="91440" bIns="45720" rtlCol="0">
+            <a:normAutofit/>
+          </a:bodyPr>
+          <a:lstStyle/>
+          <a:p>
+            <a:r>
+              <a:rPr lang="en-US" dirty="0"/>
+              <a:t>2-Dimensionale Transformation </a:t>
+            </a:r>
+            <a:r>
+              <a:rPr lang="en-US" dirty="0" err="1"/>
+              <a:t>eines</a:t>
+            </a:r>
+            <a:r>
+              <a:rPr lang="en-US" dirty="0"/>
+              <a:t> Elements mit “transform:”</a:t>
+            </a:r>
+          </a:p>
+          <a:p>
+            <a:br>
+              <a:rPr lang="en-US" dirty="0"/>
+            </a:br>
+            <a:endParaRPr lang="en-US" dirty="0"/>
+          </a:p>
+          <a:p>
+            <a:r>
+              <a:rPr lang="en-US" dirty="0"/>
+              <a:t>translate(100px, 200px): </a:t>
+            </a:r>
+            <a:r>
+              <a:rPr lang="en-US" dirty="0" err="1"/>
+              <a:t>Verschiebung</a:t>
+            </a:r>
+            <a:r>
+              <a:rPr lang="en-US" dirty="0"/>
+              <a:t> horizontal und </a:t>
+            </a:r>
+            <a:r>
+              <a:rPr lang="en-US" dirty="0" err="1"/>
+              <a:t>vertikal</a:t>
+            </a:r>
+            <a:endParaRPr lang="en-US" dirty="0"/>
+          </a:p>
+          <a:p>
+            <a:r>
+              <a:rPr lang="en-US" dirty="0"/>
+              <a:t>rotate(45deg): </a:t>
+            </a:r>
+            <a:r>
+              <a:rPr lang="en-US" dirty="0" err="1"/>
+              <a:t>Drehung</a:t>
+            </a:r>
+            <a:r>
+              <a:rPr lang="en-US" dirty="0"/>
+              <a:t> </a:t>
+            </a:r>
+            <a:r>
+              <a:rPr lang="en-US" dirty="0" err="1"/>
+              <a:t>im</a:t>
+            </a:r>
+            <a:r>
+              <a:rPr lang="en-US" dirty="0"/>
+              <a:t> </a:t>
+            </a:r>
+            <a:r>
+              <a:rPr lang="en-US" dirty="0" err="1"/>
+              <a:t>Uhrzeigersinn</a:t>
+            </a:r>
+            <a:endParaRPr lang="en-US" dirty="0"/>
+          </a:p>
+          <a:p>
+            <a:r>
+              <a:rPr lang="en-US" dirty="0"/>
+              <a:t>scale(2, 3): </a:t>
+            </a:r>
+            <a:r>
+              <a:rPr lang="en-US" dirty="0" err="1"/>
+              <a:t>Skaliere</a:t>
+            </a:r>
+            <a:r>
+              <a:rPr lang="en-US" dirty="0"/>
+              <a:t> (</a:t>
+            </a:r>
+            <a:r>
+              <a:rPr lang="en-US" dirty="0" err="1"/>
+              <a:t>vergrößere</a:t>
+            </a:r>
+            <a:r>
+              <a:rPr lang="en-US" dirty="0"/>
+              <a:t> </a:t>
+            </a:r>
+            <a:r>
+              <a:rPr lang="en-US" dirty="0" err="1"/>
+              <a:t>bzw</a:t>
+            </a:r>
+            <a:r>
+              <a:rPr lang="en-US" dirty="0"/>
+              <a:t> </a:t>
+            </a:r>
+            <a:r>
+              <a:rPr lang="en-US" dirty="0" err="1"/>
+              <a:t>verkleinere</a:t>
+            </a:r>
+            <a:r>
+              <a:rPr lang="en-US" dirty="0"/>
+              <a:t>) horizontal und </a:t>
+            </a:r>
+            <a:r>
+              <a:rPr lang="en-US" dirty="0" err="1"/>
+              <a:t>vertikal</a:t>
+            </a:r>
+            <a:endParaRPr lang="en-US" dirty="0"/>
+          </a:p>
+          <a:p>
+            <a:r>
+              <a:rPr lang="en-US" dirty="0"/>
+              <a:t>skew(20deg, 30deg) // </a:t>
+            </a:r>
+            <a:r>
+              <a:rPr lang="en-US" dirty="0" err="1"/>
+              <a:t>Drehe</a:t>
+            </a:r>
+            <a:r>
+              <a:rPr lang="en-US" dirty="0"/>
+              <a:t> das Element horizontal und </a:t>
+            </a:r>
+            <a:r>
+              <a:rPr lang="en-US" dirty="0" err="1"/>
+              <a:t>vertikal</a:t>
+            </a:r>
+            <a:endParaRPr lang="en-US" dirty="0"/>
+          </a:p>
+          <a:p>
+            <a:endParaRPr lang="en-US" dirty="0"/>
+          </a:p>
+        </p:txBody>
+      </p:sp>
+      <p:sp>
+        <p:nvSpPr>
+          <p:cNvPr id="4" name="AutoShape 2" descr="Bootstrap">
+            <a:extLst>
+              <a:ext uri="{FF2B5EF4-FFF2-40B4-BE49-F238E27FC236}">
+                <a16:creationId xmlns:a16="http://schemas.microsoft.com/office/drawing/2014/main" id="{B2D97E5E-59AD-7A5C-6637-DC23FC432F7F}"/>
+              </a:ext>
+            </a:extLst>
+          </p:cNvPr>
+          <p:cNvSpPr>
+            <a:spLocks noChangeAspect="1" noChangeArrowheads="1"/>
+          </p:cNvSpPr>
+          <p:nvPr/>
+        </p:nvSpPr>
+        <p:spPr bwMode="auto">
+          <a:xfrm>
+            <a:off x="4962087" y="5038287"/>
+            <a:ext cx="2395057" cy="2395057"/>
+          </a:xfrm>
+          <a:prstGeom prst="rect">
+            <a:avLst/>
+          </a:prstGeom>
+          <a:noFill/>
+          <a:extLst>
+            <a:ext uri="{909E8E84-426E-40DD-AFC4-6F175D3DCCD1}">
+              <a14:hiddenFill xmlns:a14="http://schemas.microsoft.com/office/drawing/2010/main">
+                <a:solidFill>
+                  <a:srgbClr val="FFFFFF"/>
+                </a:solidFill>
+              </a14:hiddenFill>
+            </a:ext>
+          </a:extLst>
+        </p:spPr>
+        <p:txBody>
+          <a:bodyPr vert="horz" wrap="square" lIns="91440" tIns="45720" rIns="91440" bIns="45720" numCol="1" anchor="t" anchorCtr="0" compatLnSpc="1">
+            <a:prstTxWarp prst="textNoShape">
+              <a:avLst/>
+            </a:prstTxWarp>
+          </a:bodyPr>
+          <a:lstStyle/>
+          <a:p>
+            <a:endParaRPr lang="de-AT"/>
+          </a:p>
+        </p:txBody>
+      </p:sp>
+      <p:sp>
+        <p:nvSpPr>
+          <p:cNvPr id="6" name="AutoShape 4" descr="Bootstrap">
+            <a:extLst>
+              <a:ext uri="{FF2B5EF4-FFF2-40B4-BE49-F238E27FC236}">
+                <a16:creationId xmlns:a16="http://schemas.microsoft.com/office/drawing/2014/main" id="{AE19536E-7D3B-43B7-3C57-1A83E196D5BE}"/>
+              </a:ext>
+            </a:extLst>
+          </p:cNvPr>
+          <p:cNvSpPr>
+            <a:spLocks noChangeAspect="1" noChangeArrowheads="1"/>
+          </p:cNvSpPr>
+          <p:nvPr/>
+        </p:nvSpPr>
+        <p:spPr bwMode="auto">
+          <a:xfrm>
+            <a:off x="6096000" y="3429000"/>
+            <a:ext cx="304800" cy="304800"/>
+          </a:xfrm>
+          <a:prstGeom prst="rect">
+            <a:avLst/>
+          </a:prstGeom>
+          <a:noFill/>
+          <a:extLst>
+            <a:ext uri="{909E8E84-426E-40DD-AFC4-6F175D3DCCD1}">
+              <a14:hiddenFill xmlns:a14="http://schemas.microsoft.com/office/drawing/2010/main">
+                <a:solidFill>
+                  <a:srgbClr val="FFFFFF"/>
+                </a:solidFill>
+              </a14:hiddenFill>
+            </a:ext>
+          </a:extLst>
+        </p:spPr>
+        <p:txBody>
+          <a:bodyPr vert="horz" wrap="square" lIns="91440" tIns="45720" rIns="91440" bIns="45720" numCol="1" anchor="t" anchorCtr="0" compatLnSpc="1">
+            <a:prstTxWarp prst="textNoShape">
+              <a:avLst/>
+            </a:prstTxWarp>
+          </a:bodyPr>
+          <a:lstStyle/>
+          <a:p>
+            <a:endParaRPr lang="de-AT"/>
+          </a:p>
+        </p:txBody>
+      </p:sp>
+      <p:pic>
+        <p:nvPicPr>
+          <p:cNvPr id="13" name="Grafik 12">
+            <a:extLst>
+              <a:ext uri="{FF2B5EF4-FFF2-40B4-BE49-F238E27FC236}">
+                <a16:creationId xmlns:a16="http://schemas.microsoft.com/office/drawing/2014/main" id="{96A1C9D4-F534-5438-63CF-E2BF2DB4A68D}"/>
+              </a:ext>
+            </a:extLst>
+          </p:cNvPr>
+          <p:cNvPicPr>
+            <a:picLocks noChangeAspect="1"/>
+          </p:cNvPicPr>
+          <p:nvPr/>
+        </p:nvPicPr>
+        <p:blipFill>
+          <a:blip r:embed="rId2"/>
+          <a:stretch>
+            <a:fillRect/>
+          </a:stretch>
+        </p:blipFill>
+        <p:spPr>
+          <a:xfrm>
+            <a:off x="9998941" y="1748921"/>
+            <a:ext cx="1495634" cy="1133633"/>
+          </a:xfrm>
+          <a:prstGeom prst="rect">
+            <a:avLst/>
+          </a:prstGeom>
+        </p:spPr>
+      </p:pic>
+      <p:pic>
+        <p:nvPicPr>
+          <p:cNvPr id="15" name="Grafik 14">
+            <a:extLst>
+              <a:ext uri="{FF2B5EF4-FFF2-40B4-BE49-F238E27FC236}">
+                <a16:creationId xmlns:a16="http://schemas.microsoft.com/office/drawing/2014/main" id="{F9AA3682-497F-7F35-546F-A21A3343F86C}"/>
+              </a:ext>
+            </a:extLst>
+          </p:cNvPr>
+          <p:cNvPicPr>
+            <a:picLocks noChangeAspect="1"/>
+          </p:cNvPicPr>
+          <p:nvPr/>
+        </p:nvPicPr>
+        <p:blipFill>
+          <a:blip r:embed="rId3"/>
+          <a:stretch>
+            <a:fillRect/>
+          </a:stretch>
+        </p:blipFill>
+        <p:spPr>
+          <a:xfrm>
+            <a:off x="9849725" y="3297782"/>
+            <a:ext cx="1552792" cy="1247949"/>
+          </a:xfrm>
+          <a:prstGeom prst="rect">
+            <a:avLst/>
+          </a:prstGeom>
+        </p:spPr>
+      </p:pic>
+      <p:pic>
+        <p:nvPicPr>
+          <p:cNvPr id="17" name="Grafik 16">
+            <a:extLst>
+              <a:ext uri="{FF2B5EF4-FFF2-40B4-BE49-F238E27FC236}">
+                <a16:creationId xmlns:a16="http://schemas.microsoft.com/office/drawing/2014/main" id="{5B5021C0-7A39-FA01-4792-B0FAD04686D6}"/>
+              </a:ext>
+            </a:extLst>
+          </p:cNvPr>
+          <p:cNvPicPr>
+            <a:picLocks noChangeAspect="1"/>
+          </p:cNvPicPr>
+          <p:nvPr/>
+        </p:nvPicPr>
+        <p:blipFill>
+          <a:blip r:embed="rId4"/>
+          <a:stretch>
+            <a:fillRect/>
+          </a:stretch>
+        </p:blipFill>
+        <p:spPr>
+          <a:xfrm>
+            <a:off x="9994537" y="5081502"/>
+            <a:ext cx="1419423" cy="1314633"/>
+          </a:xfrm>
+          <a:prstGeom prst="rect">
+            <a:avLst/>
+          </a:prstGeom>
+        </p:spPr>
+      </p:pic>
+      <p:pic>
+        <p:nvPicPr>
+          <p:cNvPr id="19" name="Grafik 18">
+            <a:extLst>
+              <a:ext uri="{FF2B5EF4-FFF2-40B4-BE49-F238E27FC236}">
+                <a16:creationId xmlns:a16="http://schemas.microsoft.com/office/drawing/2014/main" id="{FD7DD95F-2CC2-F1DA-919A-41A22EBC6CBB}"/>
+              </a:ext>
+            </a:extLst>
+          </p:cNvPr>
+          <p:cNvPicPr>
+            <a:picLocks noChangeAspect="1"/>
+          </p:cNvPicPr>
+          <p:nvPr/>
+        </p:nvPicPr>
+        <p:blipFill>
+          <a:blip r:embed="rId5"/>
+          <a:stretch>
+            <a:fillRect/>
+          </a:stretch>
+        </p:blipFill>
+        <p:spPr>
+          <a:xfrm>
+            <a:off x="7427203" y="5081502"/>
+            <a:ext cx="2062817" cy="1418540"/>
+          </a:xfrm>
+          <a:prstGeom prst="rect">
+            <a:avLst/>
+          </a:prstGeom>
+        </p:spPr>
+      </p:pic>
+      <p:pic>
+        <p:nvPicPr>
+          <p:cNvPr id="10" name="Picture 4" descr="Cartesian coordinate system - Free education icons"/>
+          <p:cNvPicPr>
+            <a:picLocks noChangeAspect="1" noChangeArrowheads="1"/>
+          </p:cNvPicPr>
+          <p:nvPr/>
+        </p:nvPicPr>
+        <p:blipFill>
+          <a:blip r:embed="rId6" cstate="hqprint">
+            <a:extLst>
+              <a:ext uri="{28A0092B-C50C-407E-A947-70E740481C1C}">
+                <a14:useLocalDpi xmlns:a14="http://schemas.microsoft.com/office/drawing/2010/main" val="0"/>
+              </a:ext>
+            </a:extLst>
+          </a:blip>
+          <a:srcRect/>
+          <a:stretch>
+            <a:fillRect/>
+          </a:stretch>
+        </p:blipFill>
+        <p:spPr bwMode="auto">
+          <a:xfrm>
+            <a:off x="1044607" y="5103453"/>
+            <a:ext cx="1396589" cy="1396589"/>
+          </a:xfrm>
+          <a:prstGeom prst="rect">
+            <a:avLst/>
+          </a:prstGeom>
+          <a:noFill/>
+          <a:extLst>
+            <a:ext uri="{909E8E84-426E-40DD-AFC4-6F175D3DCCD1}">
+              <a14:hiddenFill xmlns:a14="http://schemas.microsoft.com/office/drawing/2010/main">
+                <a:solidFill>
+                  <a:srgbClr val="FFFFFF"/>
+                </a:solidFill>
+              </a14:hiddenFill>
+            </a:ext>
+          </a:extLst>
+        </p:spPr>
+      </p:pic>
+      <p:pic>
+        <p:nvPicPr>
+          <p:cNvPr id="7" name="Grafik 6">
+            <a:extLst>
+              <a:ext uri="{FF2B5EF4-FFF2-40B4-BE49-F238E27FC236}">
+                <a16:creationId xmlns:a16="http://schemas.microsoft.com/office/drawing/2014/main" id="{A9B73638-64BD-A5F0-FB44-D46F2662E081}"/>
+              </a:ext>
+            </a:extLst>
+          </p:cNvPr>
+          <p:cNvPicPr>
+            <a:picLocks noChangeAspect="1"/>
+          </p:cNvPicPr>
+          <p:nvPr/>
+        </p:nvPicPr>
+        <p:blipFill>
+          <a:blip r:embed="rId7"/>
+          <a:stretch>
+            <a:fillRect/>
+          </a:stretch>
+        </p:blipFill>
+        <p:spPr>
+          <a:xfrm>
+            <a:off x="1552848" y="2331120"/>
+            <a:ext cx="3983316" cy="600225"/>
+          </a:xfrm>
+          <a:prstGeom prst="rect">
+            <a:avLst/>
+          </a:prstGeom>
+        </p:spPr>
+      </p:pic>
+    </p:spTree>
+    <p:extLst>
+      <p:ext uri="{BB962C8B-B14F-4D97-AF65-F5344CB8AC3E}">
+        <p14:creationId xmlns:p14="http://schemas.microsoft.com/office/powerpoint/2010/main" val="2687662855"/>
+      </p:ext>
+    </p:extLst>
+  </p:cSld>
+  <p:clrMapOvr>
+    <a:masterClrMapping/>
+  </p:clrMapOvr>
   <p:timing>
     <p:tnLst>
       <p:par>
-        <p:cTn id="1" dur="indefinite" restart="never" nodeType="tmRoot"/>
+        <p:cTn id="1" dur="indefinite" restart="never" nodeType="tmRoot">
+          <p:childTnLst>
+            <p:seq concurrent="1" nextAc="seek">
+              <p:cTn id="2" dur="indefinite" nodeType="mainSeq">
+                <p:childTnLst>
+                  <p:par>
+                    <p:cTn id="3" fill="hold">
+                      <p:stCondLst>
+                        <p:cond delay="indefinite"/>
+                      </p:stCondLst>
+                      <p:childTnLst>
+                        <p:par>
+                          <p:cTn id="4" fill="hold">
+                            <p:stCondLst>
+                              <p:cond delay="0"/>
+                            </p:stCondLst>
+                            <p:childTnLst>
+                              <p:par>
+                                <p:cTn id="5" presetID="10" presetClass="entr" presetSubtype="0" fill="hold" grpId="0" nodeType="clickEffect">
+                                  <p:stCondLst>
+                                    <p:cond delay="0"/>
+                                  </p:stCondLst>
+                                  <p:childTnLst>
+                                    <p:set>
+                                      <p:cBhvr>
+                                        <p:cTn id="6" dur="1" fill="hold">
+                                          <p:stCondLst>
+                                            <p:cond delay="0"/>
+                                          </p:stCondLst>
+                                        </p:cTn>
+                                        <p:tgtEl>
+                                          <p:spTgt spid="3">
+                                            <p:txEl>
+                                              <p:pRg st="0" end="0"/>
+                                            </p:txEl>
+                                          </p:spTgt>
+                                        </p:tgtEl>
+                                        <p:attrNameLst>
+                                          <p:attrName>style.visibility</p:attrName>
+                                        </p:attrNameLst>
+                                      </p:cBhvr>
+                                      <p:to>
+                                        <p:strVal val="visible"/>
+                                      </p:to>
+                                    </p:set>
+                                    <p:animEffect transition="in" filter="fade">
+                                      <p:cBhvr>
+                                        <p:cTn id="7" dur="500"/>
+                                        <p:tgtEl>
+                                          <p:spTgt spid="3">
+                                            <p:txEl>
+                                              <p:pRg st="0" end="0"/>
+                                            </p:txEl>
+                                          </p:spTgt>
+                                        </p:tgtEl>
+                                      </p:cBhvr>
+                                    </p:animEffect>
+                                  </p:childTnLst>
+                                </p:cTn>
+                              </p:par>
+                            </p:childTnLst>
+                          </p:cTn>
+                        </p:par>
+                      </p:childTnLst>
+                    </p:cTn>
+                  </p:par>
+                  <p:par>
+                    <p:cTn id="8" fill="hold">
+                      <p:stCondLst>
+                        <p:cond delay="indefinite"/>
+                      </p:stCondLst>
+                      <p:childTnLst>
+                        <p:par>
+                          <p:cTn id="9" fill="hold">
+                            <p:stCondLst>
+                              <p:cond delay="0"/>
+                            </p:stCondLst>
+                            <p:childTnLst>
+                              <p:par>
+                                <p:cTn id="10" presetID="10" presetClass="entr" presetSubtype="0" fill="hold" grpId="0" nodeType="clickEffect">
+                                  <p:stCondLst>
+                                    <p:cond delay="0"/>
+                                  </p:stCondLst>
+                                  <p:childTnLst>
+                                    <p:set>
+                                      <p:cBhvr>
+                                        <p:cTn id="11" dur="1" fill="hold">
+                                          <p:stCondLst>
+                                            <p:cond delay="0"/>
+                                          </p:stCondLst>
+                                        </p:cTn>
+                                        <p:tgtEl>
+                                          <p:spTgt spid="3">
+                                            <p:txEl>
+                                              <p:pRg st="1" end="1"/>
+                                            </p:txEl>
+                                          </p:spTgt>
+                                        </p:tgtEl>
+                                        <p:attrNameLst>
+                                          <p:attrName>style.visibility</p:attrName>
+                                        </p:attrNameLst>
+                                      </p:cBhvr>
+                                      <p:to>
+                                        <p:strVal val="visible"/>
+                                      </p:to>
+                                    </p:set>
+                                    <p:animEffect transition="in" filter="fade">
+                                      <p:cBhvr>
+                                        <p:cTn id="12" dur="500"/>
+                                        <p:tgtEl>
+                                          <p:spTgt spid="3">
+                                            <p:txEl>
+                                              <p:pRg st="1" end="1"/>
+                                            </p:txEl>
+                                          </p:spTgt>
+                                        </p:tgtEl>
+                                      </p:cBhvr>
+                                    </p:animEffect>
+                                  </p:childTnLst>
+                                </p:cTn>
+                              </p:par>
+                            </p:childTnLst>
+                          </p:cTn>
+                        </p:par>
+                      </p:childTnLst>
+                    </p:cTn>
+                  </p:par>
+                  <p:par>
+                    <p:cTn id="13" fill="hold">
+                      <p:stCondLst>
+                        <p:cond delay="indefinite"/>
+                      </p:stCondLst>
+                      <p:childTnLst>
+                        <p:par>
+                          <p:cTn id="14" fill="hold">
+                            <p:stCondLst>
+                              <p:cond delay="0"/>
+                            </p:stCondLst>
+                            <p:childTnLst>
+                              <p:par>
+                                <p:cTn id="15" presetID="10" presetClass="entr" presetSubtype="0" fill="hold" grpId="0" nodeType="clickEffect">
+                                  <p:stCondLst>
+                                    <p:cond delay="0"/>
+                                  </p:stCondLst>
+                                  <p:childTnLst>
+                                    <p:set>
+                                      <p:cBhvr>
+                                        <p:cTn id="16" dur="1" fill="hold">
+                                          <p:stCondLst>
+                                            <p:cond delay="0"/>
+                                          </p:stCondLst>
+                                        </p:cTn>
+                                        <p:tgtEl>
+                                          <p:spTgt spid="3">
+                                            <p:txEl>
+                                              <p:pRg st="2" end="2"/>
+                                            </p:txEl>
+                                          </p:spTgt>
+                                        </p:tgtEl>
+                                        <p:attrNameLst>
+                                          <p:attrName>style.visibility</p:attrName>
+                                        </p:attrNameLst>
+                                      </p:cBhvr>
+                                      <p:to>
+                                        <p:strVal val="visible"/>
+                                      </p:to>
+                                    </p:set>
+                                    <p:animEffect transition="in" filter="fade">
+                                      <p:cBhvr>
+                                        <p:cTn id="17" dur="500"/>
+                                        <p:tgtEl>
+                                          <p:spTgt spid="3">
+                                            <p:txEl>
+                                              <p:pRg st="2" end="2"/>
+                                            </p:txEl>
+                                          </p:spTgt>
+                                        </p:tgtEl>
+                                      </p:cBhvr>
+                                    </p:animEffect>
+                                  </p:childTnLst>
+                                </p:cTn>
+                              </p:par>
+                              <p:par>
+                                <p:cTn id="18" presetID="10" presetClass="entr" presetSubtype="0" fill="hold" nodeType="withEffect">
+                                  <p:stCondLst>
+                                    <p:cond delay="0"/>
+                                  </p:stCondLst>
+                                  <p:childTnLst>
+                                    <p:set>
+                                      <p:cBhvr>
+                                        <p:cTn id="19" dur="1" fill="hold">
+                                          <p:stCondLst>
+                                            <p:cond delay="0"/>
+                                          </p:stCondLst>
+                                        </p:cTn>
+                                        <p:tgtEl>
+                                          <p:spTgt spid="13"/>
+                                        </p:tgtEl>
+                                        <p:attrNameLst>
+                                          <p:attrName>style.visibility</p:attrName>
+                                        </p:attrNameLst>
+                                      </p:cBhvr>
+                                      <p:to>
+                                        <p:strVal val="visible"/>
+                                      </p:to>
+                                    </p:set>
+                                    <p:animEffect transition="in" filter="fade">
+                                      <p:cBhvr>
+                                        <p:cTn id="20" dur="500"/>
+                                        <p:tgtEl>
+                                          <p:spTgt spid="13"/>
+                                        </p:tgtEl>
+                                      </p:cBhvr>
+                                    </p:animEffect>
+                                  </p:childTnLst>
+                                </p:cTn>
+                              </p:par>
+                            </p:childTnLst>
+                          </p:cTn>
+                        </p:par>
+                      </p:childTnLst>
+                    </p:cTn>
+                  </p:par>
+                  <p:par>
+                    <p:cTn id="21" fill="hold">
+                      <p:stCondLst>
+                        <p:cond delay="indefinite"/>
+                      </p:stCondLst>
+                      <p:childTnLst>
+                        <p:par>
+                          <p:cTn id="22" fill="hold">
+                            <p:stCondLst>
+                              <p:cond delay="0"/>
+                            </p:stCondLst>
+                            <p:childTnLst>
+                              <p:par>
+                                <p:cTn id="23" presetID="10" presetClass="entr" presetSubtype="0" fill="hold" grpId="0" nodeType="clickEffect">
+                                  <p:stCondLst>
+                                    <p:cond delay="0"/>
+                                  </p:stCondLst>
+                                  <p:childTnLst>
+                                    <p:set>
+                                      <p:cBhvr>
+                                        <p:cTn id="24" dur="1" fill="hold">
+                                          <p:stCondLst>
+                                            <p:cond delay="0"/>
+                                          </p:stCondLst>
+                                        </p:cTn>
+                                        <p:tgtEl>
+                                          <p:spTgt spid="3">
+                                            <p:txEl>
+                                              <p:pRg st="3" end="3"/>
+                                            </p:txEl>
+                                          </p:spTgt>
+                                        </p:tgtEl>
+                                        <p:attrNameLst>
+                                          <p:attrName>style.visibility</p:attrName>
+                                        </p:attrNameLst>
+                                      </p:cBhvr>
+                                      <p:to>
+                                        <p:strVal val="visible"/>
+                                      </p:to>
+                                    </p:set>
+                                    <p:animEffect transition="in" filter="fade">
+                                      <p:cBhvr>
+                                        <p:cTn id="25" dur="500"/>
+                                        <p:tgtEl>
+                                          <p:spTgt spid="3">
+                                            <p:txEl>
+                                              <p:pRg st="3" end="3"/>
+                                            </p:txEl>
+                                          </p:spTgt>
+                                        </p:tgtEl>
+                                      </p:cBhvr>
+                                    </p:animEffect>
+                                  </p:childTnLst>
+                                </p:cTn>
+                              </p:par>
+                              <p:par>
+                                <p:cTn id="26" presetID="10" presetClass="entr" presetSubtype="0" fill="hold" nodeType="withEffect">
+                                  <p:stCondLst>
+                                    <p:cond delay="0"/>
+                                  </p:stCondLst>
+                                  <p:childTnLst>
+                                    <p:set>
+                                      <p:cBhvr>
+                                        <p:cTn id="27" dur="1" fill="hold">
+                                          <p:stCondLst>
+                                            <p:cond delay="0"/>
+                                          </p:stCondLst>
+                                        </p:cTn>
+                                        <p:tgtEl>
+                                          <p:spTgt spid="15"/>
+                                        </p:tgtEl>
+                                        <p:attrNameLst>
+                                          <p:attrName>style.visibility</p:attrName>
+                                        </p:attrNameLst>
+                                      </p:cBhvr>
+                                      <p:to>
+                                        <p:strVal val="visible"/>
+                                      </p:to>
+                                    </p:set>
+                                    <p:animEffect transition="in" filter="fade">
+                                      <p:cBhvr>
+                                        <p:cTn id="28" dur="500"/>
+                                        <p:tgtEl>
+                                          <p:spTgt spid="15"/>
+                                        </p:tgtEl>
+                                      </p:cBhvr>
+                                    </p:animEffect>
+                                  </p:childTnLst>
+                                </p:cTn>
+                              </p:par>
+                            </p:childTnLst>
+                          </p:cTn>
+                        </p:par>
+                      </p:childTnLst>
+                    </p:cTn>
+                  </p:par>
+                  <p:par>
+                    <p:cTn id="29" fill="hold">
+                      <p:stCondLst>
+                        <p:cond delay="indefinite"/>
+                      </p:stCondLst>
+                      <p:childTnLst>
+                        <p:par>
+                          <p:cTn id="30" fill="hold">
+                            <p:stCondLst>
+                              <p:cond delay="0"/>
+                            </p:stCondLst>
+                            <p:childTnLst>
+                              <p:par>
+                                <p:cTn id="31" presetID="10" presetClass="entr" presetSubtype="0" fill="hold" grpId="0" nodeType="clickEffect">
+                                  <p:stCondLst>
+                                    <p:cond delay="0"/>
+                                  </p:stCondLst>
+                                  <p:childTnLst>
+                                    <p:set>
+                                      <p:cBhvr>
+                                        <p:cTn id="32" dur="1" fill="hold">
+                                          <p:stCondLst>
+                                            <p:cond delay="0"/>
+                                          </p:stCondLst>
+                                        </p:cTn>
+                                        <p:tgtEl>
+                                          <p:spTgt spid="3">
+                                            <p:txEl>
+                                              <p:pRg st="4" end="4"/>
+                                            </p:txEl>
+                                          </p:spTgt>
+                                        </p:tgtEl>
+                                        <p:attrNameLst>
+                                          <p:attrName>style.visibility</p:attrName>
+                                        </p:attrNameLst>
+                                      </p:cBhvr>
+                                      <p:to>
+                                        <p:strVal val="visible"/>
+                                      </p:to>
+                                    </p:set>
+                                    <p:animEffect transition="in" filter="fade">
+                                      <p:cBhvr>
+                                        <p:cTn id="33" dur="500"/>
+                                        <p:tgtEl>
+                                          <p:spTgt spid="3">
+                                            <p:txEl>
+                                              <p:pRg st="4" end="4"/>
+                                            </p:txEl>
+                                          </p:spTgt>
+                                        </p:tgtEl>
+                                      </p:cBhvr>
+                                    </p:animEffect>
+                                  </p:childTnLst>
+                                </p:cTn>
+                              </p:par>
+                              <p:par>
+                                <p:cTn id="34" presetID="10" presetClass="entr" presetSubtype="0" fill="hold" nodeType="withEffect">
+                                  <p:stCondLst>
+                                    <p:cond delay="0"/>
+                                  </p:stCondLst>
+                                  <p:childTnLst>
+                                    <p:set>
+                                      <p:cBhvr>
+                                        <p:cTn id="35" dur="1" fill="hold">
+                                          <p:stCondLst>
+                                            <p:cond delay="0"/>
+                                          </p:stCondLst>
+                                        </p:cTn>
+                                        <p:tgtEl>
+                                          <p:spTgt spid="17"/>
+                                        </p:tgtEl>
+                                        <p:attrNameLst>
+                                          <p:attrName>style.visibility</p:attrName>
+                                        </p:attrNameLst>
+                                      </p:cBhvr>
+                                      <p:to>
+                                        <p:strVal val="visible"/>
+                                      </p:to>
+                                    </p:set>
+                                    <p:animEffect transition="in" filter="fade">
+                                      <p:cBhvr>
+                                        <p:cTn id="36" dur="500"/>
+                                        <p:tgtEl>
+                                          <p:spTgt spid="17"/>
+                                        </p:tgtEl>
+                                      </p:cBhvr>
+                                    </p:animEffect>
+                                  </p:childTnLst>
+                                </p:cTn>
+                              </p:par>
+                            </p:childTnLst>
+                          </p:cTn>
+                        </p:par>
+                      </p:childTnLst>
+                    </p:cTn>
+                  </p:par>
+                  <p:par>
+                    <p:cTn id="37" fill="hold">
+                      <p:stCondLst>
+                        <p:cond delay="indefinite"/>
+                      </p:stCondLst>
+                      <p:childTnLst>
+                        <p:par>
+                          <p:cTn id="38" fill="hold">
+                            <p:stCondLst>
+                              <p:cond delay="0"/>
+                            </p:stCondLst>
+                            <p:childTnLst>
+                              <p:par>
+                                <p:cTn id="39" presetID="10" presetClass="entr" presetSubtype="0" fill="hold" grpId="0" nodeType="clickEffect">
+                                  <p:stCondLst>
+                                    <p:cond delay="0"/>
+                                  </p:stCondLst>
+                                  <p:childTnLst>
+                                    <p:set>
+                                      <p:cBhvr>
+                                        <p:cTn id="40" dur="1" fill="hold">
+                                          <p:stCondLst>
+                                            <p:cond delay="0"/>
+                                          </p:stCondLst>
+                                        </p:cTn>
+                                        <p:tgtEl>
+                                          <p:spTgt spid="3">
+                                            <p:txEl>
+                                              <p:pRg st="5" end="5"/>
+                                            </p:txEl>
+                                          </p:spTgt>
+                                        </p:tgtEl>
+                                        <p:attrNameLst>
+                                          <p:attrName>style.visibility</p:attrName>
+                                        </p:attrNameLst>
+                                      </p:cBhvr>
+                                      <p:to>
+                                        <p:strVal val="visible"/>
+                                      </p:to>
+                                    </p:set>
+                                    <p:animEffect transition="in" filter="fade">
+                                      <p:cBhvr>
+                                        <p:cTn id="41" dur="500"/>
+                                        <p:tgtEl>
+                                          <p:spTgt spid="3">
+                                            <p:txEl>
+                                              <p:pRg st="5" end="5"/>
+                                            </p:txEl>
+                                          </p:spTgt>
+                                        </p:tgtEl>
+                                      </p:cBhvr>
+                                    </p:animEffect>
+                                  </p:childTnLst>
+                                </p:cTn>
+                              </p:par>
+                              <p:par>
+                                <p:cTn id="42" presetID="10" presetClass="entr" presetSubtype="0" fill="hold" nodeType="withEffect">
+                                  <p:stCondLst>
+                                    <p:cond delay="0"/>
+                                  </p:stCondLst>
+                                  <p:childTnLst>
+                                    <p:set>
+                                      <p:cBhvr>
+                                        <p:cTn id="43" dur="1" fill="hold">
+                                          <p:stCondLst>
+                                            <p:cond delay="0"/>
+                                          </p:stCondLst>
+                                        </p:cTn>
+                                        <p:tgtEl>
+                                          <p:spTgt spid="19"/>
+                                        </p:tgtEl>
+                                        <p:attrNameLst>
+                                          <p:attrName>style.visibility</p:attrName>
+                                        </p:attrNameLst>
+                                      </p:cBhvr>
+                                      <p:to>
+                                        <p:strVal val="visible"/>
+                                      </p:to>
+                                    </p:set>
+                                    <p:animEffect transition="in" filter="fade">
+                                      <p:cBhvr>
+                                        <p:cTn id="44" dur="500"/>
+                                        <p:tgtEl>
+                                          <p:spTgt spid="19"/>
+                                        </p:tgtEl>
+                                      </p:cBhvr>
+                                    </p:animEffect>
+                                  </p:childTnLst>
+                                </p:cTn>
+                              </p:par>
+                            </p:childTnLst>
+                          </p:cTn>
+                        </p:par>
+                      </p:childTnLst>
+                    </p:cTn>
+                  </p:par>
+                </p:childTnLst>
+              </p:cTn>
+              <p:prevCondLst>
+                <p:cond evt="onPrev" delay="0">
+                  <p:tgtEl>
+                    <p:sldTgt/>
+                  </p:tgtEl>
+                </p:cond>
+              </p:prevCondLst>
+              <p:nextCondLst>
+                <p:cond evt="onNext" delay="0">
+                  <p:tgtEl>
+                    <p:sldTgt/>
+                  </p:tgtEl>
+                </p:cond>
+              </p:nextCondLst>
+            </p:seq>
+          </p:childTnLst>
+        </p:cTn>
       </p:par>
     </p:tnLst>
+    <p:bldLst>
+      <p:bldP spid="3" grpId="0" uiExpand="1" build="p"/>
+    </p:bldLst>
+  </p:timing>
+</p:sld>
+</file>
+
+<file path=ppt/slides/slide3.xml><?xml version="1.0" encoding="utf-8"?>
+<p:sld xmlns:a="http://schemas.openxmlformats.org/drawingml/2006/main" xmlns:r="http://schemas.openxmlformats.org/officeDocument/2006/relationships" xmlns:p="http://schemas.openxmlformats.org/presentationml/2006/main">
+  <p:cSld>
+    <p:spTree>
+      <p:nvGrpSpPr>
+        <p:cNvPr id="1" name=""/>
+        <p:cNvGrpSpPr/>
+        <p:nvPr/>
+      </p:nvGrpSpPr>
+      <p:grpSpPr>
+        <a:xfrm>
+          <a:off x="0" y="0"/>
+          <a:ext cx="0" cy="0"/>
+          <a:chOff x="0" y="0"/>
+          <a:chExt cx="0" cy="0"/>
+        </a:xfrm>
+      </p:grpSpPr>
+      <p:sp>
+        <p:nvSpPr>
+          <p:cNvPr id="2" name="Titel 1">
+            <a:extLst>
+              <a:ext uri="{FF2B5EF4-FFF2-40B4-BE49-F238E27FC236}">
+                <a16:creationId xmlns:a16="http://schemas.microsoft.com/office/drawing/2014/main" id="{A71149DC-9D6B-A568-CC88-0C9834BEA39F}"/>
+              </a:ext>
+            </a:extLst>
+          </p:cNvPr>
+          <p:cNvSpPr>
+            <a:spLocks noGrp="1"/>
+          </p:cNvSpPr>
+          <p:nvPr>
+            <p:ph type="title"/>
+          </p:nvPr>
+        </p:nvSpPr>
+        <p:spPr/>
+        <p:txBody>
+          <a:bodyPr/>
+          <a:lstStyle/>
+          <a:p>
+            <a:r>
+              <a:rPr lang="de-AT" dirty="0"/>
+              <a:t>CSS – 2D Transforms Übung</a:t>
+            </a:r>
+          </a:p>
+        </p:txBody>
+      </p:sp>
+      <p:sp>
+        <p:nvSpPr>
+          <p:cNvPr id="11" name="Inhaltsplatzhalter 10">
+            <a:extLst>
+              <a:ext uri="{FF2B5EF4-FFF2-40B4-BE49-F238E27FC236}">
+                <a16:creationId xmlns:a16="http://schemas.microsoft.com/office/drawing/2014/main" id="{D7373EF4-F119-5D6B-AE97-9233250A2331}"/>
+              </a:ext>
+            </a:extLst>
+          </p:cNvPr>
+          <p:cNvSpPr>
+            <a:spLocks noGrp="1"/>
+          </p:cNvSpPr>
+          <p:nvPr>
+            <p:ph idx="1"/>
+          </p:nvPr>
+        </p:nvSpPr>
+        <p:spPr>
+          <a:xfrm>
+            <a:off x="1078464" y="1833465"/>
+            <a:ext cx="6028392" cy="4137259"/>
+          </a:xfrm>
+        </p:spPr>
+        <p:txBody>
+          <a:bodyPr/>
+          <a:lstStyle/>
+          <a:p>
+            <a:r>
+              <a:rPr lang="de-DE" dirty="0"/>
+              <a:t>Schreibe Code um 4 Boxen zu erzeugen die beim </a:t>
+            </a:r>
+            <a:r>
+              <a:rPr lang="de-DE" dirty="0" err="1"/>
+              <a:t>hovern</a:t>
+            </a:r>
+            <a:r>
+              <a:rPr lang="de-DE" dirty="0"/>
+              <a:t> transformiert werden </a:t>
+            </a:r>
+            <a:endParaRPr lang="de-AT" dirty="0"/>
+          </a:p>
+        </p:txBody>
+      </p:sp>
+      <p:sp>
+        <p:nvSpPr>
+          <p:cNvPr id="4" name="AutoShape 2" descr="Bootstrap">
+            <a:extLst>
+              <a:ext uri="{FF2B5EF4-FFF2-40B4-BE49-F238E27FC236}">
+                <a16:creationId xmlns:a16="http://schemas.microsoft.com/office/drawing/2014/main" id="{B2D97E5E-59AD-7A5C-6637-DC23FC432F7F}"/>
+              </a:ext>
+            </a:extLst>
+          </p:cNvPr>
+          <p:cNvSpPr>
+            <a:spLocks noChangeAspect="1" noChangeArrowheads="1"/>
+          </p:cNvSpPr>
+          <p:nvPr/>
+        </p:nvSpPr>
+        <p:spPr bwMode="auto">
+          <a:xfrm>
+            <a:off x="4962087" y="5038287"/>
+            <a:ext cx="2395057" cy="2395057"/>
+          </a:xfrm>
+          <a:prstGeom prst="rect">
+            <a:avLst/>
+          </a:prstGeom>
+          <a:noFill/>
+          <a:extLst>
+            <a:ext uri="{909E8E84-426E-40DD-AFC4-6F175D3DCCD1}">
+              <a14:hiddenFill xmlns:a14="http://schemas.microsoft.com/office/drawing/2010/main">
+                <a:solidFill>
+                  <a:srgbClr val="FFFFFF"/>
+                </a:solidFill>
+              </a14:hiddenFill>
+            </a:ext>
+          </a:extLst>
+        </p:spPr>
+        <p:txBody>
+          <a:bodyPr vert="horz" wrap="square" lIns="91440" tIns="45720" rIns="91440" bIns="45720" numCol="1" anchor="t" anchorCtr="0" compatLnSpc="1">
+            <a:prstTxWarp prst="textNoShape">
+              <a:avLst/>
+            </a:prstTxWarp>
+          </a:bodyPr>
+          <a:lstStyle/>
+          <a:p>
+            <a:endParaRPr lang="de-AT"/>
+          </a:p>
+        </p:txBody>
+      </p:sp>
+      <p:sp>
+        <p:nvSpPr>
+          <p:cNvPr id="6" name="AutoShape 4" descr="Bootstrap">
+            <a:extLst>
+              <a:ext uri="{FF2B5EF4-FFF2-40B4-BE49-F238E27FC236}">
+                <a16:creationId xmlns:a16="http://schemas.microsoft.com/office/drawing/2014/main" id="{AE19536E-7D3B-43B7-3C57-1A83E196D5BE}"/>
+              </a:ext>
+            </a:extLst>
+          </p:cNvPr>
+          <p:cNvSpPr>
+            <a:spLocks noChangeAspect="1" noChangeArrowheads="1"/>
+          </p:cNvSpPr>
+          <p:nvPr/>
+        </p:nvSpPr>
+        <p:spPr bwMode="auto">
+          <a:xfrm>
+            <a:off x="6096000" y="3429000"/>
+            <a:ext cx="304800" cy="304800"/>
+          </a:xfrm>
+          <a:prstGeom prst="rect">
+            <a:avLst/>
+          </a:prstGeom>
+          <a:noFill/>
+          <a:extLst>
+            <a:ext uri="{909E8E84-426E-40DD-AFC4-6F175D3DCCD1}">
+              <a14:hiddenFill xmlns:a14="http://schemas.microsoft.com/office/drawing/2010/main">
+                <a:solidFill>
+                  <a:srgbClr val="FFFFFF"/>
+                </a:solidFill>
+              </a14:hiddenFill>
+            </a:ext>
+          </a:extLst>
+        </p:spPr>
+        <p:txBody>
+          <a:bodyPr vert="horz" wrap="square" lIns="91440" tIns="45720" rIns="91440" bIns="45720" numCol="1" anchor="t" anchorCtr="0" compatLnSpc="1">
+            <a:prstTxWarp prst="textNoShape">
+              <a:avLst/>
+            </a:prstTxWarp>
+          </a:bodyPr>
+          <a:lstStyle/>
+          <a:p>
+            <a:endParaRPr lang="de-AT"/>
+          </a:p>
+        </p:txBody>
+      </p:sp>
+      <p:pic>
+        <p:nvPicPr>
+          <p:cNvPr id="9" name="Grafik 8">
+            <a:extLst>
+              <a:ext uri="{FF2B5EF4-FFF2-40B4-BE49-F238E27FC236}">
+                <a16:creationId xmlns:a16="http://schemas.microsoft.com/office/drawing/2014/main" id="{9B5531B4-1FC5-D115-45DD-401E9B1307C3}"/>
+              </a:ext>
+            </a:extLst>
+          </p:cNvPr>
+          <p:cNvPicPr>
+            <a:picLocks noChangeAspect="1"/>
+          </p:cNvPicPr>
+          <p:nvPr/>
+        </p:nvPicPr>
+        <p:blipFill>
+          <a:blip r:embed="rId3"/>
+          <a:stretch>
+            <a:fillRect/>
+          </a:stretch>
+        </p:blipFill>
+        <p:spPr>
+          <a:xfrm>
+            <a:off x="7558703" y="740780"/>
+            <a:ext cx="2279412" cy="6013048"/>
+          </a:xfrm>
+          <a:prstGeom prst="rect">
+            <a:avLst/>
+          </a:prstGeom>
+        </p:spPr>
+      </p:pic>
+    </p:spTree>
+    <p:extLst>
+      <p:ext uri="{BB962C8B-B14F-4D97-AF65-F5344CB8AC3E}">
+        <p14:creationId xmlns:p14="http://schemas.microsoft.com/office/powerpoint/2010/main" val="1579874993"/>
+      </p:ext>
+    </p:extLst>
+  </p:cSld>
+  <p:clrMapOvr>
+    <a:masterClrMapping/>
+  </p:clrMapOvr>
+</p:sld>
+</file>
+
+<file path=ppt/slides/slide4.xml><?xml version="1.0" encoding="utf-8"?>
+<p:sld xmlns:a="http://schemas.openxmlformats.org/drawingml/2006/main" xmlns:r="http://schemas.openxmlformats.org/officeDocument/2006/relationships" xmlns:p="http://schemas.openxmlformats.org/presentationml/2006/main">
+  <p:cSld>
+    <p:spTree>
+      <p:nvGrpSpPr>
+        <p:cNvPr id="1" name=""/>
+        <p:cNvGrpSpPr/>
+        <p:nvPr/>
+      </p:nvGrpSpPr>
+      <p:grpSpPr>
+        <a:xfrm>
+          <a:off x="0" y="0"/>
+          <a:ext cx="0" cy="0"/>
+          <a:chOff x="0" y="0"/>
+          <a:chExt cx="0" cy="0"/>
+        </a:xfrm>
+      </p:grpSpPr>
+      <p:sp>
+        <p:nvSpPr>
+          <p:cNvPr id="2" name="Titel 1">
+            <a:extLst>
+              <a:ext uri="{FF2B5EF4-FFF2-40B4-BE49-F238E27FC236}">
+                <a16:creationId xmlns:a16="http://schemas.microsoft.com/office/drawing/2014/main" id="{A71149DC-9D6B-A568-CC88-0C9834BEA39F}"/>
+              </a:ext>
+            </a:extLst>
+          </p:cNvPr>
+          <p:cNvSpPr>
+            <a:spLocks noGrp="1"/>
+          </p:cNvSpPr>
+          <p:nvPr>
+            <p:ph type="title"/>
+          </p:nvPr>
+        </p:nvSpPr>
+        <p:spPr/>
+        <p:txBody>
+          <a:bodyPr/>
+          <a:lstStyle/>
+          <a:p>
+            <a:r>
+              <a:rPr lang="de-AT" dirty="0"/>
+              <a:t>CSS – 3D Transforms</a:t>
+            </a:r>
+          </a:p>
+        </p:txBody>
+      </p:sp>
+      <p:sp>
+        <p:nvSpPr>
+          <p:cNvPr id="3" name="Inhaltsplatzhalter 2">
+            <a:extLst>
+              <a:ext uri="{FF2B5EF4-FFF2-40B4-BE49-F238E27FC236}">
+                <a16:creationId xmlns:a16="http://schemas.microsoft.com/office/drawing/2014/main" id="{4A5BE335-D373-C792-A4ED-E35F6905E567}"/>
+              </a:ext>
+            </a:extLst>
+          </p:cNvPr>
+          <p:cNvSpPr>
+            <a:spLocks noGrp="1"/>
+          </p:cNvSpPr>
+          <p:nvPr>
+            <p:ph idx="1"/>
+          </p:nvPr>
+        </p:nvSpPr>
+        <p:spPr>
+          <a:xfrm>
+            <a:off x="1078463" y="1819713"/>
+            <a:ext cx="9451946" cy="4137259"/>
+          </a:xfrm>
+        </p:spPr>
+        <p:txBody>
+          <a:bodyPr vert="horz" lIns="91440" tIns="45720" rIns="91440" bIns="45720" rtlCol="0">
+            <a:normAutofit/>
+          </a:bodyPr>
+          <a:lstStyle/>
+          <a:p>
+            <a:r>
+              <a:rPr lang="en-US" dirty="0"/>
+              <a:t>3-Dimensionale Rotation </a:t>
+            </a:r>
+            <a:r>
+              <a:rPr lang="en-US" dirty="0" err="1"/>
+              <a:t>im</a:t>
+            </a:r>
+            <a:r>
+              <a:rPr lang="en-US" dirty="0"/>
+              <a:t> </a:t>
+            </a:r>
+            <a:r>
+              <a:rPr lang="en-US" dirty="0" err="1"/>
+              <a:t>Uhrzeigersinn</a:t>
+            </a:r>
+            <a:r>
+              <a:rPr lang="en-US" dirty="0"/>
+              <a:t> (positive Wert)</a:t>
+            </a:r>
+          </a:p>
+          <a:p>
+            <a:endParaRPr lang="en-US" dirty="0"/>
+          </a:p>
+          <a:p>
+            <a:r>
+              <a:rPr lang="en-US" dirty="0" err="1"/>
+              <a:t>rotateX</a:t>
+            </a:r>
+            <a:r>
+              <a:rPr lang="en-US" dirty="0"/>
+              <a:t>(45deg) </a:t>
+            </a:r>
+          </a:p>
+          <a:p>
+            <a:r>
+              <a:rPr lang="en-US" dirty="0" err="1"/>
+              <a:t>rotateY</a:t>
+            </a:r>
+            <a:r>
+              <a:rPr lang="en-US" dirty="0"/>
+              <a:t>(45deg) </a:t>
+            </a:r>
+          </a:p>
+          <a:p>
+            <a:r>
+              <a:rPr lang="en-US" dirty="0" err="1"/>
+              <a:t>rotateZ</a:t>
+            </a:r>
+            <a:r>
+              <a:rPr lang="en-US" dirty="0"/>
+              <a:t>(-45deg)</a:t>
+            </a:r>
+          </a:p>
+          <a:p>
+            <a:endParaRPr lang="en-US" dirty="0"/>
+          </a:p>
+          <a:p>
+            <a:endParaRPr lang="en-US" dirty="0"/>
+          </a:p>
+        </p:txBody>
+      </p:sp>
+      <p:sp>
+        <p:nvSpPr>
+          <p:cNvPr id="4" name="AutoShape 2" descr="Bootstrap">
+            <a:extLst>
+              <a:ext uri="{FF2B5EF4-FFF2-40B4-BE49-F238E27FC236}">
+                <a16:creationId xmlns:a16="http://schemas.microsoft.com/office/drawing/2014/main" id="{B2D97E5E-59AD-7A5C-6637-DC23FC432F7F}"/>
+              </a:ext>
+            </a:extLst>
+          </p:cNvPr>
+          <p:cNvSpPr>
+            <a:spLocks noChangeAspect="1" noChangeArrowheads="1"/>
+          </p:cNvSpPr>
+          <p:nvPr/>
+        </p:nvSpPr>
+        <p:spPr bwMode="auto">
+          <a:xfrm>
+            <a:off x="4962087" y="5038287"/>
+            <a:ext cx="2395057" cy="2395057"/>
+          </a:xfrm>
+          <a:prstGeom prst="rect">
+            <a:avLst/>
+          </a:prstGeom>
+          <a:noFill/>
+          <a:extLst>
+            <a:ext uri="{909E8E84-426E-40DD-AFC4-6F175D3DCCD1}">
+              <a14:hiddenFill xmlns:a14="http://schemas.microsoft.com/office/drawing/2010/main">
+                <a:solidFill>
+                  <a:srgbClr val="FFFFFF"/>
+                </a:solidFill>
+              </a14:hiddenFill>
+            </a:ext>
+          </a:extLst>
+        </p:spPr>
+        <p:txBody>
+          <a:bodyPr vert="horz" wrap="square" lIns="91440" tIns="45720" rIns="91440" bIns="45720" numCol="1" anchor="t" anchorCtr="0" compatLnSpc="1">
+            <a:prstTxWarp prst="textNoShape">
+              <a:avLst/>
+            </a:prstTxWarp>
+          </a:bodyPr>
+          <a:lstStyle/>
+          <a:p>
+            <a:endParaRPr lang="de-AT"/>
+          </a:p>
+        </p:txBody>
+      </p:sp>
+      <p:sp>
+        <p:nvSpPr>
+          <p:cNvPr id="6" name="AutoShape 4" descr="Bootstrap">
+            <a:extLst>
+              <a:ext uri="{FF2B5EF4-FFF2-40B4-BE49-F238E27FC236}">
+                <a16:creationId xmlns:a16="http://schemas.microsoft.com/office/drawing/2014/main" id="{AE19536E-7D3B-43B7-3C57-1A83E196D5BE}"/>
+              </a:ext>
+            </a:extLst>
+          </p:cNvPr>
+          <p:cNvSpPr>
+            <a:spLocks noChangeAspect="1" noChangeArrowheads="1"/>
+          </p:cNvSpPr>
+          <p:nvPr/>
+        </p:nvSpPr>
+        <p:spPr bwMode="auto">
+          <a:xfrm>
+            <a:off x="6096000" y="3429000"/>
+            <a:ext cx="304800" cy="304800"/>
+          </a:xfrm>
+          <a:prstGeom prst="rect">
+            <a:avLst/>
+          </a:prstGeom>
+          <a:noFill/>
+          <a:extLst>
+            <a:ext uri="{909E8E84-426E-40DD-AFC4-6F175D3DCCD1}">
+              <a14:hiddenFill xmlns:a14="http://schemas.microsoft.com/office/drawing/2010/main">
+                <a:solidFill>
+                  <a:srgbClr val="FFFFFF"/>
+                </a:solidFill>
+              </a14:hiddenFill>
+            </a:ext>
+          </a:extLst>
+        </p:spPr>
+        <p:txBody>
+          <a:bodyPr vert="horz" wrap="square" lIns="91440" tIns="45720" rIns="91440" bIns="45720" numCol="1" anchor="t" anchorCtr="0" compatLnSpc="1">
+            <a:prstTxWarp prst="textNoShape">
+              <a:avLst/>
+            </a:prstTxWarp>
+          </a:bodyPr>
+          <a:lstStyle/>
+          <a:p>
+            <a:endParaRPr lang="de-AT"/>
+          </a:p>
+        </p:txBody>
+      </p:sp>
+      <p:pic>
+        <p:nvPicPr>
+          <p:cNvPr id="7" name="Grafik 6">
+            <a:extLst>
+              <a:ext uri="{FF2B5EF4-FFF2-40B4-BE49-F238E27FC236}">
+                <a16:creationId xmlns:a16="http://schemas.microsoft.com/office/drawing/2014/main" id="{BF01484A-6B46-7D75-727F-08F302C54E21}"/>
+              </a:ext>
+            </a:extLst>
+          </p:cNvPr>
+          <p:cNvPicPr>
+            <a:picLocks noChangeAspect="1"/>
+          </p:cNvPicPr>
+          <p:nvPr/>
+        </p:nvPicPr>
+        <p:blipFill>
+          <a:blip r:embed="rId2"/>
+          <a:stretch>
+            <a:fillRect/>
+          </a:stretch>
+        </p:blipFill>
+        <p:spPr>
+          <a:xfrm>
+            <a:off x="9221462" y="4731947"/>
+            <a:ext cx="1965986" cy="1870376"/>
+          </a:xfrm>
+          <a:prstGeom prst="rect">
+            <a:avLst/>
+          </a:prstGeom>
+        </p:spPr>
+      </p:pic>
+      <p:pic>
+        <p:nvPicPr>
+          <p:cNvPr id="11" name="Grafik 10">
+            <a:extLst>
+              <a:ext uri="{FF2B5EF4-FFF2-40B4-BE49-F238E27FC236}">
+                <a16:creationId xmlns:a16="http://schemas.microsoft.com/office/drawing/2014/main" id="{01ADE236-E712-DFED-50C2-D1CEB9E93E1A}"/>
+              </a:ext>
+            </a:extLst>
+          </p:cNvPr>
+          <p:cNvPicPr>
+            <a:picLocks noChangeAspect="1"/>
+          </p:cNvPicPr>
+          <p:nvPr/>
+        </p:nvPicPr>
+        <p:blipFill>
+          <a:blip r:embed="rId3"/>
+          <a:stretch>
+            <a:fillRect/>
+          </a:stretch>
+        </p:blipFill>
+        <p:spPr>
+          <a:xfrm>
+            <a:off x="9496663" y="3393546"/>
+            <a:ext cx="1362265" cy="1076475"/>
+          </a:xfrm>
+          <a:prstGeom prst="rect">
+            <a:avLst/>
+          </a:prstGeom>
+        </p:spPr>
+      </p:pic>
+      <p:pic>
+        <p:nvPicPr>
+          <p:cNvPr id="14" name="Grafik 13">
+            <a:extLst>
+              <a:ext uri="{FF2B5EF4-FFF2-40B4-BE49-F238E27FC236}">
+                <a16:creationId xmlns:a16="http://schemas.microsoft.com/office/drawing/2014/main" id="{77E0FD6C-581F-AB8B-ACBD-3EFFFCB52022}"/>
+              </a:ext>
+            </a:extLst>
+          </p:cNvPr>
+          <p:cNvPicPr>
+            <a:picLocks noChangeAspect="1"/>
+          </p:cNvPicPr>
+          <p:nvPr/>
+        </p:nvPicPr>
+        <p:blipFill>
+          <a:blip r:embed="rId4"/>
+          <a:stretch>
+            <a:fillRect/>
+          </a:stretch>
+        </p:blipFill>
+        <p:spPr>
+          <a:xfrm>
+            <a:off x="9496663" y="1906900"/>
+            <a:ext cx="1352739" cy="1019317"/>
+          </a:xfrm>
+          <a:prstGeom prst="rect">
+            <a:avLst/>
+          </a:prstGeom>
+        </p:spPr>
+      </p:pic>
+      <p:pic>
+        <p:nvPicPr>
+          <p:cNvPr id="12" name="Picture 4" descr="Cartesian coordinate system - Free education icons"/>
+          <p:cNvPicPr>
+            <a:picLocks noChangeAspect="1" noChangeArrowheads="1"/>
+          </p:cNvPicPr>
+          <p:nvPr/>
+        </p:nvPicPr>
+        <p:blipFill>
+          <a:blip r:embed="rId5" cstate="hqprint">
+            <a:extLst>
+              <a:ext uri="{28A0092B-C50C-407E-A947-70E740481C1C}">
+                <a14:useLocalDpi xmlns:a14="http://schemas.microsoft.com/office/drawing/2010/main" val="0"/>
+              </a:ext>
+            </a:extLst>
+          </a:blip>
+          <a:srcRect/>
+          <a:stretch>
+            <a:fillRect/>
+          </a:stretch>
+        </p:blipFill>
+        <p:spPr bwMode="auto">
+          <a:xfrm>
+            <a:off x="1044607" y="5103453"/>
+            <a:ext cx="1396589" cy="1396589"/>
+          </a:xfrm>
+          <a:prstGeom prst="rect">
+            <a:avLst/>
+          </a:prstGeom>
+          <a:noFill/>
+          <a:extLst>
+            <a:ext uri="{909E8E84-426E-40DD-AFC4-6F175D3DCCD1}">
+              <a14:hiddenFill xmlns:a14="http://schemas.microsoft.com/office/drawing/2010/main">
+                <a:solidFill>
+                  <a:srgbClr val="FFFFFF"/>
+                </a:solidFill>
+              </a14:hiddenFill>
+            </a:ext>
+          </a:extLst>
+        </p:spPr>
+      </p:pic>
+      <p:pic>
+        <p:nvPicPr>
+          <p:cNvPr id="8" name="Grafik 7">
+            <a:extLst>
+              <a:ext uri="{FF2B5EF4-FFF2-40B4-BE49-F238E27FC236}">
+                <a16:creationId xmlns:a16="http://schemas.microsoft.com/office/drawing/2014/main" id="{3EFDDE72-C205-CED8-2D1F-1697AE526CFE}"/>
+              </a:ext>
+            </a:extLst>
+          </p:cNvPr>
+          <p:cNvPicPr>
+            <a:picLocks noChangeAspect="1"/>
+          </p:cNvPicPr>
+          <p:nvPr/>
+        </p:nvPicPr>
+        <p:blipFill>
+          <a:blip r:embed="rId6"/>
+          <a:stretch>
+            <a:fillRect/>
+          </a:stretch>
+        </p:blipFill>
+        <p:spPr>
+          <a:xfrm>
+            <a:off x="1428126" y="2301677"/>
+            <a:ext cx="3509757" cy="329555"/>
+          </a:xfrm>
+          <a:prstGeom prst="rect">
+            <a:avLst/>
+          </a:prstGeom>
+        </p:spPr>
+      </p:pic>
+    </p:spTree>
+    <p:extLst>
+      <p:ext uri="{BB962C8B-B14F-4D97-AF65-F5344CB8AC3E}">
+        <p14:creationId xmlns:p14="http://schemas.microsoft.com/office/powerpoint/2010/main" val="710385806"/>
+      </p:ext>
+    </p:extLst>
+  </p:cSld>
+  <p:clrMapOvr>
+    <a:masterClrMapping/>
+  </p:clrMapOvr>
+  <p:timing>
+    <p:tnLst>
+      <p:par>
+        <p:cTn id="1" dur="indefinite" restart="never" nodeType="tmRoot">
+          <p:childTnLst>
+            <p:seq concurrent="1" nextAc="seek">
+              <p:cTn id="2" dur="indefinite" nodeType="mainSeq">
+                <p:childTnLst>
+                  <p:par>
+                    <p:cTn id="3" fill="hold">
+                      <p:stCondLst>
+                        <p:cond delay="indefinite"/>
+                      </p:stCondLst>
+                      <p:childTnLst>
+                        <p:par>
+                          <p:cTn id="4" fill="hold">
+                            <p:stCondLst>
+                              <p:cond delay="0"/>
+                            </p:stCondLst>
+                            <p:childTnLst>
+                              <p:par>
+                                <p:cTn id="5" presetID="10" presetClass="entr" presetSubtype="0" fill="hold" grpId="0" nodeType="clickEffect">
+                                  <p:stCondLst>
+                                    <p:cond delay="0"/>
+                                  </p:stCondLst>
+                                  <p:childTnLst>
+                                    <p:set>
+                                      <p:cBhvr>
+                                        <p:cTn id="6" dur="1" fill="hold">
+                                          <p:stCondLst>
+                                            <p:cond delay="0"/>
+                                          </p:stCondLst>
+                                        </p:cTn>
+                                        <p:tgtEl>
+                                          <p:spTgt spid="3">
+                                            <p:txEl>
+                                              <p:pRg st="0" end="0"/>
+                                            </p:txEl>
+                                          </p:spTgt>
+                                        </p:tgtEl>
+                                        <p:attrNameLst>
+                                          <p:attrName>style.visibility</p:attrName>
+                                        </p:attrNameLst>
+                                      </p:cBhvr>
+                                      <p:to>
+                                        <p:strVal val="visible"/>
+                                      </p:to>
+                                    </p:set>
+                                    <p:animEffect transition="in" filter="fade">
+                                      <p:cBhvr>
+                                        <p:cTn id="7" dur="500"/>
+                                        <p:tgtEl>
+                                          <p:spTgt spid="3">
+                                            <p:txEl>
+                                              <p:pRg st="0" end="0"/>
+                                            </p:txEl>
+                                          </p:spTgt>
+                                        </p:tgtEl>
+                                      </p:cBhvr>
+                                    </p:animEffect>
+                                  </p:childTnLst>
+                                </p:cTn>
+                              </p:par>
+                            </p:childTnLst>
+                          </p:cTn>
+                        </p:par>
+                      </p:childTnLst>
+                    </p:cTn>
+                  </p:par>
+                  <p:par>
+                    <p:cTn id="8" fill="hold">
+                      <p:stCondLst>
+                        <p:cond delay="indefinite"/>
+                      </p:stCondLst>
+                      <p:childTnLst>
+                        <p:par>
+                          <p:cTn id="9" fill="hold">
+                            <p:stCondLst>
+                              <p:cond delay="0"/>
+                            </p:stCondLst>
+                            <p:childTnLst>
+                              <p:par>
+                                <p:cTn id="10" presetID="10" presetClass="entr" presetSubtype="0" fill="hold" grpId="0" nodeType="clickEffect">
+                                  <p:stCondLst>
+                                    <p:cond delay="0"/>
+                                  </p:stCondLst>
+                                  <p:childTnLst>
+                                    <p:set>
+                                      <p:cBhvr>
+                                        <p:cTn id="11" dur="1" fill="hold">
+                                          <p:stCondLst>
+                                            <p:cond delay="0"/>
+                                          </p:stCondLst>
+                                        </p:cTn>
+                                        <p:tgtEl>
+                                          <p:spTgt spid="3">
+                                            <p:txEl>
+                                              <p:pRg st="2" end="2"/>
+                                            </p:txEl>
+                                          </p:spTgt>
+                                        </p:tgtEl>
+                                        <p:attrNameLst>
+                                          <p:attrName>style.visibility</p:attrName>
+                                        </p:attrNameLst>
+                                      </p:cBhvr>
+                                      <p:to>
+                                        <p:strVal val="visible"/>
+                                      </p:to>
+                                    </p:set>
+                                    <p:animEffect transition="in" filter="fade">
+                                      <p:cBhvr>
+                                        <p:cTn id="12" dur="500"/>
+                                        <p:tgtEl>
+                                          <p:spTgt spid="3">
+                                            <p:txEl>
+                                              <p:pRg st="2" end="2"/>
+                                            </p:txEl>
+                                          </p:spTgt>
+                                        </p:tgtEl>
+                                      </p:cBhvr>
+                                    </p:animEffect>
+                                  </p:childTnLst>
+                                </p:cTn>
+                              </p:par>
+                              <p:par>
+                                <p:cTn id="13" presetID="10" presetClass="entr" presetSubtype="0" fill="hold" nodeType="withEffect">
+                                  <p:stCondLst>
+                                    <p:cond delay="0"/>
+                                  </p:stCondLst>
+                                  <p:childTnLst>
+                                    <p:set>
+                                      <p:cBhvr>
+                                        <p:cTn id="14" dur="1" fill="hold">
+                                          <p:stCondLst>
+                                            <p:cond delay="0"/>
+                                          </p:stCondLst>
+                                        </p:cTn>
+                                        <p:tgtEl>
+                                          <p:spTgt spid="14"/>
+                                        </p:tgtEl>
+                                        <p:attrNameLst>
+                                          <p:attrName>style.visibility</p:attrName>
+                                        </p:attrNameLst>
+                                      </p:cBhvr>
+                                      <p:to>
+                                        <p:strVal val="visible"/>
+                                      </p:to>
+                                    </p:set>
+                                    <p:animEffect transition="in" filter="fade">
+                                      <p:cBhvr>
+                                        <p:cTn id="15" dur="500"/>
+                                        <p:tgtEl>
+                                          <p:spTgt spid="14"/>
+                                        </p:tgtEl>
+                                      </p:cBhvr>
+                                    </p:animEffect>
+                                  </p:childTnLst>
+                                </p:cTn>
+                              </p:par>
+                            </p:childTnLst>
+                          </p:cTn>
+                        </p:par>
+                      </p:childTnLst>
+                    </p:cTn>
+                  </p:par>
+                  <p:par>
+                    <p:cTn id="16" fill="hold">
+                      <p:stCondLst>
+                        <p:cond delay="indefinite"/>
+                      </p:stCondLst>
+                      <p:childTnLst>
+                        <p:par>
+                          <p:cTn id="17" fill="hold">
+                            <p:stCondLst>
+                              <p:cond delay="0"/>
+                            </p:stCondLst>
+                            <p:childTnLst>
+                              <p:par>
+                                <p:cTn id="18" presetID="10" presetClass="entr" presetSubtype="0" fill="hold" grpId="0" nodeType="clickEffect">
+                                  <p:stCondLst>
+                                    <p:cond delay="0"/>
+                                  </p:stCondLst>
+                                  <p:childTnLst>
+                                    <p:set>
+                                      <p:cBhvr>
+                                        <p:cTn id="19" dur="1" fill="hold">
+                                          <p:stCondLst>
+                                            <p:cond delay="0"/>
+                                          </p:stCondLst>
+                                        </p:cTn>
+                                        <p:tgtEl>
+                                          <p:spTgt spid="3">
+                                            <p:txEl>
+                                              <p:pRg st="3" end="3"/>
+                                            </p:txEl>
+                                          </p:spTgt>
+                                        </p:tgtEl>
+                                        <p:attrNameLst>
+                                          <p:attrName>style.visibility</p:attrName>
+                                        </p:attrNameLst>
+                                      </p:cBhvr>
+                                      <p:to>
+                                        <p:strVal val="visible"/>
+                                      </p:to>
+                                    </p:set>
+                                    <p:animEffect transition="in" filter="fade">
+                                      <p:cBhvr>
+                                        <p:cTn id="20" dur="500"/>
+                                        <p:tgtEl>
+                                          <p:spTgt spid="3">
+                                            <p:txEl>
+                                              <p:pRg st="3" end="3"/>
+                                            </p:txEl>
+                                          </p:spTgt>
+                                        </p:tgtEl>
+                                      </p:cBhvr>
+                                    </p:animEffect>
+                                  </p:childTnLst>
+                                </p:cTn>
+                              </p:par>
+                              <p:par>
+                                <p:cTn id="21" presetID="10" presetClass="entr" presetSubtype="0" fill="hold" nodeType="withEffect">
+                                  <p:stCondLst>
+                                    <p:cond delay="0"/>
+                                  </p:stCondLst>
+                                  <p:childTnLst>
+                                    <p:set>
+                                      <p:cBhvr>
+                                        <p:cTn id="22" dur="1" fill="hold">
+                                          <p:stCondLst>
+                                            <p:cond delay="0"/>
+                                          </p:stCondLst>
+                                        </p:cTn>
+                                        <p:tgtEl>
+                                          <p:spTgt spid="11"/>
+                                        </p:tgtEl>
+                                        <p:attrNameLst>
+                                          <p:attrName>style.visibility</p:attrName>
+                                        </p:attrNameLst>
+                                      </p:cBhvr>
+                                      <p:to>
+                                        <p:strVal val="visible"/>
+                                      </p:to>
+                                    </p:set>
+                                    <p:animEffect transition="in" filter="fade">
+                                      <p:cBhvr>
+                                        <p:cTn id="23" dur="500"/>
+                                        <p:tgtEl>
+                                          <p:spTgt spid="11"/>
+                                        </p:tgtEl>
+                                      </p:cBhvr>
+                                    </p:animEffect>
+                                  </p:childTnLst>
+                                </p:cTn>
+                              </p:par>
+                            </p:childTnLst>
+                          </p:cTn>
+                        </p:par>
+                      </p:childTnLst>
+                    </p:cTn>
+                  </p:par>
+                  <p:par>
+                    <p:cTn id="24" fill="hold">
+                      <p:stCondLst>
+                        <p:cond delay="indefinite"/>
+                      </p:stCondLst>
+                      <p:childTnLst>
+                        <p:par>
+                          <p:cTn id="25" fill="hold">
+                            <p:stCondLst>
+                              <p:cond delay="0"/>
+                            </p:stCondLst>
+                            <p:childTnLst>
+                              <p:par>
+                                <p:cTn id="26" presetID="10" presetClass="entr" presetSubtype="0" fill="hold" grpId="0" nodeType="clickEffect">
+                                  <p:stCondLst>
+                                    <p:cond delay="0"/>
+                                  </p:stCondLst>
+                                  <p:childTnLst>
+                                    <p:set>
+                                      <p:cBhvr>
+                                        <p:cTn id="27" dur="1" fill="hold">
+                                          <p:stCondLst>
+                                            <p:cond delay="0"/>
+                                          </p:stCondLst>
+                                        </p:cTn>
+                                        <p:tgtEl>
+                                          <p:spTgt spid="3">
+                                            <p:txEl>
+                                              <p:pRg st="4" end="4"/>
+                                            </p:txEl>
+                                          </p:spTgt>
+                                        </p:tgtEl>
+                                        <p:attrNameLst>
+                                          <p:attrName>style.visibility</p:attrName>
+                                        </p:attrNameLst>
+                                      </p:cBhvr>
+                                      <p:to>
+                                        <p:strVal val="visible"/>
+                                      </p:to>
+                                    </p:set>
+                                    <p:animEffect transition="in" filter="fade">
+                                      <p:cBhvr>
+                                        <p:cTn id="28" dur="500"/>
+                                        <p:tgtEl>
+                                          <p:spTgt spid="3">
+                                            <p:txEl>
+                                              <p:pRg st="4" end="4"/>
+                                            </p:txEl>
+                                          </p:spTgt>
+                                        </p:tgtEl>
+                                      </p:cBhvr>
+                                    </p:animEffect>
+                                  </p:childTnLst>
+                                </p:cTn>
+                              </p:par>
+                              <p:par>
+                                <p:cTn id="29" presetID="10" presetClass="entr" presetSubtype="0" fill="hold" nodeType="withEffect">
+                                  <p:stCondLst>
+                                    <p:cond delay="0"/>
+                                  </p:stCondLst>
+                                  <p:childTnLst>
+                                    <p:set>
+                                      <p:cBhvr>
+                                        <p:cTn id="30" dur="1" fill="hold">
+                                          <p:stCondLst>
+                                            <p:cond delay="0"/>
+                                          </p:stCondLst>
+                                        </p:cTn>
+                                        <p:tgtEl>
+                                          <p:spTgt spid="7"/>
+                                        </p:tgtEl>
+                                        <p:attrNameLst>
+                                          <p:attrName>style.visibility</p:attrName>
+                                        </p:attrNameLst>
+                                      </p:cBhvr>
+                                      <p:to>
+                                        <p:strVal val="visible"/>
+                                      </p:to>
+                                    </p:set>
+                                    <p:animEffect transition="in" filter="fade">
+                                      <p:cBhvr>
+                                        <p:cTn id="31" dur="500"/>
+                                        <p:tgtEl>
+                                          <p:spTgt spid="7"/>
+                                        </p:tgtEl>
+                                      </p:cBhvr>
+                                    </p:animEffect>
+                                  </p:childTnLst>
+                                </p:cTn>
+                              </p:par>
+                            </p:childTnLst>
+                          </p:cTn>
+                        </p:par>
+                      </p:childTnLst>
+                    </p:cTn>
+                  </p:par>
+                </p:childTnLst>
+              </p:cTn>
+              <p:prevCondLst>
+                <p:cond evt="onPrev" delay="0">
+                  <p:tgtEl>
+                    <p:sldTgt/>
+                  </p:tgtEl>
+                </p:cond>
+              </p:prevCondLst>
+              <p:nextCondLst>
+                <p:cond evt="onNext" delay="0">
+                  <p:tgtEl>
+                    <p:sldTgt/>
+                  </p:tgtEl>
+                </p:cond>
+              </p:nextCondLst>
+            </p:seq>
+          </p:childTnLst>
+        </p:cTn>
+      </p:par>
+    </p:tnLst>
+    <p:bldLst>
+      <p:bldP spid="3" grpId="0" uiExpand="1" build="p"/>
+    </p:bldLst>
+  </p:timing>
+</p:sld>
+</file>
+
+<file path=ppt/slides/slide5.xml><?xml version="1.0" encoding="utf-8"?>
+<p:sld xmlns:a="http://schemas.openxmlformats.org/drawingml/2006/main" xmlns:r="http://schemas.openxmlformats.org/officeDocument/2006/relationships" xmlns:p="http://schemas.openxmlformats.org/presentationml/2006/main">
+  <p:cSld>
+    <p:spTree>
+      <p:nvGrpSpPr>
+        <p:cNvPr id="1" name=""/>
+        <p:cNvGrpSpPr/>
+        <p:nvPr/>
+      </p:nvGrpSpPr>
+      <p:grpSpPr>
+        <a:xfrm>
+          <a:off x="0" y="0"/>
+          <a:ext cx="0" cy="0"/>
+          <a:chOff x="0" y="0"/>
+          <a:chExt cx="0" cy="0"/>
+        </a:xfrm>
+      </p:grpSpPr>
+      <p:sp>
+        <p:nvSpPr>
+          <p:cNvPr id="2" name="Titel 1">
+            <a:extLst>
+              <a:ext uri="{FF2B5EF4-FFF2-40B4-BE49-F238E27FC236}">
+                <a16:creationId xmlns:a16="http://schemas.microsoft.com/office/drawing/2014/main" id="{A71149DC-9D6B-A568-CC88-0C9834BEA39F}"/>
+              </a:ext>
+            </a:extLst>
+          </p:cNvPr>
+          <p:cNvSpPr>
+            <a:spLocks noGrp="1"/>
+          </p:cNvSpPr>
+          <p:nvPr>
+            <p:ph type="title"/>
+          </p:nvPr>
+        </p:nvSpPr>
+        <p:spPr/>
+        <p:txBody>
+          <a:bodyPr/>
+          <a:lstStyle/>
+          <a:p>
+            <a:r>
+              <a:rPr lang="de-AT" dirty="0"/>
+              <a:t>CSS – 3D Transforms Übung</a:t>
+            </a:r>
+          </a:p>
+        </p:txBody>
+      </p:sp>
+      <p:sp>
+        <p:nvSpPr>
+          <p:cNvPr id="11" name="Inhaltsplatzhalter 10">
+            <a:extLst>
+              <a:ext uri="{FF2B5EF4-FFF2-40B4-BE49-F238E27FC236}">
+                <a16:creationId xmlns:a16="http://schemas.microsoft.com/office/drawing/2014/main" id="{D7373EF4-F119-5D6B-AE97-9233250A2331}"/>
+              </a:ext>
+            </a:extLst>
+          </p:cNvPr>
+          <p:cNvSpPr>
+            <a:spLocks noGrp="1"/>
+          </p:cNvSpPr>
+          <p:nvPr>
+            <p:ph idx="1"/>
+          </p:nvPr>
+        </p:nvSpPr>
+        <p:spPr>
+          <a:xfrm>
+            <a:off x="1078464" y="1833465"/>
+            <a:ext cx="6028392" cy="4137259"/>
+          </a:xfrm>
+        </p:spPr>
+        <p:txBody>
+          <a:bodyPr/>
+          <a:lstStyle/>
+          <a:p>
+            <a:r>
+              <a:rPr lang="de-DE" dirty="0"/>
+              <a:t>Schreibe Code um 3 Boxen zu erzeugen die beim </a:t>
+            </a:r>
+            <a:r>
+              <a:rPr lang="de-DE" dirty="0" err="1"/>
+              <a:t>hovern</a:t>
+            </a:r>
+            <a:r>
+              <a:rPr lang="de-DE" dirty="0"/>
+              <a:t> transformiert werden </a:t>
+            </a:r>
+            <a:endParaRPr lang="de-AT" dirty="0"/>
+          </a:p>
+        </p:txBody>
+      </p:sp>
+      <p:sp>
+        <p:nvSpPr>
+          <p:cNvPr id="4" name="AutoShape 2" descr="Bootstrap">
+            <a:extLst>
+              <a:ext uri="{FF2B5EF4-FFF2-40B4-BE49-F238E27FC236}">
+                <a16:creationId xmlns:a16="http://schemas.microsoft.com/office/drawing/2014/main" id="{B2D97E5E-59AD-7A5C-6637-DC23FC432F7F}"/>
+              </a:ext>
+            </a:extLst>
+          </p:cNvPr>
+          <p:cNvSpPr>
+            <a:spLocks noChangeAspect="1" noChangeArrowheads="1"/>
+          </p:cNvSpPr>
+          <p:nvPr/>
+        </p:nvSpPr>
+        <p:spPr bwMode="auto">
+          <a:xfrm>
+            <a:off x="4962087" y="5038287"/>
+            <a:ext cx="2395057" cy="2395057"/>
+          </a:xfrm>
+          <a:prstGeom prst="rect">
+            <a:avLst/>
+          </a:prstGeom>
+          <a:noFill/>
+          <a:extLst>
+            <a:ext uri="{909E8E84-426E-40DD-AFC4-6F175D3DCCD1}">
+              <a14:hiddenFill xmlns:a14="http://schemas.microsoft.com/office/drawing/2010/main">
+                <a:solidFill>
+                  <a:srgbClr val="FFFFFF"/>
+                </a:solidFill>
+              </a14:hiddenFill>
+            </a:ext>
+          </a:extLst>
+        </p:spPr>
+        <p:txBody>
+          <a:bodyPr vert="horz" wrap="square" lIns="91440" tIns="45720" rIns="91440" bIns="45720" numCol="1" anchor="t" anchorCtr="0" compatLnSpc="1">
+            <a:prstTxWarp prst="textNoShape">
+              <a:avLst/>
+            </a:prstTxWarp>
+          </a:bodyPr>
+          <a:lstStyle/>
+          <a:p>
+            <a:endParaRPr lang="de-AT"/>
+          </a:p>
+        </p:txBody>
+      </p:sp>
+      <p:sp>
+        <p:nvSpPr>
+          <p:cNvPr id="6" name="AutoShape 4" descr="Bootstrap">
+            <a:extLst>
+              <a:ext uri="{FF2B5EF4-FFF2-40B4-BE49-F238E27FC236}">
+                <a16:creationId xmlns:a16="http://schemas.microsoft.com/office/drawing/2014/main" id="{AE19536E-7D3B-43B7-3C57-1A83E196D5BE}"/>
+              </a:ext>
+            </a:extLst>
+          </p:cNvPr>
+          <p:cNvSpPr>
+            <a:spLocks noChangeAspect="1" noChangeArrowheads="1"/>
+          </p:cNvSpPr>
+          <p:nvPr/>
+        </p:nvSpPr>
+        <p:spPr bwMode="auto">
+          <a:xfrm>
+            <a:off x="6096000" y="3429000"/>
+            <a:ext cx="304800" cy="304800"/>
+          </a:xfrm>
+          <a:prstGeom prst="rect">
+            <a:avLst/>
+          </a:prstGeom>
+          <a:noFill/>
+          <a:extLst>
+            <a:ext uri="{909E8E84-426E-40DD-AFC4-6F175D3DCCD1}">
+              <a14:hiddenFill xmlns:a14="http://schemas.microsoft.com/office/drawing/2010/main">
+                <a:solidFill>
+                  <a:srgbClr val="FFFFFF"/>
+                </a:solidFill>
+              </a14:hiddenFill>
+            </a:ext>
+          </a:extLst>
+        </p:spPr>
+        <p:txBody>
+          <a:bodyPr vert="horz" wrap="square" lIns="91440" tIns="45720" rIns="91440" bIns="45720" numCol="1" anchor="t" anchorCtr="0" compatLnSpc="1">
+            <a:prstTxWarp prst="textNoShape">
+              <a:avLst/>
+            </a:prstTxWarp>
+          </a:bodyPr>
+          <a:lstStyle/>
+          <a:p>
+            <a:endParaRPr lang="de-AT"/>
+          </a:p>
+        </p:txBody>
+      </p:sp>
+      <p:pic>
+        <p:nvPicPr>
+          <p:cNvPr id="14" name="Grafik 13">
+            <a:extLst>
+              <a:ext uri="{FF2B5EF4-FFF2-40B4-BE49-F238E27FC236}">
+                <a16:creationId xmlns:a16="http://schemas.microsoft.com/office/drawing/2014/main" id="{EF86085C-2A9A-4D1F-5B5C-915BE24D7A55}"/>
+              </a:ext>
+            </a:extLst>
+          </p:cNvPr>
+          <p:cNvPicPr>
+            <a:picLocks noChangeAspect="1"/>
+          </p:cNvPicPr>
+          <p:nvPr/>
+        </p:nvPicPr>
+        <p:blipFill>
+          <a:blip r:embed="rId3"/>
+          <a:stretch>
+            <a:fillRect/>
+          </a:stretch>
+        </p:blipFill>
+        <p:spPr>
+          <a:xfrm>
+            <a:off x="1524958" y="3314332"/>
+            <a:ext cx="8468907" cy="2143424"/>
+          </a:xfrm>
+          <a:prstGeom prst="rect">
+            <a:avLst/>
+          </a:prstGeom>
+        </p:spPr>
+      </p:pic>
+    </p:spTree>
+    <p:extLst>
+      <p:ext uri="{BB962C8B-B14F-4D97-AF65-F5344CB8AC3E}">
+        <p14:creationId xmlns:p14="http://schemas.microsoft.com/office/powerpoint/2010/main" val="4060194202"/>
+      </p:ext>
+    </p:extLst>
+  </p:cSld>
+  <p:clrMapOvr>
+    <a:masterClrMapping/>
+  </p:clrMapOvr>
+</p:sld>
+</file>
+
+<file path=ppt/slides/slide6.xml><?xml version="1.0" encoding="utf-8"?>
+<p:sld xmlns:a="http://schemas.openxmlformats.org/drawingml/2006/main" xmlns:r="http://schemas.openxmlformats.org/officeDocument/2006/relationships" xmlns:p="http://schemas.openxmlformats.org/presentationml/2006/main">
+  <p:cSld>
+    <p:spTree>
+      <p:nvGrpSpPr>
+        <p:cNvPr id="1" name=""/>
+        <p:cNvGrpSpPr/>
+        <p:nvPr/>
+      </p:nvGrpSpPr>
+      <p:grpSpPr>
+        <a:xfrm>
+          <a:off x="0" y="0"/>
+          <a:ext cx="0" cy="0"/>
+          <a:chOff x="0" y="0"/>
+          <a:chExt cx="0" cy="0"/>
+        </a:xfrm>
+      </p:grpSpPr>
+      <p:sp>
+        <p:nvSpPr>
+          <p:cNvPr id="2" name="Titel 1">
+            <a:extLst>
+              <a:ext uri="{FF2B5EF4-FFF2-40B4-BE49-F238E27FC236}">
+                <a16:creationId xmlns:a16="http://schemas.microsoft.com/office/drawing/2014/main" id="{A71149DC-9D6B-A568-CC88-0C9834BEA39F}"/>
+              </a:ext>
+            </a:extLst>
+          </p:cNvPr>
+          <p:cNvSpPr>
+            <a:spLocks noGrp="1"/>
+          </p:cNvSpPr>
+          <p:nvPr>
+            <p:ph type="title"/>
+          </p:nvPr>
+        </p:nvSpPr>
+        <p:spPr/>
+        <p:txBody>
+          <a:bodyPr/>
+          <a:lstStyle/>
+          <a:p>
+            <a:r>
+              <a:rPr lang="de-AT" dirty="0"/>
+              <a:t>CSS – Transition</a:t>
+            </a:r>
+          </a:p>
+        </p:txBody>
+      </p:sp>
+      <p:sp>
+        <p:nvSpPr>
+          <p:cNvPr id="3" name="Inhaltsplatzhalter 2">
+            <a:extLst>
+              <a:ext uri="{FF2B5EF4-FFF2-40B4-BE49-F238E27FC236}">
+                <a16:creationId xmlns:a16="http://schemas.microsoft.com/office/drawing/2014/main" id="{4A5BE335-D373-C792-A4ED-E35F6905E567}"/>
+              </a:ext>
+            </a:extLst>
+          </p:cNvPr>
+          <p:cNvSpPr>
+            <a:spLocks noGrp="1"/>
+          </p:cNvSpPr>
+          <p:nvPr>
+            <p:ph idx="1"/>
+          </p:nvPr>
+        </p:nvSpPr>
+        <p:spPr>
+          <a:xfrm>
+            <a:off x="1078463" y="1819713"/>
+            <a:ext cx="6209843" cy="4137259"/>
+          </a:xfrm>
+        </p:spPr>
+        <p:txBody>
+          <a:bodyPr vert="horz" lIns="91440" tIns="45720" rIns="91440" bIns="45720" rtlCol="0">
+            <a:normAutofit/>
+          </a:bodyPr>
+          <a:lstStyle/>
+          <a:p>
+            <a:r>
+              <a:rPr lang="en-US" dirty="0" err="1"/>
+              <a:t>Änderungen</a:t>
+            </a:r>
+            <a:r>
+              <a:rPr lang="en-US" dirty="0"/>
+              <a:t> von CSS Properties </a:t>
+            </a:r>
+            <a:r>
+              <a:rPr lang="en-US" dirty="0" err="1"/>
+              <a:t>animieren</a:t>
+            </a:r>
+            <a:endParaRPr lang="en-US" dirty="0"/>
+          </a:p>
+          <a:p>
+            <a:r>
+              <a:rPr lang="en-US" dirty="0" err="1"/>
+              <a:t>Änderungen</a:t>
+            </a:r>
+            <a:r>
+              <a:rPr lang="en-US" dirty="0"/>
+              <a:t> </a:t>
+            </a:r>
+            <a:r>
+              <a:rPr lang="en-US" dirty="0" err="1"/>
+              <a:t>über</a:t>
+            </a:r>
+            <a:r>
+              <a:rPr lang="en-US" dirty="0"/>
+              <a:t> </a:t>
+            </a:r>
+            <a:r>
+              <a:rPr lang="en-US" dirty="0" err="1"/>
+              <a:t>Javascript</a:t>
+            </a:r>
+            <a:r>
+              <a:rPr lang="en-US" dirty="0"/>
+              <a:t> </a:t>
+            </a:r>
+            <a:r>
+              <a:rPr lang="en-US" dirty="0" err="1"/>
+              <a:t>oder</a:t>
+            </a:r>
+            <a:r>
+              <a:rPr lang="en-US" dirty="0"/>
+              <a:t> </a:t>
+            </a:r>
+            <a:r>
+              <a:rPr lang="en-US" dirty="0" err="1"/>
+              <a:t>Pseudoklassen</a:t>
+            </a:r>
+            <a:r>
+              <a:rPr lang="en-US" dirty="0"/>
+              <a:t> </a:t>
+            </a:r>
+            <a:r>
+              <a:rPr lang="en-US" dirty="0" err="1"/>
+              <a:t>möglich</a:t>
+            </a:r>
+            <a:endParaRPr lang="en-US" dirty="0"/>
+          </a:p>
+          <a:p>
+            <a:r>
+              <a:rPr lang="en-US" dirty="0"/>
+              <a:t>Animation </a:t>
+            </a:r>
+            <a:r>
+              <a:rPr lang="en-US" dirty="0" err="1"/>
+              <a:t>verzögert</a:t>
+            </a:r>
+            <a:r>
+              <a:rPr lang="en-US" dirty="0"/>
+              <a:t> </a:t>
+            </a:r>
+            <a:r>
+              <a:rPr lang="en-US" dirty="0" err="1"/>
+              <a:t>einsetzen</a:t>
+            </a:r>
+            <a:br>
+              <a:rPr lang="en-US" dirty="0"/>
+            </a:br>
+            <a:r>
+              <a:rPr lang="en-US" dirty="0" err="1"/>
+              <a:t>Bsp</a:t>
+            </a:r>
+            <a:r>
+              <a:rPr lang="en-US" dirty="0"/>
+              <a:t>: transition-delay: 1s</a:t>
+            </a:r>
+          </a:p>
+          <a:p>
+            <a:r>
+              <a:rPr lang="en-US" dirty="0">
+                <a:hlinkClick r:id="rId2"/>
+              </a:rPr>
+              <a:t>https://www.w3schools.com/css/css3_2dtransforms.asp</a:t>
+            </a:r>
+            <a:r>
+              <a:rPr lang="en-US" dirty="0"/>
+              <a:t> </a:t>
+            </a:r>
+          </a:p>
+          <a:p>
+            <a:endParaRPr lang="en-US" dirty="0"/>
+          </a:p>
+        </p:txBody>
+      </p:sp>
+      <p:sp>
+        <p:nvSpPr>
+          <p:cNvPr id="4" name="AutoShape 2" descr="Bootstrap">
+            <a:extLst>
+              <a:ext uri="{FF2B5EF4-FFF2-40B4-BE49-F238E27FC236}">
+                <a16:creationId xmlns:a16="http://schemas.microsoft.com/office/drawing/2014/main" id="{B2D97E5E-59AD-7A5C-6637-DC23FC432F7F}"/>
+              </a:ext>
+            </a:extLst>
+          </p:cNvPr>
+          <p:cNvSpPr>
+            <a:spLocks noChangeAspect="1" noChangeArrowheads="1"/>
+          </p:cNvSpPr>
+          <p:nvPr/>
+        </p:nvSpPr>
+        <p:spPr bwMode="auto">
+          <a:xfrm>
+            <a:off x="4962087" y="5038287"/>
+            <a:ext cx="2395057" cy="2395057"/>
+          </a:xfrm>
+          <a:prstGeom prst="rect">
+            <a:avLst/>
+          </a:prstGeom>
+          <a:noFill/>
+          <a:extLst>
+            <a:ext uri="{909E8E84-426E-40DD-AFC4-6F175D3DCCD1}">
+              <a14:hiddenFill xmlns:a14="http://schemas.microsoft.com/office/drawing/2010/main">
+                <a:solidFill>
+                  <a:srgbClr val="FFFFFF"/>
+                </a:solidFill>
+              </a14:hiddenFill>
+            </a:ext>
+          </a:extLst>
+        </p:spPr>
+        <p:txBody>
+          <a:bodyPr vert="horz" wrap="square" lIns="91440" tIns="45720" rIns="91440" bIns="45720" numCol="1" anchor="t" anchorCtr="0" compatLnSpc="1">
+            <a:prstTxWarp prst="textNoShape">
+              <a:avLst/>
+            </a:prstTxWarp>
+          </a:bodyPr>
+          <a:lstStyle/>
+          <a:p>
+            <a:endParaRPr lang="de-AT"/>
+          </a:p>
+        </p:txBody>
+      </p:sp>
+      <p:sp>
+        <p:nvSpPr>
+          <p:cNvPr id="6" name="AutoShape 4" descr="Bootstrap">
+            <a:extLst>
+              <a:ext uri="{FF2B5EF4-FFF2-40B4-BE49-F238E27FC236}">
+                <a16:creationId xmlns:a16="http://schemas.microsoft.com/office/drawing/2014/main" id="{AE19536E-7D3B-43B7-3C57-1A83E196D5BE}"/>
+              </a:ext>
+            </a:extLst>
+          </p:cNvPr>
+          <p:cNvSpPr>
+            <a:spLocks noChangeAspect="1" noChangeArrowheads="1"/>
+          </p:cNvSpPr>
+          <p:nvPr/>
+        </p:nvSpPr>
+        <p:spPr bwMode="auto">
+          <a:xfrm>
+            <a:off x="6096000" y="3429000"/>
+            <a:ext cx="304800" cy="304800"/>
+          </a:xfrm>
+          <a:prstGeom prst="rect">
+            <a:avLst/>
+          </a:prstGeom>
+          <a:noFill/>
+          <a:extLst>
+            <a:ext uri="{909E8E84-426E-40DD-AFC4-6F175D3DCCD1}">
+              <a14:hiddenFill xmlns:a14="http://schemas.microsoft.com/office/drawing/2010/main">
+                <a:solidFill>
+                  <a:srgbClr val="FFFFFF"/>
+                </a:solidFill>
+              </a14:hiddenFill>
+            </a:ext>
+          </a:extLst>
+        </p:spPr>
+        <p:txBody>
+          <a:bodyPr vert="horz" wrap="square" lIns="91440" tIns="45720" rIns="91440" bIns="45720" numCol="1" anchor="t" anchorCtr="0" compatLnSpc="1">
+            <a:prstTxWarp prst="textNoShape">
+              <a:avLst/>
+            </a:prstTxWarp>
+          </a:bodyPr>
+          <a:lstStyle/>
+          <a:p>
+            <a:endParaRPr lang="de-AT"/>
+          </a:p>
+        </p:txBody>
+      </p:sp>
+      <p:pic>
+        <p:nvPicPr>
+          <p:cNvPr id="14" name="Grafik 13">
+            <a:extLst>
+              <a:ext uri="{FF2B5EF4-FFF2-40B4-BE49-F238E27FC236}">
+                <a16:creationId xmlns:a16="http://schemas.microsoft.com/office/drawing/2014/main" id="{62A83448-13C0-F631-A98F-05BD8A4A3B54}"/>
+              </a:ext>
+            </a:extLst>
+          </p:cNvPr>
+          <p:cNvPicPr>
+            <a:picLocks noChangeAspect="1"/>
+          </p:cNvPicPr>
+          <p:nvPr/>
+        </p:nvPicPr>
+        <p:blipFill>
+          <a:blip r:embed="rId3"/>
+          <a:stretch>
+            <a:fillRect/>
+          </a:stretch>
+        </p:blipFill>
+        <p:spPr>
+          <a:xfrm>
+            <a:off x="8236257" y="1959295"/>
+            <a:ext cx="3515216" cy="2953162"/>
+          </a:xfrm>
+          <a:prstGeom prst="rect">
+            <a:avLst/>
+          </a:prstGeom>
+        </p:spPr>
+      </p:pic>
+    </p:spTree>
+    <p:extLst>
+      <p:ext uri="{BB962C8B-B14F-4D97-AF65-F5344CB8AC3E}">
+        <p14:creationId xmlns:p14="http://schemas.microsoft.com/office/powerpoint/2010/main" val="1094659076"/>
+      </p:ext>
+    </p:extLst>
+  </p:cSld>
+  <p:clrMapOvr>
+    <a:masterClrMapping/>
+  </p:clrMapOvr>
+  <p:timing>
+    <p:tnLst>
+      <p:par>
+        <p:cTn id="1" dur="indefinite" restart="never" nodeType="tmRoot">
+          <p:childTnLst>
+            <p:seq concurrent="1" nextAc="seek">
+              <p:cTn id="2" dur="indefinite" nodeType="mainSeq">
+                <p:childTnLst>
+                  <p:par>
+                    <p:cTn id="3" fill="hold">
+                      <p:stCondLst>
+                        <p:cond delay="indefinite"/>
+                      </p:stCondLst>
+                      <p:childTnLst>
+                        <p:par>
+                          <p:cTn id="4" fill="hold">
+                            <p:stCondLst>
+                              <p:cond delay="0"/>
+                            </p:stCondLst>
+                            <p:childTnLst>
+                              <p:par>
+                                <p:cTn id="5" presetID="10" presetClass="entr" presetSubtype="0" fill="hold" grpId="0" nodeType="clickEffect">
+                                  <p:stCondLst>
+                                    <p:cond delay="0"/>
+                                  </p:stCondLst>
+                                  <p:childTnLst>
+                                    <p:set>
+                                      <p:cBhvr>
+                                        <p:cTn id="6" dur="1" fill="hold">
+                                          <p:stCondLst>
+                                            <p:cond delay="0"/>
+                                          </p:stCondLst>
+                                        </p:cTn>
+                                        <p:tgtEl>
+                                          <p:spTgt spid="3">
+                                            <p:txEl>
+                                              <p:pRg st="0" end="0"/>
+                                            </p:txEl>
+                                          </p:spTgt>
+                                        </p:tgtEl>
+                                        <p:attrNameLst>
+                                          <p:attrName>style.visibility</p:attrName>
+                                        </p:attrNameLst>
+                                      </p:cBhvr>
+                                      <p:to>
+                                        <p:strVal val="visible"/>
+                                      </p:to>
+                                    </p:set>
+                                    <p:animEffect transition="in" filter="fade">
+                                      <p:cBhvr>
+                                        <p:cTn id="7" dur="500"/>
+                                        <p:tgtEl>
+                                          <p:spTgt spid="3">
+                                            <p:txEl>
+                                              <p:pRg st="0" end="0"/>
+                                            </p:txEl>
+                                          </p:spTgt>
+                                        </p:tgtEl>
+                                      </p:cBhvr>
+                                    </p:animEffect>
+                                  </p:childTnLst>
+                                </p:cTn>
+                              </p:par>
+                            </p:childTnLst>
+                          </p:cTn>
+                        </p:par>
+                      </p:childTnLst>
+                    </p:cTn>
+                  </p:par>
+                  <p:par>
+                    <p:cTn id="8" fill="hold">
+                      <p:stCondLst>
+                        <p:cond delay="indefinite"/>
+                      </p:stCondLst>
+                      <p:childTnLst>
+                        <p:par>
+                          <p:cTn id="9" fill="hold">
+                            <p:stCondLst>
+                              <p:cond delay="0"/>
+                            </p:stCondLst>
+                            <p:childTnLst>
+                              <p:par>
+                                <p:cTn id="10" presetID="10" presetClass="entr" presetSubtype="0" fill="hold" grpId="0" nodeType="clickEffect">
+                                  <p:stCondLst>
+                                    <p:cond delay="0"/>
+                                  </p:stCondLst>
+                                  <p:childTnLst>
+                                    <p:set>
+                                      <p:cBhvr>
+                                        <p:cTn id="11" dur="1" fill="hold">
+                                          <p:stCondLst>
+                                            <p:cond delay="0"/>
+                                          </p:stCondLst>
+                                        </p:cTn>
+                                        <p:tgtEl>
+                                          <p:spTgt spid="3">
+                                            <p:txEl>
+                                              <p:pRg st="1" end="1"/>
+                                            </p:txEl>
+                                          </p:spTgt>
+                                        </p:tgtEl>
+                                        <p:attrNameLst>
+                                          <p:attrName>style.visibility</p:attrName>
+                                        </p:attrNameLst>
+                                      </p:cBhvr>
+                                      <p:to>
+                                        <p:strVal val="visible"/>
+                                      </p:to>
+                                    </p:set>
+                                    <p:animEffect transition="in" filter="fade">
+                                      <p:cBhvr>
+                                        <p:cTn id="12" dur="500"/>
+                                        <p:tgtEl>
+                                          <p:spTgt spid="3">
+                                            <p:txEl>
+                                              <p:pRg st="1" end="1"/>
+                                            </p:txEl>
+                                          </p:spTgt>
+                                        </p:tgtEl>
+                                      </p:cBhvr>
+                                    </p:animEffect>
+                                  </p:childTnLst>
+                                </p:cTn>
+                              </p:par>
+                            </p:childTnLst>
+                          </p:cTn>
+                        </p:par>
+                      </p:childTnLst>
+                    </p:cTn>
+                  </p:par>
+                  <p:par>
+                    <p:cTn id="13" fill="hold">
+                      <p:stCondLst>
+                        <p:cond delay="indefinite"/>
+                      </p:stCondLst>
+                      <p:childTnLst>
+                        <p:par>
+                          <p:cTn id="14" fill="hold">
+                            <p:stCondLst>
+                              <p:cond delay="0"/>
+                            </p:stCondLst>
+                            <p:childTnLst>
+                              <p:par>
+                                <p:cTn id="15" presetID="10" presetClass="entr" presetSubtype="0" fill="hold" grpId="0" nodeType="clickEffect">
+                                  <p:stCondLst>
+                                    <p:cond delay="0"/>
+                                  </p:stCondLst>
+                                  <p:childTnLst>
+                                    <p:set>
+                                      <p:cBhvr>
+                                        <p:cTn id="16" dur="1" fill="hold">
+                                          <p:stCondLst>
+                                            <p:cond delay="0"/>
+                                          </p:stCondLst>
+                                        </p:cTn>
+                                        <p:tgtEl>
+                                          <p:spTgt spid="3">
+                                            <p:txEl>
+                                              <p:pRg st="2" end="2"/>
+                                            </p:txEl>
+                                          </p:spTgt>
+                                        </p:tgtEl>
+                                        <p:attrNameLst>
+                                          <p:attrName>style.visibility</p:attrName>
+                                        </p:attrNameLst>
+                                      </p:cBhvr>
+                                      <p:to>
+                                        <p:strVal val="visible"/>
+                                      </p:to>
+                                    </p:set>
+                                    <p:animEffect transition="in" filter="fade">
+                                      <p:cBhvr>
+                                        <p:cTn id="17" dur="500"/>
+                                        <p:tgtEl>
+                                          <p:spTgt spid="3">
+                                            <p:txEl>
+                                              <p:pRg st="2" end="2"/>
+                                            </p:txEl>
+                                          </p:spTgt>
+                                        </p:tgtEl>
+                                      </p:cBhvr>
+                                    </p:animEffect>
+                                  </p:childTnLst>
+                                </p:cTn>
+                              </p:par>
+                            </p:childTnLst>
+                          </p:cTn>
+                        </p:par>
+                      </p:childTnLst>
+                    </p:cTn>
+                  </p:par>
+                  <p:par>
+                    <p:cTn id="18" fill="hold">
+                      <p:stCondLst>
+                        <p:cond delay="indefinite"/>
+                      </p:stCondLst>
+                      <p:childTnLst>
+                        <p:par>
+                          <p:cTn id="19" fill="hold">
+                            <p:stCondLst>
+                              <p:cond delay="0"/>
+                            </p:stCondLst>
+                            <p:childTnLst>
+                              <p:par>
+                                <p:cTn id="20" presetID="10" presetClass="entr" presetSubtype="0" fill="hold" grpId="0" nodeType="clickEffect">
+                                  <p:stCondLst>
+                                    <p:cond delay="0"/>
+                                  </p:stCondLst>
+                                  <p:childTnLst>
+                                    <p:set>
+                                      <p:cBhvr>
+                                        <p:cTn id="21" dur="1" fill="hold">
+                                          <p:stCondLst>
+                                            <p:cond delay="0"/>
+                                          </p:stCondLst>
+                                        </p:cTn>
+                                        <p:tgtEl>
+                                          <p:spTgt spid="3">
+                                            <p:txEl>
+                                              <p:pRg st="3" end="3"/>
+                                            </p:txEl>
+                                          </p:spTgt>
+                                        </p:tgtEl>
+                                        <p:attrNameLst>
+                                          <p:attrName>style.visibility</p:attrName>
+                                        </p:attrNameLst>
+                                      </p:cBhvr>
+                                      <p:to>
+                                        <p:strVal val="visible"/>
+                                      </p:to>
+                                    </p:set>
+                                    <p:animEffect transition="in" filter="fade">
+                                      <p:cBhvr>
+                                        <p:cTn id="22" dur="500"/>
+                                        <p:tgtEl>
+                                          <p:spTgt spid="3">
+                                            <p:txEl>
+                                              <p:pRg st="3" end="3"/>
+                                            </p:txEl>
+                                          </p:spTgt>
+                                        </p:tgtEl>
+                                      </p:cBhvr>
+                                    </p:animEffect>
+                                  </p:childTnLst>
+                                </p:cTn>
+                              </p:par>
+                            </p:childTnLst>
+                          </p:cTn>
+                        </p:par>
+                      </p:childTnLst>
+                    </p:cTn>
+                  </p:par>
+                </p:childTnLst>
+              </p:cTn>
+              <p:prevCondLst>
+                <p:cond evt="onPrev" delay="0">
+                  <p:tgtEl>
+                    <p:sldTgt/>
+                  </p:tgtEl>
+                </p:cond>
+              </p:prevCondLst>
+              <p:nextCondLst>
+                <p:cond evt="onNext" delay="0">
+                  <p:tgtEl>
+                    <p:sldTgt/>
+                  </p:tgtEl>
+                </p:cond>
+              </p:nextCondLst>
+            </p:seq>
+          </p:childTnLst>
+        </p:cTn>
+      </p:par>
+    </p:tnLst>
+    <p:bldLst>
+      <p:bldP spid="3" grpId="0" build="p"/>
+    </p:bldLst>
+  </p:timing>
+</p:sld>
+</file>
+
+<file path=ppt/slides/slide7.xml><?xml version="1.0" encoding="utf-8"?>
+<p:sld xmlns:a="http://schemas.openxmlformats.org/drawingml/2006/main" xmlns:r="http://schemas.openxmlformats.org/officeDocument/2006/relationships" xmlns:p="http://schemas.openxmlformats.org/presentationml/2006/main">
+  <p:cSld>
+    <p:spTree>
+      <p:nvGrpSpPr>
+        <p:cNvPr id="1" name=""/>
+        <p:cNvGrpSpPr/>
+        <p:nvPr/>
+      </p:nvGrpSpPr>
+      <p:grpSpPr>
+        <a:xfrm>
+          <a:off x="0" y="0"/>
+          <a:ext cx="0" cy="0"/>
+          <a:chOff x="0" y="0"/>
+          <a:chExt cx="0" cy="0"/>
+        </a:xfrm>
+      </p:grpSpPr>
+      <p:sp>
+        <p:nvSpPr>
+          <p:cNvPr id="2" name="Titel 1">
+            <a:extLst>
+              <a:ext uri="{FF2B5EF4-FFF2-40B4-BE49-F238E27FC236}">
+                <a16:creationId xmlns:a16="http://schemas.microsoft.com/office/drawing/2014/main" id="{A71149DC-9D6B-A568-CC88-0C9834BEA39F}"/>
+              </a:ext>
+            </a:extLst>
+          </p:cNvPr>
+          <p:cNvSpPr>
+            <a:spLocks noGrp="1"/>
+          </p:cNvSpPr>
+          <p:nvPr>
+            <p:ph type="title"/>
+          </p:nvPr>
+        </p:nvSpPr>
+        <p:spPr>
+          <a:xfrm>
+            <a:off x="1078463" y="461865"/>
+            <a:ext cx="8915402" cy="1371600"/>
+          </a:xfrm>
+        </p:spPr>
+        <p:txBody>
+          <a:bodyPr/>
+          <a:lstStyle/>
+          <a:p>
+            <a:r>
+              <a:rPr lang="de-AT" dirty="0"/>
+              <a:t>CSS – Transition Timing</a:t>
+            </a:r>
+          </a:p>
+        </p:txBody>
+      </p:sp>
+      <p:sp>
+        <p:nvSpPr>
+          <p:cNvPr id="3" name="Inhaltsplatzhalter 2">
+            <a:extLst>
+              <a:ext uri="{FF2B5EF4-FFF2-40B4-BE49-F238E27FC236}">
+                <a16:creationId xmlns:a16="http://schemas.microsoft.com/office/drawing/2014/main" id="{4A5BE335-D373-C792-A4ED-E35F6905E567}"/>
+              </a:ext>
+            </a:extLst>
+          </p:cNvPr>
+          <p:cNvSpPr>
+            <a:spLocks noGrp="1"/>
+          </p:cNvSpPr>
+          <p:nvPr>
+            <p:ph idx="1"/>
+          </p:nvPr>
+        </p:nvSpPr>
+        <p:spPr>
+          <a:xfrm>
+            <a:off x="844953" y="1819713"/>
+            <a:ext cx="6944810" cy="5171396"/>
+          </a:xfrm>
+        </p:spPr>
+        <p:txBody>
+          <a:bodyPr vert="horz" lIns="91440" tIns="45720" rIns="91440" bIns="45720" rtlCol="0">
+            <a:normAutofit/>
+          </a:bodyPr>
+          <a:lstStyle/>
+          <a:p>
+            <a:r>
+              <a:rPr lang="en-US" dirty="0"/>
+              <a:t>The transition-timing-function property specifies the speed curve of the transition effect.</a:t>
+            </a:r>
+          </a:p>
+          <a:p>
+            <a:r>
+              <a:rPr lang="en-US" dirty="0"/>
+              <a:t>The transition-timing-function property can have the following values:</a:t>
+            </a:r>
+          </a:p>
+          <a:p>
+            <a:pPr lvl="1"/>
+            <a:r>
+              <a:rPr lang="en-US" dirty="0"/>
+              <a:t>ease - specifies a transition effect with a slow start, then fast, then end slowly (this is default)</a:t>
+            </a:r>
+          </a:p>
+          <a:p>
+            <a:pPr lvl="1"/>
+            <a:r>
+              <a:rPr lang="en-US" dirty="0"/>
+              <a:t>linear - specifies a transition effect with the same speed from start to end</a:t>
+            </a:r>
+          </a:p>
+          <a:p>
+            <a:pPr lvl="1"/>
+            <a:r>
+              <a:rPr lang="en-US" dirty="0"/>
+              <a:t>ease-in - specifies a transition effect with a slow start</a:t>
+            </a:r>
+          </a:p>
+          <a:p>
+            <a:pPr lvl="1"/>
+            <a:r>
+              <a:rPr lang="en-US" dirty="0"/>
+              <a:t>ease-out - specifies a transition effect with a slow end</a:t>
+            </a:r>
+          </a:p>
+          <a:p>
+            <a:pPr lvl="1"/>
+            <a:r>
+              <a:rPr lang="en-US" dirty="0"/>
+              <a:t>ease-in-out - specifies a transition effect with a slow start and end</a:t>
+            </a:r>
+          </a:p>
+          <a:p>
+            <a:pPr lvl="1"/>
+            <a:r>
+              <a:rPr lang="en-US" dirty="0"/>
+              <a:t>cubic-</a:t>
+            </a:r>
+            <a:r>
+              <a:rPr lang="en-US" dirty="0" err="1"/>
+              <a:t>bezier</a:t>
+            </a:r>
+            <a:r>
+              <a:rPr lang="en-US" dirty="0"/>
+              <a:t>(</a:t>
+            </a:r>
+            <a:r>
+              <a:rPr lang="en-US" dirty="0" err="1"/>
+              <a:t>n,n,n,n</a:t>
+            </a:r>
+            <a:r>
+              <a:rPr lang="en-US" dirty="0"/>
+              <a:t>) - lets you define your own values in a cubic-</a:t>
+            </a:r>
+            <a:r>
+              <a:rPr lang="en-US" dirty="0" err="1"/>
+              <a:t>bezier</a:t>
+            </a:r>
+            <a:r>
+              <a:rPr lang="en-US" dirty="0"/>
+              <a:t> function</a:t>
+            </a:r>
+          </a:p>
+          <a:p>
+            <a:endParaRPr lang="en-US" dirty="0"/>
+          </a:p>
+        </p:txBody>
+      </p:sp>
+      <p:sp>
+        <p:nvSpPr>
+          <p:cNvPr id="4" name="AutoShape 2" descr="Bootstrap">
+            <a:extLst>
+              <a:ext uri="{FF2B5EF4-FFF2-40B4-BE49-F238E27FC236}">
+                <a16:creationId xmlns:a16="http://schemas.microsoft.com/office/drawing/2014/main" id="{B2D97E5E-59AD-7A5C-6637-DC23FC432F7F}"/>
+              </a:ext>
+            </a:extLst>
+          </p:cNvPr>
+          <p:cNvSpPr>
+            <a:spLocks noChangeAspect="1" noChangeArrowheads="1"/>
+          </p:cNvSpPr>
+          <p:nvPr/>
+        </p:nvSpPr>
+        <p:spPr bwMode="auto">
+          <a:xfrm>
+            <a:off x="4962087" y="5038287"/>
+            <a:ext cx="2395057" cy="2395057"/>
+          </a:xfrm>
+          <a:prstGeom prst="rect">
+            <a:avLst/>
+          </a:prstGeom>
+          <a:noFill/>
+          <a:extLst>
+            <a:ext uri="{909E8E84-426E-40DD-AFC4-6F175D3DCCD1}">
+              <a14:hiddenFill xmlns:a14="http://schemas.microsoft.com/office/drawing/2010/main">
+                <a:solidFill>
+                  <a:srgbClr val="FFFFFF"/>
+                </a:solidFill>
+              </a14:hiddenFill>
+            </a:ext>
+          </a:extLst>
+        </p:spPr>
+        <p:txBody>
+          <a:bodyPr vert="horz" wrap="square" lIns="91440" tIns="45720" rIns="91440" bIns="45720" numCol="1" anchor="t" anchorCtr="0" compatLnSpc="1">
+            <a:prstTxWarp prst="textNoShape">
+              <a:avLst/>
+            </a:prstTxWarp>
+          </a:bodyPr>
+          <a:lstStyle/>
+          <a:p>
+            <a:endParaRPr lang="de-AT"/>
+          </a:p>
+        </p:txBody>
+      </p:sp>
+      <p:sp>
+        <p:nvSpPr>
+          <p:cNvPr id="6" name="AutoShape 4" descr="Bootstrap">
+            <a:extLst>
+              <a:ext uri="{FF2B5EF4-FFF2-40B4-BE49-F238E27FC236}">
+                <a16:creationId xmlns:a16="http://schemas.microsoft.com/office/drawing/2014/main" id="{AE19536E-7D3B-43B7-3C57-1A83E196D5BE}"/>
+              </a:ext>
+            </a:extLst>
+          </p:cNvPr>
+          <p:cNvSpPr>
+            <a:spLocks noChangeAspect="1" noChangeArrowheads="1"/>
+          </p:cNvSpPr>
+          <p:nvPr/>
+        </p:nvSpPr>
+        <p:spPr bwMode="auto">
+          <a:xfrm>
+            <a:off x="6096000" y="3429000"/>
+            <a:ext cx="304800" cy="304800"/>
+          </a:xfrm>
+          <a:prstGeom prst="rect">
+            <a:avLst/>
+          </a:prstGeom>
+          <a:noFill/>
+          <a:extLst>
+            <a:ext uri="{909E8E84-426E-40DD-AFC4-6F175D3DCCD1}">
+              <a14:hiddenFill xmlns:a14="http://schemas.microsoft.com/office/drawing/2010/main">
+                <a:solidFill>
+                  <a:srgbClr val="FFFFFF"/>
+                </a:solidFill>
+              </a14:hiddenFill>
+            </a:ext>
+          </a:extLst>
+        </p:spPr>
+        <p:txBody>
+          <a:bodyPr vert="horz" wrap="square" lIns="91440" tIns="45720" rIns="91440" bIns="45720" numCol="1" anchor="t" anchorCtr="0" compatLnSpc="1">
+            <a:prstTxWarp prst="textNoShape">
+              <a:avLst/>
+            </a:prstTxWarp>
+          </a:bodyPr>
+          <a:lstStyle/>
+          <a:p>
+            <a:endParaRPr lang="de-AT"/>
+          </a:p>
+        </p:txBody>
+      </p:sp>
+      <p:pic>
+        <p:nvPicPr>
+          <p:cNvPr id="10" name="Grafik 9">
+            <a:extLst>
+              <a:ext uri="{FF2B5EF4-FFF2-40B4-BE49-F238E27FC236}">
+                <a16:creationId xmlns:a16="http://schemas.microsoft.com/office/drawing/2014/main" id="{D05407AA-7994-8CC0-176C-322F8B0CD907}"/>
+              </a:ext>
+            </a:extLst>
+          </p:cNvPr>
+          <p:cNvPicPr>
+            <a:picLocks noChangeAspect="1"/>
+          </p:cNvPicPr>
+          <p:nvPr/>
+        </p:nvPicPr>
+        <p:blipFill>
+          <a:blip r:embed="rId3"/>
+          <a:srcRect t="3138"/>
+          <a:stretch/>
+        </p:blipFill>
+        <p:spPr>
+          <a:xfrm>
+            <a:off x="8195791" y="2349661"/>
+            <a:ext cx="3313301" cy="1539433"/>
+          </a:xfrm>
+          <a:prstGeom prst="rect">
+            <a:avLst/>
+          </a:prstGeom>
+        </p:spPr>
+      </p:pic>
+    </p:spTree>
+    <p:extLst>
+      <p:ext uri="{BB962C8B-B14F-4D97-AF65-F5344CB8AC3E}">
+        <p14:creationId xmlns:p14="http://schemas.microsoft.com/office/powerpoint/2010/main" val="1645163463"/>
+      </p:ext>
+    </p:extLst>
+  </p:cSld>
+  <p:clrMapOvr>
+    <a:masterClrMapping/>
+  </p:clrMapOvr>
+  <p:timing>
+    <p:tnLst>
+      <p:par>
+        <p:cTn id="1" dur="indefinite" restart="never" nodeType="tmRoot">
+          <p:childTnLst>
+            <p:seq concurrent="1" nextAc="seek">
+              <p:cTn id="2" dur="indefinite" nodeType="mainSeq">
+                <p:childTnLst>
+                  <p:par>
+                    <p:cTn id="3" fill="hold">
+                      <p:stCondLst>
+                        <p:cond delay="indefinite"/>
+                      </p:stCondLst>
+                      <p:childTnLst>
+                        <p:par>
+                          <p:cTn id="4" fill="hold">
+                            <p:stCondLst>
+                              <p:cond delay="0"/>
+                            </p:stCondLst>
+                            <p:childTnLst>
+                              <p:par>
+                                <p:cTn id="5" presetID="10" presetClass="entr" presetSubtype="0" fill="hold" grpId="0" nodeType="clickEffect">
+                                  <p:stCondLst>
+                                    <p:cond delay="0"/>
+                                  </p:stCondLst>
+                                  <p:childTnLst>
+                                    <p:set>
+                                      <p:cBhvr>
+                                        <p:cTn id="6" dur="1" fill="hold">
+                                          <p:stCondLst>
+                                            <p:cond delay="0"/>
+                                          </p:stCondLst>
+                                        </p:cTn>
+                                        <p:tgtEl>
+                                          <p:spTgt spid="3">
+                                            <p:txEl>
+                                              <p:pRg st="0" end="0"/>
+                                            </p:txEl>
+                                          </p:spTgt>
+                                        </p:tgtEl>
+                                        <p:attrNameLst>
+                                          <p:attrName>style.visibility</p:attrName>
+                                        </p:attrNameLst>
+                                      </p:cBhvr>
+                                      <p:to>
+                                        <p:strVal val="visible"/>
+                                      </p:to>
+                                    </p:set>
+                                    <p:animEffect transition="in" filter="fade">
+                                      <p:cBhvr>
+                                        <p:cTn id="7" dur="500"/>
+                                        <p:tgtEl>
+                                          <p:spTgt spid="3">
+                                            <p:txEl>
+                                              <p:pRg st="0" end="0"/>
+                                            </p:txEl>
+                                          </p:spTgt>
+                                        </p:tgtEl>
+                                      </p:cBhvr>
+                                    </p:animEffect>
+                                  </p:childTnLst>
+                                </p:cTn>
+                              </p:par>
+                            </p:childTnLst>
+                          </p:cTn>
+                        </p:par>
+                      </p:childTnLst>
+                    </p:cTn>
+                  </p:par>
+                  <p:par>
+                    <p:cTn id="8" fill="hold">
+                      <p:stCondLst>
+                        <p:cond delay="indefinite"/>
+                      </p:stCondLst>
+                      <p:childTnLst>
+                        <p:par>
+                          <p:cTn id="9" fill="hold">
+                            <p:stCondLst>
+                              <p:cond delay="0"/>
+                            </p:stCondLst>
+                            <p:childTnLst>
+                              <p:par>
+                                <p:cTn id="10" presetID="10" presetClass="entr" presetSubtype="0" fill="hold" grpId="0" nodeType="clickEffect">
+                                  <p:stCondLst>
+                                    <p:cond delay="0"/>
+                                  </p:stCondLst>
+                                  <p:childTnLst>
+                                    <p:set>
+                                      <p:cBhvr>
+                                        <p:cTn id="11" dur="1" fill="hold">
+                                          <p:stCondLst>
+                                            <p:cond delay="0"/>
+                                          </p:stCondLst>
+                                        </p:cTn>
+                                        <p:tgtEl>
+                                          <p:spTgt spid="3">
+                                            <p:txEl>
+                                              <p:pRg st="1" end="1"/>
+                                            </p:txEl>
+                                          </p:spTgt>
+                                        </p:tgtEl>
+                                        <p:attrNameLst>
+                                          <p:attrName>style.visibility</p:attrName>
+                                        </p:attrNameLst>
+                                      </p:cBhvr>
+                                      <p:to>
+                                        <p:strVal val="visible"/>
+                                      </p:to>
+                                    </p:set>
+                                    <p:animEffect transition="in" filter="fade">
+                                      <p:cBhvr>
+                                        <p:cTn id="12" dur="500"/>
+                                        <p:tgtEl>
+                                          <p:spTgt spid="3">
+                                            <p:txEl>
+                                              <p:pRg st="1" end="1"/>
+                                            </p:txEl>
+                                          </p:spTgt>
+                                        </p:tgtEl>
+                                      </p:cBhvr>
+                                    </p:animEffect>
+                                  </p:childTnLst>
+                                </p:cTn>
+                              </p:par>
+                              <p:par>
+                                <p:cTn id="13" presetID="10" presetClass="entr" presetSubtype="0" fill="hold" grpId="0" nodeType="withEffect">
+                                  <p:stCondLst>
+                                    <p:cond delay="0"/>
+                                  </p:stCondLst>
+                                  <p:childTnLst>
+                                    <p:set>
+                                      <p:cBhvr>
+                                        <p:cTn id="14" dur="1" fill="hold">
+                                          <p:stCondLst>
+                                            <p:cond delay="0"/>
+                                          </p:stCondLst>
+                                        </p:cTn>
+                                        <p:tgtEl>
+                                          <p:spTgt spid="3">
+                                            <p:txEl>
+                                              <p:pRg st="2" end="2"/>
+                                            </p:txEl>
+                                          </p:spTgt>
+                                        </p:tgtEl>
+                                        <p:attrNameLst>
+                                          <p:attrName>style.visibility</p:attrName>
+                                        </p:attrNameLst>
+                                      </p:cBhvr>
+                                      <p:to>
+                                        <p:strVal val="visible"/>
+                                      </p:to>
+                                    </p:set>
+                                    <p:animEffect transition="in" filter="fade">
+                                      <p:cBhvr>
+                                        <p:cTn id="15" dur="500"/>
+                                        <p:tgtEl>
+                                          <p:spTgt spid="3">
+                                            <p:txEl>
+                                              <p:pRg st="2" end="2"/>
+                                            </p:txEl>
+                                          </p:spTgt>
+                                        </p:tgtEl>
+                                      </p:cBhvr>
+                                    </p:animEffect>
+                                  </p:childTnLst>
+                                </p:cTn>
+                              </p:par>
+                              <p:par>
+                                <p:cTn id="16" presetID="10" presetClass="entr" presetSubtype="0" fill="hold" grpId="0" nodeType="withEffect">
+                                  <p:stCondLst>
+                                    <p:cond delay="0"/>
+                                  </p:stCondLst>
+                                  <p:childTnLst>
+                                    <p:set>
+                                      <p:cBhvr>
+                                        <p:cTn id="17" dur="1" fill="hold">
+                                          <p:stCondLst>
+                                            <p:cond delay="0"/>
+                                          </p:stCondLst>
+                                        </p:cTn>
+                                        <p:tgtEl>
+                                          <p:spTgt spid="3">
+                                            <p:txEl>
+                                              <p:pRg st="3" end="3"/>
+                                            </p:txEl>
+                                          </p:spTgt>
+                                        </p:tgtEl>
+                                        <p:attrNameLst>
+                                          <p:attrName>style.visibility</p:attrName>
+                                        </p:attrNameLst>
+                                      </p:cBhvr>
+                                      <p:to>
+                                        <p:strVal val="visible"/>
+                                      </p:to>
+                                    </p:set>
+                                    <p:animEffect transition="in" filter="fade">
+                                      <p:cBhvr>
+                                        <p:cTn id="18" dur="500"/>
+                                        <p:tgtEl>
+                                          <p:spTgt spid="3">
+                                            <p:txEl>
+                                              <p:pRg st="3" end="3"/>
+                                            </p:txEl>
+                                          </p:spTgt>
+                                        </p:tgtEl>
+                                      </p:cBhvr>
+                                    </p:animEffect>
+                                  </p:childTnLst>
+                                </p:cTn>
+                              </p:par>
+                              <p:par>
+                                <p:cTn id="19" presetID="10" presetClass="entr" presetSubtype="0" fill="hold" grpId="0" nodeType="withEffect">
+                                  <p:stCondLst>
+                                    <p:cond delay="0"/>
+                                  </p:stCondLst>
+                                  <p:childTnLst>
+                                    <p:set>
+                                      <p:cBhvr>
+                                        <p:cTn id="20" dur="1" fill="hold">
+                                          <p:stCondLst>
+                                            <p:cond delay="0"/>
+                                          </p:stCondLst>
+                                        </p:cTn>
+                                        <p:tgtEl>
+                                          <p:spTgt spid="3">
+                                            <p:txEl>
+                                              <p:pRg st="4" end="4"/>
+                                            </p:txEl>
+                                          </p:spTgt>
+                                        </p:tgtEl>
+                                        <p:attrNameLst>
+                                          <p:attrName>style.visibility</p:attrName>
+                                        </p:attrNameLst>
+                                      </p:cBhvr>
+                                      <p:to>
+                                        <p:strVal val="visible"/>
+                                      </p:to>
+                                    </p:set>
+                                    <p:animEffect transition="in" filter="fade">
+                                      <p:cBhvr>
+                                        <p:cTn id="21" dur="500"/>
+                                        <p:tgtEl>
+                                          <p:spTgt spid="3">
+                                            <p:txEl>
+                                              <p:pRg st="4" end="4"/>
+                                            </p:txEl>
+                                          </p:spTgt>
+                                        </p:tgtEl>
+                                      </p:cBhvr>
+                                    </p:animEffect>
+                                  </p:childTnLst>
+                                </p:cTn>
+                              </p:par>
+                              <p:par>
+                                <p:cTn id="22" presetID="10" presetClass="entr" presetSubtype="0" fill="hold" grpId="0" nodeType="withEffect">
+                                  <p:stCondLst>
+                                    <p:cond delay="0"/>
+                                  </p:stCondLst>
+                                  <p:childTnLst>
+                                    <p:set>
+                                      <p:cBhvr>
+                                        <p:cTn id="23" dur="1" fill="hold">
+                                          <p:stCondLst>
+                                            <p:cond delay="0"/>
+                                          </p:stCondLst>
+                                        </p:cTn>
+                                        <p:tgtEl>
+                                          <p:spTgt spid="3">
+                                            <p:txEl>
+                                              <p:pRg st="5" end="5"/>
+                                            </p:txEl>
+                                          </p:spTgt>
+                                        </p:tgtEl>
+                                        <p:attrNameLst>
+                                          <p:attrName>style.visibility</p:attrName>
+                                        </p:attrNameLst>
+                                      </p:cBhvr>
+                                      <p:to>
+                                        <p:strVal val="visible"/>
+                                      </p:to>
+                                    </p:set>
+                                    <p:animEffect transition="in" filter="fade">
+                                      <p:cBhvr>
+                                        <p:cTn id="24" dur="500"/>
+                                        <p:tgtEl>
+                                          <p:spTgt spid="3">
+                                            <p:txEl>
+                                              <p:pRg st="5" end="5"/>
+                                            </p:txEl>
+                                          </p:spTgt>
+                                        </p:tgtEl>
+                                      </p:cBhvr>
+                                    </p:animEffect>
+                                  </p:childTnLst>
+                                </p:cTn>
+                              </p:par>
+                              <p:par>
+                                <p:cTn id="25" presetID="10" presetClass="entr" presetSubtype="0" fill="hold" grpId="0" nodeType="withEffect">
+                                  <p:stCondLst>
+                                    <p:cond delay="0"/>
+                                  </p:stCondLst>
+                                  <p:childTnLst>
+                                    <p:set>
+                                      <p:cBhvr>
+                                        <p:cTn id="26" dur="1" fill="hold">
+                                          <p:stCondLst>
+                                            <p:cond delay="0"/>
+                                          </p:stCondLst>
+                                        </p:cTn>
+                                        <p:tgtEl>
+                                          <p:spTgt spid="3">
+                                            <p:txEl>
+                                              <p:pRg st="6" end="6"/>
+                                            </p:txEl>
+                                          </p:spTgt>
+                                        </p:tgtEl>
+                                        <p:attrNameLst>
+                                          <p:attrName>style.visibility</p:attrName>
+                                        </p:attrNameLst>
+                                      </p:cBhvr>
+                                      <p:to>
+                                        <p:strVal val="visible"/>
+                                      </p:to>
+                                    </p:set>
+                                    <p:animEffect transition="in" filter="fade">
+                                      <p:cBhvr>
+                                        <p:cTn id="27" dur="500"/>
+                                        <p:tgtEl>
+                                          <p:spTgt spid="3">
+                                            <p:txEl>
+                                              <p:pRg st="6" end="6"/>
+                                            </p:txEl>
+                                          </p:spTgt>
+                                        </p:tgtEl>
+                                      </p:cBhvr>
+                                    </p:animEffect>
+                                  </p:childTnLst>
+                                </p:cTn>
+                              </p:par>
+                              <p:par>
+                                <p:cTn id="28" presetID="10" presetClass="entr" presetSubtype="0" fill="hold" grpId="0" nodeType="withEffect">
+                                  <p:stCondLst>
+                                    <p:cond delay="0"/>
+                                  </p:stCondLst>
+                                  <p:childTnLst>
+                                    <p:set>
+                                      <p:cBhvr>
+                                        <p:cTn id="29" dur="1" fill="hold">
+                                          <p:stCondLst>
+                                            <p:cond delay="0"/>
+                                          </p:stCondLst>
+                                        </p:cTn>
+                                        <p:tgtEl>
+                                          <p:spTgt spid="3">
+                                            <p:txEl>
+                                              <p:pRg st="7" end="7"/>
+                                            </p:txEl>
+                                          </p:spTgt>
+                                        </p:tgtEl>
+                                        <p:attrNameLst>
+                                          <p:attrName>style.visibility</p:attrName>
+                                        </p:attrNameLst>
+                                      </p:cBhvr>
+                                      <p:to>
+                                        <p:strVal val="visible"/>
+                                      </p:to>
+                                    </p:set>
+                                    <p:animEffect transition="in" filter="fade">
+                                      <p:cBhvr>
+                                        <p:cTn id="30" dur="500"/>
+                                        <p:tgtEl>
+                                          <p:spTgt spid="3">
+                                            <p:txEl>
+                                              <p:pRg st="7" end="7"/>
+                                            </p:txEl>
+                                          </p:spTgt>
+                                        </p:tgtEl>
+                                      </p:cBhvr>
+                                    </p:animEffect>
+                                  </p:childTnLst>
+                                </p:cTn>
+                              </p:par>
+                            </p:childTnLst>
+                          </p:cTn>
+                        </p:par>
+                      </p:childTnLst>
+                    </p:cTn>
+                  </p:par>
+                </p:childTnLst>
+              </p:cTn>
+              <p:prevCondLst>
+                <p:cond evt="onPrev" delay="0">
+                  <p:tgtEl>
+                    <p:sldTgt/>
+                  </p:tgtEl>
+                </p:cond>
+              </p:prevCondLst>
+              <p:nextCondLst>
+                <p:cond evt="onNext" delay="0">
+                  <p:tgtEl>
+                    <p:sldTgt/>
+                  </p:tgtEl>
+                </p:cond>
+              </p:nextCondLst>
+            </p:seq>
+          </p:childTnLst>
+        </p:cTn>
+      </p:par>
+    </p:tnLst>
+    <p:bldLst>
+      <p:bldP spid="3" grpId="0" build="p"/>
+    </p:bldLst>
+  </p:timing>
+</p:sld>
+</file>
+
+<file path=ppt/slides/slide8.xml><?xml version="1.0" encoding="utf-8"?>
+<p:sld xmlns:a="http://schemas.openxmlformats.org/drawingml/2006/main" xmlns:r="http://schemas.openxmlformats.org/officeDocument/2006/relationships" xmlns:p="http://schemas.openxmlformats.org/presentationml/2006/main">
+  <p:cSld>
+    <p:spTree>
+      <p:nvGrpSpPr>
+        <p:cNvPr id="1" name=""/>
+        <p:cNvGrpSpPr/>
+        <p:nvPr/>
+      </p:nvGrpSpPr>
+      <p:grpSpPr>
+        <a:xfrm>
+          <a:off x="0" y="0"/>
+          <a:ext cx="0" cy="0"/>
+          <a:chOff x="0" y="0"/>
+          <a:chExt cx="0" cy="0"/>
+        </a:xfrm>
+      </p:grpSpPr>
+      <p:sp>
+        <p:nvSpPr>
+          <p:cNvPr id="2" name="Titel 1">
+            <a:extLst>
+              <a:ext uri="{FF2B5EF4-FFF2-40B4-BE49-F238E27FC236}">
+                <a16:creationId xmlns:a16="http://schemas.microsoft.com/office/drawing/2014/main" id="{A71149DC-9D6B-A568-CC88-0C9834BEA39F}"/>
+              </a:ext>
+            </a:extLst>
+          </p:cNvPr>
+          <p:cNvSpPr>
+            <a:spLocks noGrp="1"/>
+          </p:cNvSpPr>
+          <p:nvPr>
+            <p:ph type="title"/>
+          </p:nvPr>
+        </p:nvSpPr>
+        <p:spPr/>
+        <p:txBody>
+          <a:bodyPr/>
+          <a:lstStyle/>
+          <a:p>
+            <a:r>
+              <a:rPr lang="de-AT" dirty="0"/>
+              <a:t>CSS – 3D Transition Übung</a:t>
+            </a:r>
+          </a:p>
+        </p:txBody>
+      </p:sp>
+      <p:sp>
+        <p:nvSpPr>
+          <p:cNvPr id="11" name="Inhaltsplatzhalter 10">
+            <a:extLst>
+              <a:ext uri="{FF2B5EF4-FFF2-40B4-BE49-F238E27FC236}">
+                <a16:creationId xmlns:a16="http://schemas.microsoft.com/office/drawing/2014/main" id="{D7373EF4-F119-5D6B-AE97-9233250A2331}"/>
+              </a:ext>
+            </a:extLst>
+          </p:cNvPr>
+          <p:cNvSpPr>
+            <a:spLocks noGrp="1"/>
+          </p:cNvSpPr>
+          <p:nvPr>
+            <p:ph idx="1"/>
+          </p:nvPr>
+        </p:nvSpPr>
+        <p:spPr>
+          <a:xfrm>
+            <a:off x="1078464" y="1833465"/>
+            <a:ext cx="9118832" cy="4137259"/>
+          </a:xfrm>
+        </p:spPr>
+        <p:txBody>
+          <a:bodyPr/>
+          <a:lstStyle/>
+          <a:p>
+            <a:r>
+              <a:rPr lang="de-DE" dirty="0"/>
+              <a:t>Schreibe Code um 1 Box zu erzeugen die beim </a:t>
+            </a:r>
+            <a:r>
+              <a:rPr lang="de-DE" dirty="0" err="1"/>
+              <a:t>hovern</a:t>
+            </a:r>
+            <a:r>
+              <a:rPr lang="de-DE" dirty="0"/>
+              <a:t> die Farbe wechselt (grün auf rot) und gleichzeitig doppelt so groß wird</a:t>
+            </a:r>
+            <a:endParaRPr lang="de-AT" dirty="0"/>
+          </a:p>
+        </p:txBody>
+      </p:sp>
+      <p:sp>
+        <p:nvSpPr>
+          <p:cNvPr id="4" name="AutoShape 2" descr="Bootstrap">
+            <a:extLst>
+              <a:ext uri="{FF2B5EF4-FFF2-40B4-BE49-F238E27FC236}">
+                <a16:creationId xmlns:a16="http://schemas.microsoft.com/office/drawing/2014/main" id="{B2D97E5E-59AD-7A5C-6637-DC23FC432F7F}"/>
+              </a:ext>
+            </a:extLst>
+          </p:cNvPr>
+          <p:cNvSpPr>
+            <a:spLocks noChangeAspect="1" noChangeArrowheads="1"/>
+          </p:cNvSpPr>
+          <p:nvPr/>
+        </p:nvSpPr>
+        <p:spPr bwMode="auto">
+          <a:xfrm>
+            <a:off x="4962087" y="5038287"/>
+            <a:ext cx="2395057" cy="2395057"/>
+          </a:xfrm>
+          <a:prstGeom prst="rect">
+            <a:avLst/>
+          </a:prstGeom>
+          <a:noFill/>
+          <a:extLst>
+            <a:ext uri="{909E8E84-426E-40DD-AFC4-6F175D3DCCD1}">
+              <a14:hiddenFill xmlns:a14="http://schemas.microsoft.com/office/drawing/2010/main">
+                <a:solidFill>
+                  <a:srgbClr val="FFFFFF"/>
+                </a:solidFill>
+              </a14:hiddenFill>
+            </a:ext>
+          </a:extLst>
+        </p:spPr>
+        <p:txBody>
+          <a:bodyPr vert="horz" wrap="square" lIns="91440" tIns="45720" rIns="91440" bIns="45720" numCol="1" anchor="t" anchorCtr="0" compatLnSpc="1">
+            <a:prstTxWarp prst="textNoShape">
+              <a:avLst/>
+            </a:prstTxWarp>
+          </a:bodyPr>
+          <a:lstStyle/>
+          <a:p>
+            <a:endParaRPr lang="de-AT"/>
+          </a:p>
+        </p:txBody>
+      </p:sp>
+      <p:sp>
+        <p:nvSpPr>
+          <p:cNvPr id="6" name="AutoShape 4" descr="Bootstrap">
+            <a:extLst>
+              <a:ext uri="{FF2B5EF4-FFF2-40B4-BE49-F238E27FC236}">
+                <a16:creationId xmlns:a16="http://schemas.microsoft.com/office/drawing/2014/main" id="{AE19536E-7D3B-43B7-3C57-1A83E196D5BE}"/>
+              </a:ext>
+            </a:extLst>
+          </p:cNvPr>
+          <p:cNvSpPr>
+            <a:spLocks noChangeAspect="1" noChangeArrowheads="1"/>
+          </p:cNvSpPr>
+          <p:nvPr/>
+        </p:nvSpPr>
+        <p:spPr bwMode="auto">
+          <a:xfrm>
+            <a:off x="6096000" y="3429000"/>
+            <a:ext cx="304800" cy="304800"/>
+          </a:xfrm>
+          <a:prstGeom prst="rect">
+            <a:avLst/>
+          </a:prstGeom>
+          <a:noFill/>
+          <a:extLst>
+            <a:ext uri="{909E8E84-426E-40DD-AFC4-6F175D3DCCD1}">
+              <a14:hiddenFill xmlns:a14="http://schemas.microsoft.com/office/drawing/2010/main">
+                <a:solidFill>
+                  <a:srgbClr val="FFFFFF"/>
+                </a:solidFill>
+              </a14:hiddenFill>
+            </a:ext>
+          </a:extLst>
+        </p:spPr>
+        <p:txBody>
+          <a:bodyPr vert="horz" wrap="square" lIns="91440" tIns="45720" rIns="91440" bIns="45720" numCol="1" anchor="t" anchorCtr="0" compatLnSpc="1">
+            <a:prstTxWarp prst="textNoShape">
+              <a:avLst/>
+            </a:prstTxWarp>
+          </a:bodyPr>
+          <a:lstStyle/>
+          <a:p>
+            <a:endParaRPr lang="de-AT"/>
+          </a:p>
+        </p:txBody>
+      </p:sp>
+      <p:pic>
+        <p:nvPicPr>
+          <p:cNvPr id="5" name="Grafik 4">
+            <a:extLst>
+              <a:ext uri="{FF2B5EF4-FFF2-40B4-BE49-F238E27FC236}">
+                <a16:creationId xmlns:a16="http://schemas.microsoft.com/office/drawing/2014/main" id="{87AD71A1-A494-9A46-1A47-205EDC011992}"/>
+              </a:ext>
+            </a:extLst>
+          </p:cNvPr>
+          <p:cNvPicPr>
+            <a:picLocks noChangeAspect="1"/>
+          </p:cNvPicPr>
+          <p:nvPr/>
+        </p:nvPicPr>
+        <p:blipFill>
+          <a:blip r:embed="rId3"/>
+          <a:stretch>
+            <a:fillRect/>
+          </a:stretch>
+        </p:blipFill>
+        <p:spPr>
+          <a:xfrm>
+            <a:off x="6086251" y="3635672"/>
+            <a:ext cx="2675474" cy="2696540"/>
+          </a:xfrm>
+          <a:prstGeom prst="rect">
+            <a:avLst/>
+          </a:prstGeom>
+        </p:spPr>
+      </p:pic>
+      <p:pic>
+        <p:nvPicPr>
+          <p:cNvPr id="8" name="Grafik 7">
+            <a:extLst>
+              <a:ext uri="{FF2B5EF4-FFF2-40B4-BE49-F238E27FC236}">
+                <a16:creationId xmlns:a16="http://schemas.microsoft.com/office/drawing/2014/main" id="{4B4085B0-CB2D-2420-18F3-3656B0784880}"/>
+              </a:ext>
+            </a:extLst>
+          </p:cNvPr>
+          <p:cNvPicPr>
+            <a:picLocks noChangeAspect="1"/>
+          </p:cNvPicPr>
+          <p:nvPr/>
+        </p:nvPicPr>
+        <p:blipFill>
+          <a:blip r:embed="rId4"/>
+          <a:stretch>
+            <a:fillRect/>
+          </a:stretch>
+        </p:blipFill>
+        <p:spPr>
+          <a:xfrm>
+            <a:off x="3127824" y="4421967"/>
+            <a:ext cx="1143000" cy="1123950"/>
+          </a:xfrm>
+          <a:prstGeom prst="rect">
+            <a:avLst/>
+          </a:prstGeom>
+        </p:spPr>
+      </p:pic>
+    </p:spTree>
+    <p:extLst>
+      <p:ext uri="{BB962C8B-B14F-4D97-AF65-F5344CB8AC3E}">
+        <p14:creationId xmlns:p14="http://schemas.microsoft.com/office/powerpoint/2010/main" val="3482852687"/>
+      </p:ext>
+    </p:extLst>
+  </p:cSld>
+  <p:clrMapOvr>
+    <a:masterClrMapping/>
+  </p:clrMapOvr>
+</p:sld>
+</file>
+
+<file path=ppt/slides/slide9.xml><?xml version="1.0" encoding="utf-8"?>
+<p:sld xmlns:a="http://schemas.openxmlformats.org/drawingml/2006/main" xmlns:r="http://schemas.openxmlformats.org/officeDocument/2006/relationships" xmlns:p="http://schemas.openxmlformats.org/presentationml/2006/main">
+  <p:cSld>
+    <p:spTree>
+      <p:nvGrpSpPr>
+        <p:cNvPr id="1" name=""/>
+        <p:cNvGrpSpPr/>
+        <p:nvPr/>
+      </p:nvGrpSpPr>
+      <p:grpSpPr>
+        <a:xfrm>
+          <a:off x="0" y="0"/>
+          <a:ext cx="0" cy="0"/>
+          <a:chOff x="0" y="0"/>
+          <a:chExt cx="0" cy="0"/>
+        </a:xfrm>
+      </p:grpSpPr>
+      <p:sp>
+        <p:nvSpPr>
+          <p:cNvPr id="2" name="Titel 1">
+            <a:extLst>
+              <a:ext uri="{FF2B5EF4-FFF2-40B4-BE49-F238E27FC236}">
+                <a16:creationId xmlns:a16="http://schemas.microsoft.com/office/drawing/2014/main" id="{A71149DC-9D6B-A568-CC88-0C9834BEA39F}"/>
+              </a:ext>
+            </a:extLst>
+          </p:cNvPr>
+          <p:cNvSpPr>
+            <a:spLocks noGrp="1"/>
+          </p:cNvSpPr>
+          <p:nvPr>
+            <p:ph type="title"/>
+          </p:nvPr>
+        </p:nvSpPr>
+        <p:spPr/>
+        <p:txBody>
+          <a:bodyPr/>
+          <a:lstStyle/>
+          <a:p>
+            <a:r>
+              <a:rPr lang="de-AT" dirty="0"/>
+              <a:t>CSS – </a:t>
+            </a:r>
+            <a:r>
+              <a:rPr lang="de-AT" dirty="0" err="1"/>
+              <a:t>Animations</a:t>
+            </a:r>
+            <a:endParaRPr lang="de-AT" dirty="0"/>
+          </a:p>
+        </p:txBody>
+      </p:sp>
+      <p:sp>
+        <p:nvSpPr>
+          <p:cNvPr id="3" name="Inhaltsplatzhalter 2">
+            <a:extLst>
+              <a:ext uri="{FF2B5EF4-FFF2-40B4-BE49-F238E27FC236}">
+                <a16:creationId xmlns:a16="http://schemas.microsoft.com/office/drawing/2014/main" id="{4A5BE335-D373-C792-A4ED-E35F6905E567}"/>
+              </a:ext>
+            </a:extLst>
+          </p:cNvPr>
+          <p:cNvSpPr>
+            <a:spLocks noGrp="1"/>
+          </p:cNvSpPr>
+          <p:nvPr>
+            <p:ph idx="1"/>
+          </p:nvPr>
+        </p:nvSpPr>
+        <p:spPr>
+          <a:xfrm>
+            <a:off x="1078463" y="1819713"/>
+            <a:ext cx="5322337" cy="4814169"/>
+          </a:xfrm>
+        </p:spPr>
+        <p:txBody>
+          <a:bodyPr vert="horz" lIns="91440" tIns="45720" rIns="91440" bIns="45720" rtlCol="0">
+            <a:normAutofit fontScale="92500" lnSpcReduction="20000"/>
+          </a:bodyPr>
+          <a:lstStyle/>
+          <a:p>
+            <a:r>
+              <a:rPr lang="en-US" dirty="0" err="1"/>
+              <a:t>Animierte</a:t>
+            </a:r>
+            <a:r>
+              <a:rPr lang="en-US" dirty="0"/>
+              <a:t> </a:t>
+            </a:r>
+            <a:r>
+              <a:rPr lang="en-US" dirty="0" err="1"/>
+              <a:t>Änderungen</a:t>
+            </a:r>
+            <a:r>
+              <a:rPr lang="en-US" dirty="0"/>
+              <a:t> von </a:t>
+            </a:r>
+            <a:r>
+              <a:rPr lang="en-US" dirty="0" err="1"/>
+              <a:t>mehreren</a:t>
+            </a:r>
+            <a:r>
+              <a:rPr lang="en-US" dirty="0"/>
+              <a:t> CSS </a:t>
+            </a:r>
+            <a:r>
+              <a:rPr lang="en-US" dirty="0" err="1"/>
+              <a:t>Eigenschaften</a:t>
+            </a:r>
+            <a:endParaRPr lang="en-US" dirty="0"/>
+          </a:p>
+          <a:p>
+            <a:r>
+              <a:rPr lang="en-US" dirty="0"/>
+              <a:t>@keyframes name </a:t>
+            </a:r>
+            <a:r>
+              <a:rPr lang="en-US" dirty="0" err="1"/>
+              <a:t>als</a:t>
+            </a:r>
+            <a:r>
+              <a:rPr lang="en-US" dirty="0"/>
+              <a:t> </a:t>
+            </a:r>
+            <a:r>
+              <a:rPr lang="en-US" dirty="0" err="1"/>
+              <a:t>Rahmen</a:t>
+            </a:r>
+            <a:r>
+              <a:rPr lang="en-US" dirty="0"/>
+              <a:t> für die </a:t>
+            </a:r>
+            <a:r>
+              <a:rPr lang="en-US" dirty="0" err="1"/>
+              <a:t>verwendete</a:t>
+            </a:r>
+            <a:r>
+              <a:rPr lang="en-US" dirty="0"/>
+              <a:t> Animation</a:t>
+            </a:r>
+          </a:p>
+          <a:p>
+            <a:r>
+              <a:rPr lang="en-US" dirty="0"/>
+              <a:t>From{….} to {….}</a:t>
+            </a:r>
+          </a:p>
+          <a:p>
+            <a:r>
+              <a:rPr lang="en-US" dirty="0"/>
+              <a:t>0% {…} 25% {…} … 100%{…}</a:t>
+            </a:r>
+          </a:p>
+          <a:p>
+            <a:r>
+              <a:rPr lang="en-US" dirty="0" err="1"/>
+              <a:t>Zuweisen</a:t>
+            </a:r>
+            <a:r>
+              <a:rPr lang="en-US" dirty="0"/>
+              <a:t> </a:t>
+            </a:r>
+            <a:r>
+              <a:rPr lang="en-US" dirty="0" err="1"/>
+              <a:t>einer</a:t>
+            </a:r>
+            <a:r>
+              <a:rPr lang="en-US" dirty="0"/>
+              <a:t> Animation </a:t>
+            </a:r>
+            <a:r>
+              <a:rPr lang="en-US" dirty="0" err="1"/>
+              <a:t>zu</a:t>
+            </a:r>
+            <a:r>
+              <a:rPr lang="en-US" dirty="0"/>
+              <a:t> </a:t>
+            </a:r>
+            <a:r>
+              <a:rPr lang="en-US" dirty="0" err="1"/>
+              <a:t>einem</a:t>
+            </a:r>
+            <a:r>
+              <a:rPr lang="en-US" dirty="0"/>
+              <a:t> Element </a:t>
+            </a:r>
+            <a:r>
+              <a:rPr lang="en-US" dirty="0" err="1"/>
+              <a:t>über</a:t>
+            </a:r>
+            <a:r>
+              <a:rPr lang="en-US" dirty="0"/>
+              <a:t>:</a:t>
+            </a:r>
+            <a:br>
+              <a:rPr lang="en-US" dirty="0"/>
+            </a:br>
+            <a:r>
+              <a:rPr lang="en-US" dirty="0"/>
+              <a:t>“animation: Name Dauer </a:t>
+            </a:r>
+            <a:r>
+              <a:rPr lang="en-US" dirty="0" err="1"/>
+              <a:t>Anzahl</a:t>
+            </a:r>
+            <a:r>
+              <a:rPr lang="en-US" dirty="0"/>
+              <a:t> </a:t>
+            </a:r>
+            <a:r>
+              <a:rPr lang="en-US" dirty="0" err="1"/>
+              <a:t>Zyklen</a:t>
+            </a:r>
+            <a:r>
+              <a:rPr lang="en-US" dirty="0"/>
+              <a:t>”</a:t>
+            </a:r>
+          </a:p>
+          <a:p>
+            <a:r>
+              <a:rPr lang="en-US" dirty="0"/>
+              <a:t>“infinite” </a:t>
+            </a:r>
+            <a:r>
+              <a:rPr lang="en-US" dirty="0" err="1"/>
+              <a:t>definiert</a:t>
+            </a:r>
+            <a:r>
+              <a:rPr lang="en-US" dirty="0"/>
+              <a:t> </a:t>
+            </a:r>
+            <a:r>
+              <a:rPr lang="en-US" dirty="0" err="1"/>
+              <a:t>eine</a:t>
+            </a:r>
+            <a:r>
+              <a:rPr lang="en-US" dirty="0"/>
+              <a:t> </a:t>
+            </a:r>
+            <a:r>
+              <a:rPr lang="en-US" dirty="0" err="1"/>
+              <a:t>unendliche</a:t>
+            </a:r>
+            <a:r>
+              <a:rPr lang="en-US" dirty="0"/>
+              <a:t> </a:t>
+            </a:r>
+            <a:r>
+              <a:rPr lang="en-US" dirty="0" err="1"/>
+              <a:t>Anzahl</a:t>
+            </a:r>
+            <a:r>
+              <a:rPr lang="en-US" dirty="0"/>
+              <a:t> von </a:t>
+            </a:r>
+            <a:r>
+              <a:rPr lang="en-US" dirty="0" err="1"/>
+              <a:t>Zyklen</a:t>
+            </a:r>
+            <a:r>
+              <a:rPr lang="en-US" dirty="0"/>
+              <a:t> – </a:t>
+            </a:r>
+            <a:r>
+              <a:rPr lang="en-US" dirty="0" err="1"/>
+              <a:t>fortlaufende</a:t>
+            </a:r>
+            <a:r>
+              <a:rPr lang="en-US" dirty="0"/>
+              <a:t> Animation</a:t>
+            </a:r>
+            <a:br>
+              <a:rPr lang="en-US" dirty="0"/>
+            </a:br>
+            <a:endParaRPr lang="en-US" dirty="0"/>
+          </a:p>
+          <a:p>
+            <a:r>
+              <a:rPr lang="en-US" dirty="0">
+                <a:hlinkClick r:id="rId2"/>
+              </a:rPr>
+              <a:t>https://www.w3schools.com/css/css3_animations.asp</a:t>
+            </a:r>
+            <a:r>
+              <a:rPr lang="en-US" dirty="0"/>
+              <a:t> </a:t>
+            </a:r>
+          </a:p>
+          <a:p>
+            <a:endParaRPr lang="en-US" dirty="0"/>
+          </a:p>
+        </p:txBody>
+      </p:sp>
+      <p:sp>
+        <p:nvSpPr>
+          <p:cNvPr id="4" name="AutoShape 2" descr="Bootstrap">
+            <a:extLst>
+              <a:ext uri="{FF2B5EF4-FFF2-40B4-BE49-F238E27FC236}">
+                <a16:creationId xmlns:a16="http://schemas.microsoft.com/office/drawing/2014/main" id="{B2D97E5E-59AD-7A5C-6637-DC23FC432F7F}"/>
+              </a:ext>
+            </a:extLst>
+          </p:cNvPr>
+          <p:cNvSpPr>
+            <a:spLocks noChangeAspect="1" noChangeArrowheads="1"/>
+          </p:cNvSpPr>
+          <p:nvPr/>
+        </p:nvSpPr>
+        <p:spPr bwMode="auto">
+          <a:xfrm>
+            <a:off x="4962087" y="5038287"/>
+            <a:ext cx="2395057" cy="2395057"/>
+          </a:xfrm>
+          <a:prstGeom prst="rect">
+            <a:avLst/>
+          </a:prstGeom>
+          <a:noFill/>
+          <a:extLst>
+            <a:ext uri="{909E8E84-426E-40DD-AFC4-6F175D3DCCD1}">
+              <a14:hiddenFill xmlns:a14="http://schemas.microsoft.com/office/drawing/2010/main">
+                <a:solidFill>
+                  <a:srgbClr val="FFFFFF"/>
+                </a:solidFill>
+              </a14:hiddenFill>
+            </a:ext>
+          </a:extLst>
+        </p:spPr>
+        <p:txBody>
+          <a:bodyPr vert="horz" wrap="square" lIns="91440" tIns="45720" rIns="91440" bIns="45720" numCol="1" anchor="t" anchorCtr="0" compatLnSpc="1">
+            <a:prstTxWarp prst="textNoShape">
+              <a:avLst/>
+            </a:prstTxWarp>
+          </a:bodyPr>
+          <a:lstStyle/>
+          <a:p>
+            <a:endParaRPr lang="de-AT"/>
+          </a:p>
+        </p:txBody>
+      </p:sp>
+      <p:sp>
+        <p:nvSpPr>
+          <p:cNvPr id="6" name="AutoShape 4" descr="Bootstrap">
+            <a:extLst>
+              <a:ext uri="{FF2B5EF4-FFF2-40B4-BE49-F238E27FC236}">
+                <a16:creationId xmlns:a16="http://schemas.microsoft.com/office/drawing/2014/main" id="{AE19536E-7D3B-43B7-3C57-1A83E196D5BE}"/>
+              </a:ext>
+            </a:extLst>
+          </p:cNvPr>
+          <p:cNvSpPr>
+            <a:spLocks noChangeAspect="1" noChangeArrowheads="1"/>
+          </p:cNvSpPr>
+          <p:nvPr/>
+        </p:nvSpPr>
+        <p:spPr bwMode="auto">
+          <a:xfrm>
+            <a:off x="6096000" y="3429000"/>
+            <a:ext cx="304800" cy="304800"/>
+          </a:xfrm>
+          <a:prstGeom prst="rect">
+            <a:avLst/>
+          </a:prstGeom>
+          <a:noFill/>
+          <a:extLst>
+            <a:ext uri="{909E8E84-426E-40DD-AFC4-6F175D3DCCD1}">
+              <a14:hiddenFill xmlns:a14="http://schemas.microsoft.com/office/drawing/2010/main">
+                <a:solidFill>
+                  <a:srgbClr val="FFFFFF"/>
+                </a:solidFill>
+              </a14:hiddenFill>
+            </a:ext>
+          </a:extLst>
+        </p:spPr>
+        <p:txBody>
+          <a:bodyPr vert="horz" wrap="square" lIns="91440" tIns="45720" rIns="91440" bIns="45720" numCol="1" anchor="t" anchorCtr="0" compatLnSpc="1">
+            <a:prstTxWarp prst="textNoShape">
+              <a:avLst/>
+            </a:prstTxWarp>
+          </a:bodyPr>
+          <a:lstStyle/>
+          <a:p>
+            <a:endParaRPr lang="de-AT"/>
+          </a:p>
+        </p:txBody>
+      </p:sp>
+      <p:pic>
+        <p:nvPicPr>
+          <p:cNvPr id="7" name="Grafik 6">
+            <a:extLst>
+              <a:ext uri="{FF2B5EF4-FFF2-40B4-BE49-F238E27FC236}">
+                <a16:creationId xmlns:a16="http://schemas.microsoft.com/office/drawing/2014/main" id="{747FB65E-0162-DE19-B45F-DF61988A4774}"/>
+              </a:ext>
+            </a:extLst>
+          </p:cNvPr>
+          <p:cNvPicPr>
+            <a:picLocks noChangeAspect="1"/>
+          </p:cNvPicPr>
+          <p:nvPr/>
+        </p:nvPicPr>
+        <p:blipFill>
+          <a:blip r:embed="rId3"/>
+          <a:stretch>
+            <a:fillRect/>
+          </a:stretch>
+        </p:blipFill>
+        <p:spPr>
+          <a:xfrm>
+            <a:off x="6695308" y="1833465"/>
+            <a:ext cx="5496692" cy="3562847"/>
+          </a:xfrm>
+          <a:prstGeom prst="rect">
+            <a:avLst/>
+          </a:prstGeom>
+        </p:spPr>
+      </p:pic>
+    </p:spTree>
+    <p:extLst>
+      <p:ext uri="{BB962C8B-B14F-4D97-AF65-F5344CB8AC3E}">
+        <p14:creationId xmlns:p14="http://schemas.microsoft.com/office/powerpoint/2010/main" val="1542202418"/>
+      </p:ext>
+    </p:extLst>
+  </p:cSld>
+  <p:clrMapOvr>
+    <a:masterClrMapping/>
+  </p:clrMapOvr>
+  <p:timing>
+    <p:tnLst>
+      <p:par>
+        <p:cTn id="1" dur="indefinite" restart="never" nodeType="tmRoot">
+          <p:childTnLst>
+            <p:seq concurrent="1" nextAc="seek">
+              <p:cTn id="2" dur="indefinite" nodeType="mainSeq">
+                <p:childTnLst>
+                  <p:par>
+                    <p:cTn id="3" fill="hold">
+                      <p:stCondLst>
+                        <p:cond delay="indefinite"/>
+                      </p:stCondLst>
+                      <p:childTnLst>
+                        <p:par>
+                          <p:cTn id="4" fill="hold">
+                            <p:stCondLst>
+                              <p:cond delay="0"/>
+                            </p:stCondLst>
+                            <p:childTnLst>
+                              <p:par>
+                                <p:cTn id="5" presetID="10" presetClass="entr" presetSubtype="0" fill="hold" grpId="0" nodeType="clickEffect">
+                                  <p:stCondLst>
+                                    <p:cond delay="0"/>
+                                  </p:stCondLst>
+                                  <p:childTnLst>
+                                    <p:set>
+                                      <p:cBhvr>
+                                        <p:cTn id="6" dur="1" fill="hold">
+                                          <p:stCondLst>
+                                            <p:cond delay="0"/>
+                                          </p:stCondLst>
+                                        </p:cTn>
+                                        <p:tgtEl>
+                                          <p:spTgt spid="3">
+                                            <p:txEl>
+                                              <p:pRg st="0" end="0"/>
+                                            </p:txEl>
+                                          </p:spTgt>
+                                        </p:tgtEl>
+                                        <p:attrNameLst>
+                                          <p:attrName>style.visibility</p:attrName>
+                                        </p:attrNameLst>
+                                      </p:cBhvr>
+                                      <p:to>
+                                        <p:strVal val="visible"/>
+                                      </p:to>
+                                    </p:set>
+                                    <p:animEffect transition="in" filter="fade">
+                                      <p:cBhvr>
+                                        <p:cTn id="7" dur="500"/>
+                                        <p:tgtEl>
+                                          <p:spTgt spid="3">
+                                            <p:txEl>
+                                              <p:pRg st="0" end="0"/>
+                                            </p:txEl>
+                                          </p:spTgt>
+                                        </p:tgtEl>
+                                      </p:cBhvr>
+                                    </p:animEffect>
+                                  </p:childTnLst>
+                                </p:cTn>
+                              </p:par>
+                            </p:childTnLst>
+                          </p:cTn>
+                        </p:par>
+                      </p:childTnLst>
+                    </p:cTn>
+                  </p:par>
+                  <p:par>
+                    <p:cTn id="8" fill="hold">
+                      <p:stCondLst>
+                        <p:cond delay="indefinite"/>
+                      </p:stCondLst>
+                      <p:childTnLst>
+                        <p:par>
+                          <p:cTn id="9" fill="hold">
+                            <p:stCondLst>
+                              <p:cond delay="0"/>
+                            </p:stCondLst>
+                            <p:childTnLst>
+                              <p:par>
+                                <p:cTn id="10" presetID="10" presetClass="entr" presetSubtype="0" fill="hold" grpId="0" nodeType="clickEffect">
+                                  <p:stCondLst>
+                                    <p:cond delay="0"/>
+                                  </p:stCondLst>
+                                  <p:childTnLst>
+                                    <p:set>
+                                      <p:cBhvr>
+                                        <p:cTn id="11" dur="1" fill="hold">
+                                          <p:stCondLst>
+                                            <p:cond delay="0"/>
+                                          </p:stCondLst>
+                                        </p:cTn>
+                                        <p:tgtEl>
+                                          <p:spTgt spid="3">
+                                            <p:txEl>
+                                              <p:pRg st="1" end="1"/>
+                                            </p:txEl>
+                                          </p:spTgt>
+                                        </p:tgtEl>
+                                        <p:attrNameLst>
+                                          <p:attrName>style.visibility</p:attrName>
+                                        </p:attrNameLst>
+                                      </p:cBhvr>
+                                      <p:to>
+                                        <p:strVal val="visible"/>
+                                      </p:to>
+                                    </p:set>
+                                    <p:animEffect transition="in" filter="fade">
+                                      <p:cBhvr>
+                                        <p:cTn id="12" dur="500"/>
+                                        <p:tgtEl>
+                                          <p:spTgt spid="3">
+                                            <p:txEl>
+                                              <p:pRg st="1" end="1"/>
+                                            </p:txEl>
+                                          </p:spTgt>
+                                        </p:tgtEl>
+                                      </p:cBhvr>
+                                    </p:animEffect>
+                                  </p:childTnLst>
+                                </p:cTn>
+                              </p:par>
+                            </p:childTnLst>
+                          </p:cTn>
+                        </p:par>
+                      </p:childTnLst>
+                    </p:cTn>
+                  </p:par>
+                  <p:par>
+                    <p:cTn id="13" fill="hold">
+                      <p:stCondLst>
+                        <p:cond delay="indefinite"/>
+                      </p:stCondLst>
+                      <p:childTnLst>
+                        <p:par>
+                          <p:cTn id="14" fill="hold">
+                            <p:stCondLst>
+                              <p:cond delay="0"/>
+                            </p:stCondLst>
+                            <p:childTnLst>
+                              <p:par>
+                                <p:cTn id="15" presetID="10" presetClass="entr" presetSubtype="0" fill="hold" grpId="0" nodeType="clickEffect">
+                                  <p:stCondLst>
+                                    <p:cond delay="0"/>
+                                  </p:stCondLst>
+                                  <p:childTnLst>
+                                    <p:set>
+                                      <p:cBhvr>
+                                        <p:cTn id="16" dur="1" fill="hold">
+                                          <p:stCondLst>
+                                            <p:cond delay="0"/>
+                                          </p:stCondLst>
+                                        </p:cTn>
+                                        <p:tgtEl>
+                                          <p:spTgt spid="3">
+                                            <p:txEl>
+                                              <p:pRg st="2" end="2"/>
+                                            </p:txEl>
+                                          </p:spTgt>
+                                        </p:tgtEl>
+                                        <p:attrNameLst>
+                                          <p:attrName>style.visibility</p:attrName>
+                                        </p:attrNameLst>
+                                      </p:cBhvr>
+                                      <p:to>
+                                        <p:strVal val="visible"/>
+                                      </p:to>
+                                    </p:set>
+                                    <p:animEffect transition="in" filter="fade">
+                                      <p:cBhvr>
+                                        <p:cTn id="17" dur="500"/>
+                                        <p:tgtEl>
+                                          <p:spTgt spid="3">
+                                            <p:txEl>
+                                              <p:pRg st="2" end="2"/>
+                                            </p:txEl>
+                                          </p:spTgt>
+                                        </p:tgtEl>
+                                      </p:cBhvr>
+                                    </p:animEffect>
+                                  </p:childTnLst>
+                                </p:cTn>
+                              </p:par>
+                            </p:childTnLst>
+                          </p:cTn>
+                        </p:par>
+                      </p:childTnLst>
+                    </p:cTn>
+                  </p:par>
+                  <p:par>
+                    <p:cTn id="18" fill="hold">
+                      <p:stCondLst>
+                        <p:cond delay="indefinite"/>
+                      </p:stCondLst>
+                      <p:childTnLst>
+                        <p:par>
+                          <p:cTn id="19" fill="hold">
+                            <p:stCondLst>
+                              <p:cond delay="0"/>
+                            </p:stCondLst>
+                            <p:childTnLst>
+                              <p:par>
+                                <p:cTn id="20" presetID="10" presetClass="entr" presetSubtype="0" fill="hold" grpId="0" nodeType="clickEffect">
+                                  <p:stCondLst>
+                                    <p:cond delay="0"/>
+                                  </p:stCondLst>
+                                  <p:childTnLst>
+                                    <p:set>
+                                      <p:cBhvr>
+                                        <p:cTn id="21" dur="1" fill="hold">
+                                          <p:stCondLst>
+                                            <p:cond delay="0"/>
+                                          </p:stCondLst>
+                                        </p:cTn>
+                                        <p:tgtEl>
+                                          <p:spTgt spid="3">
+                                            <p:txEl>
+                                              <p:pRg st="3" end="3"/>
+                                            </p:txEl>
+                                          </p:spTgt>
+                                        </p:tgtEl>
+                                        <p:attrNameLst>
+                                          <p:attrName>style.visibility</p:attrName>
+                                        </p:attrNameLst>
+                                      </p:cBhvr>
+                                      <p:to>
+                                        <p:strVal val="visible"/>
+                                      </p:to>
+                                    </p:set>
+                                    <p:animEffect transition="in" filter="fade">
+                                      <p:cBhvr>
+                                        <p:cTn id="22" dur="500"/>
+                                        <p:tgtEl>
+                                          <p:spTgt spid="3">
+                                            <p:txEl>
+                                              <p:pRg st="3" end="3"/>
+                                            </p:txEl>
+                                          </p:spTgt>
+                                        </p:tgtEl>
+                                      </p:cBhvr>
+                                    </p:animEffect>
+                                  </p:childTnLst>
+                                </p:cTn>
+                              </p:par>
+                            </p:childTnLst>
+                          </p:cTn>
+                        </p:par>
+                      </p:childTnLst>
+                    </p:cTn>
+                  </p:par>
+                  <p:par>
+                    <p:cTn id="23" fill="hold">
+                      <p:stCondLst>
+                        <p:cond delay="indefinite"/>
+                      </p:stCondLst>
+                      <p:childTnLst>
+                        <p:par>
+                          <p:cTn id="24" fill="hold">
+                            <p:stCondLst>
+                              <p:cond delay="0"/>
+                            </p:stCondLst>
+                            <p:childTnLst>
+                              <p:par>
+                                <p:cTn id="25" presetID="10" presetClass="entr" presetSubtype="0" fill="hold" grpId="0" nodeType="clickEffect">
+                                  <p:stCondLst>
+                                    <p:cond delay="0"/>
+                                  </p:stCondLst>
+                                  <p:childTnLst>
+                                    <p:set>
+                                      <p:cBhvr>
+                                        <p:cTn id="26" dur="1" fill="hold">
+                                          <p:stCondLst>
+                                            <p:cond delay="0"/>
+                                          </p:stCondLst>
+                                        </p:cTn>
+                                        <p:tgtEl>
+                                          <p:spTgt spid="3">
+                                            <p:txEl>
+                                              <p:pRg st="4" end="4"/>
+                                            </p:txEl>
+                                          </p:spTgt>
+                                        </p:tgtEl>
+                                        <p:attrNameLst>
+                                          <p:attrName>style.visibility</p:attrName>
+                                        </p:attrNameLst>
+                                      </p:cBhvr>
+                                      <p:to>
+                                        <p:strVal val="visible"/>
+                                      </p:to>
+                                    </p:set>
+                                    <p:animEffect transition="in" filter="fade">
+                                      <p:cBhvr>
+                                        <p:cTn id="27" dur="500"/>
+                                        <p:tgtEl>
+                                          <p:spTgt spid="3">
+                                            <p:txEl>
+                                              <p:pRg st="4" end="4"/>
+                                            </p:txEl>
+                                          </p:spTgt>
+                                        </p:tgtEl>
+                                      </p:cBhvr>
+                                    </p:animEffect>
+                                  </p:childTnLst>
+                                </p:cTn>
+                              </p:par>
+                            </p:childTnLst>
+                          </p:cTn>
+                        </p:par>
+                      </p:childTnLst>
+                    </p:cTn>
+                  </p:par>
+                  <p:par>
+                    <p:cTn id="28" fill="hold">
+                      <p:stCondLst>
+                        <p:cond delay="indefinite"/>
+                      </p:stCondLst>
+                      <p:childTnLst>
+                        <p:par>
+                          <p:cTn id="29" fill="hold">
+                            <p:stCondLst>
+                              <p:cond delay="0"/>
+                            </p:stCondLst>
+                            <p:childTnLst>
+                              <p:par>
+                                <p:cTn id="30" presetID="10" presetClass="entr" presetSubtype="0" fill="hold" grpId="0" nodeType="clickEffect">
+                                  <p:stCondLst>
+                                    <p:cond delay="0"/>
+                                  </p:stCondLst>
+                                  <p:childTnLst>
+                                    <p:set>
+                                      <p:cBhvr>
+                                        <p:cTn id="31" dur="1" fill="hold">
+                                          <p:stCondLst>
+                                            <p:cond delay="0"/>
+                                          </p:stCondLst>
+                                        </p:cTn>
+                                        <p:tgtEl>
+                                          <p:spTgt spid="3">
+                                            <p:txEl>
+                                              <p:pRg st="5" end="5"/>
+                                            </p:txEl>
+                                          </p:spTgt>
+                                        </p:tgtEl>
+                                        <p:attrNameLst>
+                                          <p:attrName>style.visibility</p:attrName>
+                                        </p:attrNameLst>
+                                      </p:cBhvr>
+                                      <p:to>
+                                        <p:strVal val="visible"/>
+                                      </p:to>
+                                    </p:set>
+                                    <p:animEffect transition="in" filter="fade">
+                                      <p:cBhvr>
+                                        <p:cTn id="32" dur="500"/>
+                                        <p:tgtEl>
+                                          <p:spTgt spid="3">
+                                            <p:txEl>
+                                              <p:pRg st="5" end="5"/>
+                                            </p:txEl>
+                                          </p:spTgt>
+                                        </p:tgtEl>
+                                      </p:cBhvr>
+                                    </p:animEffect>
+                                  </p:childTnLst>
+                                </p:cTn>
+                              </p:par>
+                            </p:childTnLst>
+                          </p:cTn>
+                        </p:par>
+                      </p:childTnLst>
+                    </p:cTn>
+                  </p:par>
+                  <p:par>
+                    <p:cTn id="33" fill="hold">
+                      <p:stCondLst>
+                        <p:cond delay="indefinite"/>
+                      </p:stCondLst>
+                      <p:childTnLst>
+                        <p:par>
+                          <p:cTn id="34" fill="hold">
+                            <p:stCondLst>
+                              <p:cond delay="0"/>
+                            </p:stCondLst>
+                            <p:childTnLst>
+                              <p:par>
+                                <p:cTn id="35" presetID="10" presetClass="entr" presetSubtype="0" fill="hold" grpId="0" nodeType="clickEffect">
+                                  <p:stCondLst>
+                                    <p:cond delay="0"/>
+                                  </p:stCondLst>
+                                  <p:childTnLst>
+                                    <p:set>
+                                      <p:cBhvr>
+                                        <p:cTn id="36" dur="1" fill="hold">
+                                          <p:stCondLst>
+                                            <p:cond delay="0"/>
+                                          </p:stCondLst>
+                                        </p:cTn>
+                                        <p:tgtEl>
+                                          <p:spTgt spid="3">
+                                            <p:txEl>
+                                              <p:pRg st="6" end="6"/>
+                                            </p:txEl>
+                                          </p:spTgt>
+                                        </p:tgtEl>
+                                        <p:attrNameLst>
+                                          <p:attrName>style.visibility</p:attrName>
+                                        </p:attrNameLst>
+                                      </p:cBhvr>
+                                      <p:to>
+                                        <p:strVal val="visible"/>
+                                      </p:to>
+                                    </p:set>
+                                    <p:animEffect transition="in" filter="fade">
+                                      <p:cBhvr>
+                                        <p:cTn id="37" dur="500"/>
+                                        <p:tgtEl>
+                                          <p:spTgt spid="3">
+                                            <p:txEl>
+                                              <p:pRg st="6" end="6"/>
+                                            </p:txEl>
+                                          </p:spTgt>
+                                        </p:tgtEl>
+                                      </p:cBhvr>
+                                    </p:animEffect>
+                                  </p:childTnLst>
+                                </p:cTn>
+                              </p:par>
+                            </p:childTnLst>
+                          </p:cTn>
+                        </p:par>
+                      </p:childTnLst>
+                    </p:cTn>
+                  </p:par>
+                </p:childTnLst>
+              </p:cTn>
+              <p:prevCondLst>
+                <p:cond evt="onPrev" delay="0">
+                  <p:tgtEl>
+                    <p:sldTgt/>
+                  </p:tgtEl>
+                </p:cond>
+              </p:prevCondLst>
+              <p:nextCondLst>
+                <p:cond evt="onNext" delay="0">
+                  <p:tgtEl>
+                    <p:sldTgt/>
+                  </p:tgtEl>
+                </p:cond>
+              </p:nextCondLst>
+            </p:seq>
+          </p:childTnLst>
+        </p:cTn>
+      </p:par>
+    </p:tnLst>
+    <p:bldLst>
+      <p:bldP spid="3" grpId="0" build="p"/>
+    </p:bldLst>
   </p:timing>
 </p:sld>
 </file>
@@ -9043,4 +12161,319 @@
     </a:ext>
   </a:extLst>
 </a:theme>
+</file>
+
+<file path=ppt/theme/theme2.xml><?xml version="1.0" encoding="utf-8"?>
+<a:theme xmlns:a="http://schemas.openxmlformats.org/drawingml/2006/main" name="Office">
+  <a:themeElements>
+    <a:clrScheme name="Office">
+      <a:dk1>
+        <a:sysClr val="windowText" lastClr="000000"/>
+      </a:dk1>
+      <a:lt1>
+        <a:sysClr val="window" lastClr="FFFFFF"/>
+      </a:lt1>
+      <a:dk2>
+        <a:srgbClr val="0E2841"/>
+      </a:dk2>
+      <a:lt2>
+        <a:srgbClr val="E8E8E8"/>
+      </a:lt2>
+      <a:accent1>
+        <a:srgbClr val="156082"/>
+      </a:accent1>
+      <a:accent2>
+        <a:srgbClr val="E97132"/>
+      </a:accent2>
+      <a:accent3>
+        <a:srgbClr val="196B24"/>
+      </a:accent3>
+      <a:accent4>
+        <a:srgbClr val="0F9ED5"/>
+      </a:accent4>
+      <a:accent5>
+        <a:srgbClr val="A02B93"/>
+      </a:accent5>
+      <a:accent6>
+        <a:srgbClr val="4EA72E"/>
+      </a:accent6>
+      <a:hlink>
+        <a:srgbClr val="467886"/>
+      </a:hlink>
+      <a:folHlink>
+        <a:srgbClr val="96607D"/>
+      </a:folHlink>
+    </a:clrScheme>
+    <a:fontScheme name="Office">
+      <a:majorFont>
+        <a:latin typeface="Aptos Display" panose="02110004020202020204"/>
+        <a:ea typeface=""/>
+        <a:cs typeface=""/>
+        <a:font script="Jpan" typeface="游ゴシック Light"/>
+        <a:font script="Hang" typeface="맑은 고딕"/>
+        <a:font script="Hans" typeface="等线 Light"/>
+        <a:font script="Hant" typeface="新細明體"/>
+        <a:font script="Arab" typeface="Times New Roman"/>
+        <a:font script="Hebr" typeface="Times New Roman"/>
+        <a:font script="Thai" typeface="Angsana New"/>
+        <a:font script="Ethi" typeface="Nyala"/>
+        <a:font script="Beng" typeface="Vrinda"/>
+        <a:font script="Gujr" typeface="Shruti"/>
+        <a:font script="Khmr" typeface="MoolBoran"/>
+        <a:font script="Knda" typeface="Tunga"/>
+        <a:font script="Guru" typeface="Raavi"/>
+        <a:font script="Cans" typeface="Euphemia"/>
+        <a:font script="Cher" typeface="Plantagenet Cherokee"/>
+        <a:font script="Yiii" typeface="Microsoft Yi Baiti"/>
+        <a:font script="Tibt" typeface="Microsoft Himalaya"/>
+        <a:font script="Thaa" typeface="MV Boli"/>
+        <a:font script="Deva" typeface="Mangal"/>
+        <a:font script="Telu" typeface="Gautami"/>
+        <a:font script="Taml" typeface="Latha"/>
+        <a:font script="Syrc" typeface="Estrangelo Edessa"/>
+        <a:font script="Orya" typeface="Kalinga"/>
+        <a:font script="Mlym" typeface="Kartika"/>
+        <a:font script="Laoo" typeface="DokChampa"/>
+        <a:font script="Sinh" typeface="Iskoola Pota"/>
+        <a:font script="Mong" typeface="Mongolian Baiti"/>
+        <a:font script="Viet" typeface="Times New Roman"/>
+        <a:font script="Uigh" typeface="Microsoft Uighur"/>
+        <a:font script="Geor" typeface="Sylfaen"/>
+        <a:font script="Armn" typeface="Arial"/>
+        <a:font script="Bugi" typeface="Leelawadee UI"/>
+        <a:font script="Bopo" typeface="Microsoft JhengHei"/>
+        <a:font script="Java" typeface="Javanese Text"/>
+        <a:font script="Lisu" typeface="Segoe UI"/>
+        <a:font script="Mymr" typeface="Myanmar Text"/>
+        <a:font script="Nkoo" typeface="Ebrima"/>
+        <a:font script="Olck" typeface="Nirmala UI"/>
+        <a:font script="Osma" typeface="Ebrima"/>
+        <a:font script="Phag" typeface="Phagspa"/>
+        <a:font script="Syrn" typeface="Estrangelo Edessa"/>
+        <a:font script="Syrj" typeface="Estrangelo Edessa"/>
+        <a:font script="Syre" typeface="Estrangelo Edessa"/>
+        <a:font script="Sora" typeface="Nirmala UI"/>
+        <a:font script="Tale" typeface="Microsoft Tai Le"/>
+        <a:font script="Talu" typeface="Microsoft New Tai Lue"/>
+        <a:font script="Tfng" typeface="Ebrima"/>
+      </a:majorFont>
+      <a:minorFont>
+        <a:latin typeface="Aptos" panose="02110004020202020204"/>
+        <a:ea typeface=""/>
+        <a:cs typeface=""/>
+        <a:font script="Jpan" typeface="游ゴシック"/>
+        <a:font script="Hang" typeface="맑은 고딕"/>
+        <a:font script="Hans" typeface="等线"/>
+        <a:font script="Hant" typeface="新細明體"/>
+        <a:font script="Arab" typeface="Arial"/>
+        <a:font script="Hebr" typeface="Arial"/>
+        <a:font script="Thai" typeface="Cordia New"/>
+        <a:font script="Ethi" typeface="Nyala"/>
+        <a:font script="Beng" typeface="Vrinda"/>
+        <a:font script="Gujr" typeface="Shruti"/>
+        <a:font script="Khmr" typeface="DaunPenh"/>
+        <a:font script="Knda" typeface="Tunga"/>
+        <a:font script="Guru" typeface="Raavi"/>
+        <a:font script="Cans" typeface="Euphemia"/>
+        <a:font script="Cher" typeface="Plantagenet Cherokee"/>
+        <a:font script="Yiii" typeface="Microsoft Yi Baiti"/>
+        <a:font script="Tibt" typeface="Microsoft Himalaya"/>
+        <a:font script="Thaa" typeface="MV Boli"/>
+        <a:font script="Deva" typeface="Mangal"/>
+        <a:font script="Telu" typeface="Gautami"/>
+        <a:font script="Taml" typeface="Latha"/>
+        <a:font script="Syrc" typeface="Estrangelo Edessa"/>
+        <a:font script="Orya" typeface="Kalinga"/>
+        <a:font script="Mlym" typeface="Kartika"/>
+        <a:font script="Laoo" typeface="DokChampa"/>
+        <a:font script="Sinh" typeface="Iskoola Pota"/>
+        <a:font script="Mong" typeface="Mongolian Baiti"/>
+        <a:font script="Viet" typeface="Arial"/>
+        <a:font script="Uigh" typeface="Microsoft Uighur"/>
+        <a:font script="Geor" typeface="Sylfaen"/>
+        <a:font script="Armn" typeface="Arial"/>
+        <a:font script="Bugi" typeface="Leelawadee UI"/>
+        <a:font script="Bopo" typeface="Microsoft JhengHei"/>
+        <a:font script="Java" typeface="Javanese Text"/>
+        <a:font script="Lisu" typeface="Segoe UI"/>
+        <a:font script="Mymr" typeface="Myanmar Text"/>
+        <a:font script="Nkoo" typeface="Ebrima"/>
+        <a:font script="Olck" typeface="Nirmala UI"/>
+        <a:font script="Osma" typeface="Ebrima"/>
+        <a:font script="Phag" typeface="Phagspa"/>
+        <a:font script="Syrn" typeface="Estrangelo Edessa"/>
+        <a:font script="Syrj" typeface="Estrangelo Edessa"/>
+        <a:font script="Syre" typeface="Estrangelo Edessa"/>
+        <a:font script="Sora" typeface="Nirmala UI"/>
+        <a:font script="Tale" typeface="Microsoft Tai Le"/>
+        <a:font script="Talu" typeface="Microsoft New Tai Lue"/>
+        <a:font script="Tfng" typeface="Ebrima"/>
+      </a:minorFont>
+    </a:fontScheme>
+    <a:fmtScheme name="Office">
+      <a:fillStyleLst>
+        <a:solidFill>
+          <a:schemeClr val="phClr"/>
+        </a:solidFill>
+        <a:gradFill rotWithShape="1">
+          <a:gsLst>
+            <a:gs pos="0">
+              <a:schemeClr val="phClr">
+                <a:lumMod val="110000"/>
+                <a:satMod val="105000"/>
+                <a:tint val="67000"/>
+              </a:schemeClr>
+            </a:gs>
+            <a:gs pos="50000">
+              <a:schemeClr val="phClr">
+                <a:lumMod val="105000"/>
+                <a:satMod val="103000"/>
+                <a:tint val="73000"/>
+              </a:schemeClr>
+            </a:gs>
+            <a:gs pos="100000">
+              <a:schemeClr val="phClr">
+                <a:lumMod val="105000"/>
+                <a:satMod val="109000"/>
+                <a:tint val="81000"/>
+              </a:schemeClr>
+            </a:gs>
+          </a:gsLst>
+          <a:lin ang="5400000" scaled="0"/>
+        </a:gradFill>
+        <a:gradFill rotWithShape="1">
+          <a:gsLst>
+            <a:gs pos="0">
+              <a:schemeClr val="phClr">
+                <a:satMod val="103000"/>
+                <a:lumMod val="102000"/>
+                <a:tint val="94000"/>
+              </a:schemeClr>
+            </a:gs>
+            <a:gs pos="50000">
+              <a:schemeClr val="phClr">
+                <a:satMod val="110000"/>
+                <a:lumMod val="100000"/>
+                <a:shade val="100000"/>
+              </a:schemeClr>
+            </a:gs>
+            <a:gs pos="100000">
+              <a:schemeClr val="phClr">
+                <a:lumMod val="99000"/>
+                <a:satMod val="120000"/>
+                <a:shade val="78000"/>
+              </a:schemeClr>
+            </a:gs>
+          </a:gsLst>
+          <a:lin ang="5400000" scaled="0"/>
+        </a:gradFill>
+      </a:fillStyleLst>
+      <a:lnStyleLst>
+        <a:ln w="12700" cap="flat" cmpd="sng" algn="ctr">
+          <a:solidFill>
+            <a:schemeClr val="phClr"/>
+          </a:solidFill>
+          <a:prstDash val="solid"/>
+          <a:miter lim="800000"/>
+        </a:ln>
+        <a:ln w="19050" cap="flat" cmpd="sng" algn="ctr">
+          <a:solidFill>
+            <a:schemeClr val="phClr"/>
+          </a:solidFill>
+          <a:prstDash val="solid"/>
+          <a:miter lim="800000"/>
+        </a:ln>
+        <a:ln w="25400" cap="flat" cmpd="sng" algn="ctr">
+          <a:solidFill>
+            <a:schemeClr val="phClr"/>
+          </a:solidFill>
+          <a:prstDash val="solid"/>
+          <a:miter lim="800000"/>
+        </a:ln>
+      </a:lnStyleLst>
+      <a:effectStyleLst>
+        <a:effectStyle>
+          <a:effectLst/>
+        </a:effectStyle>
+        <a:effectStyle>
+          <a:effectLst/>
+        </a:effectStyle>
+        <a:effectStyle>
+          <a:effectLst>
+            <a:outerShdw blurRad="57150" dist="19050" dir="5400000" algn="ctr" rotWithShape="0">
+              <a:srgbClr val="000000">
+                <a:alpha val="63000"/>
+              </a:srgbClr>
+            </a:outerShdw>
+          </a:effectLst>
+        </a:effectStyle>
+      </a:effectStyleLst>
+      <a:bgFillStyleLst>
+        <a:solidFill>
+          <a:schemeClr val="phClr"/>
+        </a:solidFill>
+        <a:solidFill>
+          <a:schemeClr val="phClr">
+            <a:tint val="95000"/>
+            <a:satMod val="170000"/>
+          </a:schemeClr>
+        </a:solidFill>
+        <a:gradFill rotWithShape="1">
+          <a:gsLst>
+            <a:gs pos="0">
+              <a:schemeClr val="phClr">
+                <a:tint val="93000"/>
+                <a:satMod val="150000"/>
+                <a:shade val="98000"/>
+                <a:lumMod val="102000"/>
+              </a:schemeClr>
+            </a:gs>
+            <a:gs pos="50000">
+              <a:schemeClr val="phClr">
+                <a:tint val="98000"/>
+                <a:satMod val="130000"/>
+                <a:shade val="90000"/>
+                <a:lumMod val="103000"/>
+              </a:schemeClr>
+            </a:gs>
+            <a:gs pos="100000">
+              <a:schemeClr val="phClr">
+                <a:shade val="63000"/>
+                <a:satMod val="120000"/>
+              </a:schemeClr>
+            </a:gs>
+          </a:gsLst>
+          <a:lin ang="5400000" scaled="0"/>
+        </a:gradFill>
+      </a:bgFillStyleLst>
+    </a:fmtScheme>
+  </a:themeElements>
+  <a:objectDefaults>
+    <a:lnDef>
+      <a:spPr/>
+      <a:bodyPr/>
+      <a:lstStyle/>
+      <a:style>
+        <a:lnRef idx="2">
+          <a:schemeClr val="accent1"/>
+        </a:lnRef>
+        <a:fillRef idx="0">
+          <a:schemeClr val="accent1"/>
+        </a:fillRef>
+        <a:effectRef idx="1">
+          <a:schemeClr val="accent1"/>
+        </a:effectRef>
+        <a:fontRef idx="minor">
+          <a:schemeClr val="tx1"/>
+        </a:fontRef>
+      </a:style>
+    </a:lnDef>
+  </a:objectDefaults>
+  <a:extraClrSchemeLst/>
+  <a:extLst>
+    <a:ext uri="{05A4C25C-085E-4340-85A3-A5531E510DB2}">
+      <thm15:themeFamily xmlns:thm15="http://schemas.microsoft.com/office/thememl/2012/main" name="Office Theme" id="{2E142A2C-CD16-42D6-873A-C26D2A0506FA}" vid="{1BDDFF52-6CD6-40A5-AB3C-68EB2F1E4D0A}"/>
+    </a:ext>
+  </a:extLst>
+</a:theme>
 </file>
--- a/3. CSS/Slides/CSS Transformation&Animation.pptx
+++ b/3. CSS/Slides/CSS Transformation&Animation.pptx
@@ -996,6 +996,90 @@
 </file>
 
 <file path=ppt/notesSlides/notesSlide5.xml><?xml version="1.0" encoding="utf-8"?>
+<p:notes xmlns:a="http://schemas.openxmlformats.org/drawingml/2006/main" xmlns:r="http://schemas.openxmlformats.org/officeDocument/2006/relationships" xmlns:p="http://schemas.openxmlformats.org/presentationml/2006/main">
+  <p:cSld>
+    <p:spTree>
+      <p:nvGrpSpPr>
+        <p:cNvPr id="1" name=""/>
+        <p:cNvGrpSpPr/>
+        <p:nvPr/>
+      </p:nvGrpSpPr>
+      <p:grpSpPr>
+        <a:xfrm>
+          <a:off x="0" y="0"/>
+          <a:ext cx="0" cy="0"/>
+          <a:chOff x="0" y="0"/>
+          <a:chExt cx="0" cy="0"/>
+        </a:xfrm>
+      </p:grpSpPr>
+      <p:sp>
+        <p:nvSpPr>
+          <p:cNvPr id="2" name="Folienbildplatzhalter 1"/>
+          <p:cNvSpPr>
+            <a:spLocks noGrp="1" noRot="1" noChangeAspect="1"/>
+          </p:cNvSpPr>
+          <p:nvPr>
+            <p:ph type="sldImg"/>
+          </p:nvPr>
+        </p:nvSpPr>
+        <p:spPr/>
+      </p:sp>
+      <p:sp>
+        <p:nvSpPr>
+          <p:cNvPr id="3" name="Notizenplatzhalter 2"/>
+          <p:cNvSpPr>
+            <a:spLocks noGrp="1"/>
+          </p:cNvSpPr>
+          <p:nvPr>
+            <p:ph type="body" idx="1"/>
+          </p:nvPr>
+        </p:nvSpPr>
+        <p:spPr/>
+        <p:txBody>
+          <a:bodyPr/>
+          <a:lstStyle/>
+          <a:p>
+            <a:endParaRPr lang="de-AT" dirty="0"/>
+          </a:p>
+        </p:txBody>
+      </p:sp>
+      <p:sp>
+        <p:nvSpPr>
+          <p:cNvPr id="4" name="Foliennummernplatzhalter 3"/>
+          <p:cNvSpPr>
+            <a:spLocks noGrp="1"/>
+          </p:cNvSpPr>
+          <p:nvPr>
+            <p:ph type="sldNum" sz="quarter" idx="5"/>
+          </p:nvPr>
+        </p:nvSpPr>
+        <p:spPr/>
+        <p:txBody>
+          <a:bodyPr/>
+          <a:lstStyle/>
+          <a:p>
+            <a:fld id="{B1598897-9DDC-4E75-B1A7-D1A2AB60BB28}" type="slidenum">
+              <a:rPr lang="de-AT" smtClean="0"/>
+              <a:t>9</a:t>
+            </a:fld>
+            <a:endParaRPr lang="de-AT"/>
+          </a:p>
+        </p:txBody>
+      </p:sp>
+    </p:spTree>
+    <p:extLst>
+      <p:ext uri="{BB962C8B-B14F-4D97-AF65-F5344CB8AC3E}">
+        <p14:creationId xmlns:p14="http://schemas.microsoft.com/office/powerpoint/2010/main" val="4126356527"/>
+      </p:ext>
+    </p:extLst>
+  </p:cSld>
+  <p:clrMapOvr>
+    <a:masterClrMapping/>
+  </p:clrMapOvr>
+</p:notes>
+</file>
+
+<file path=ppt/notesSlides/notesSlide6.xml><?xml version="1.0" encoding="utf-8"?>
 <p:notes xmlns:a="http://schemas.openxmlformats.org/drawingml/2006/main" xmlns:r="http://schemas.openxmlformats.org/officeDocument/2006/relationships" xmlns:p="http://schemas.openxmlformats.org/presentationml/2006/main">
   <p:cSld>
     <p:spTree>
@@ -4979,7 +5063,7 @@
             </a:pPr>
             <a:r>
               <a:rPr lang="de-AT" sz="1600" dirty="0"/>
-              <a:t>Nach 3 Sekunden wechselt es auf Grün</a:t>
+              <a:t>Nach 2 Sekunden wechselt es auf gelb</a:t>
             </a:r>
           </a:p>
           <a:p>
@@ -4988,7 +5072,7 @@
             </a:pPr>
             <a:r>
               <a:rPr lang="de-AT" sz="1600" dirty="0"/>
-              <a:t>Nach 3 Sekunden fängt grün zu blinken an für  2 Sekunden</a:t>
+              <a:t>Nach 2 Sekunden wechselt es auf grün</a:t>
             </a:r>
           </a:p>
           <a:p>
@@ -4997,7 +5081,7 @@
             </a:pPr>
             <a:r>
               <a:rPr lang="de-AT" sz="1600" dirty="0"/>
-              <a:t>Danach wechselt es auf Gelb für 2 Sekunden</a:t>
+              <a:t>Nach 2 Sekunden blinkt es grün für 2 Sekunden</a:t>
             </a:r>
           </a:p>
           <a:p>
@@ -5006,7 +5090,16 @@
             </a:pPr>
             <a:r>
               <a:rPr lang="de-AT" sz="1600" dirty="0"/>
-              <a:t>Danach fängt der Zyklus wieder bei Rot an</a:t>
+              <a:t>Danach wird es gelb für 2 Sekunden</a:t>
+            </a:r>
+          </a:p>
+          <a:p>
+            <a:pPr marL="342900" indent="-342900">
+              <a:buAutoNum type="arabicPeriod"/>
+            </a:pPr>
+            <a:r>
+              <a:rPr lang="de-AT" sz="1600" dirty="0"/>
+              <a:t>Danach fängt der Zyklus von vorne an</a:t>
             </a:r>
           </a:p>
           <a:p>
@@ -5528,6 +5621,67 @@
                                           <p:spTgt spid="3">
                                             <p:txEl>
                                               <p:pRg st="5" end="5"/>
+                                            </p:txEl>
+                                          </p:spTgt>
+                                        </p:tgtEl>
+                                      </p:cBhvr>
+                                    </p:animEffect>
+                                  </p:childTnLst>
+                                </p:cTn>
+                              </p:par>
+                            </p:childTnLst>
+                          </p:cTn>
+                        </p:par>
+                      </p:childTnLst>
+                    </p:cTn>
+                  </p:par>
+                  <p:par>
+                    <p:cTn id="33" fill="hold">
+                      <p:stCondLst>
+                        <p:cond delay="indefinite"/>
+                      </p:stCondLst>
+                      <p:childTnLst>
+                        <p:par>
+                          <p:cTn id="34" fill="hold">
+                            <p:stCondLst>
+                              <p:cond delay="0"/>
+                            </p:stCondLst>
+                            <p:childTnLst>
+                              <p:par>
+                                <p:cTn id="35" presetID="10" presetClass="entr" presetSubtype="0" fill="hold" grpId="0" nodeType="clickEffect">
+                                  <p:stCondLst>
+                                    <p:cond delay="0"/>
+                                  </p:stCondLst>
+                                  <p:childTnLst>
+                                    <p:set>
+                                      <p:cBhvr>
+                                        <p:cTn id="36" dur="1" fill="hold">
+                                          <p:stCondLst>
+                                            <p:cond delay="0"/>
+                                          </p:stCondLst>
+                                        </p:cTn>
+                                        <p:tgtEl>
+                                          <p:spTgt spid="3">
+                                            <p:txEl>
+                                              <p:pRg st="6" end="6"/>
+                                            </p:txEl>
+                                          </p:spTgt>
+                                        </p:tgtEl>
+                                        <p:attrNameLst>
+                                          <p:attrName>style.visibility</p:attrName>
+                                        </p:attrNameLst>
+                                      </p:cBhvr>
+                                      <p:to>
+                                        <p:strVal val="visible"/>
+                                      </p:to>
+                                    </p:set>
+                                    <p:animEffect transition="in" filter="fade">
+                                      <p:cBhvr>
+                                        <p:cTn id="37" dur="500"/>
+                                        <p:tgtEl>
+                                          <p:spTgt spid="3">
+                                            <p:txEl>
+                                              <p:pRg st="6" end="6"/>
                                             </p:txEl>
                                           </p:spTgt>
                                         </p:tgtEl>
@@ -11355,7 +11509,7 @@
           <a:p>
             <a:r>
               <a:rPr lang="en-US" dirty="0">
-                <a:hlinkClick r:id="rId2"/>
+                <a:hlinkClick r:id="rId3"/>
               </a:rPr>
               <a:t>https://www.w3schools.com/css/css3_animations.asp</a:t>
             </a:r>
@@ -11474,7 +11628,7 @@
           <p:nvPr/>
         </p:nvPicPr>
         <p:blipFill>
-          <a:blip r:embed="rId3"/>
+          <a:blip r:embed="rId4"/>
           <a:stretch>
             <a:fillRect/>
           </a:stretch>
